--- a/images/videos.pptx
+++ b/images/videos.pptx
@@ -1032,11 +1032,18 @@
 <file path=ppt/diagrams/data1.xml><?xml version="1.0" encoding="utf-8"?>
 <dgm:dataModel xmlns:dgm="http://schemas.openxmlformats.org/drawingml/2006/diagram" xmlns:a="http://schemas.openxmlformats.org/drawingml/2006/main">
   <dgm:ptLst>
-    <dgm:pt modelId="{CFC4ABC4-BE64-42D8-A408-BEDE7BC2B14F}" type="doc">
+    <dgm:pt modelId="{94897CEC-EC47-4205-AAB6-EF4398C76812}" type="doc">
       <dgm:prSet loTypeId="urn:microsoft.com/office/officeart/2008/layout/HexagonCluster" loCatId="picture" qsTypeId="urn:microsoft.com/office/officeart/2005/8/quickstyle/simple5" qsCatId="simple" csTypeId="urn:microsoft.com/office/officeart/2005/8/colors/colorful1" csCatId="colorful" phldr="1"/>
       <dgm:spPr/>
+      <dgm:t>
+        <a:bodyPr/>
+        <a:lstStyle/>
+        <a:p>
+          <a:endParaRPr lang="en-US"/>
+        </a:p>
+      </dgm:t>
     </dgm:pt>
-    <dgm:pt modelId="{D1F447CB-B77A-490E-A956-AB8E93FBC904}">
+    <dgm:pt modelId="{EC6020E8-D415-44A4-9818-629A4E265CE6}">
       <dgm:prSet phldrT="[Text]"/>
       <dgm:spPr/>
       <dgm:t>
@@ -1051,7 +1058,7 @@
         </a:p>
       </dgm:t>
     </dgm:pt>
-    <dgm:pt modelId="{7EE4818F-9AFA-4F14-9F9B-9DAEF994FECB}" type="parTrans" cxnId="{50571766-728C-4EA5-AF43-15D5F09D72D8}">
+    <dgm:pt modelId="{CF2FF7C3-C317-4179-A485-DC5FD072CA25}" type="parTrans" cxnId="{E49E97B0-0A6C-4BA3-B959-5C6029F4310C}">
       <dgm:prSet/>
       <dgm:spPr/>
       <dgm:t>
@@ -1062,7 +1069,7 @@
         </a:p>
       </dgm:t>
     </dgm:pt>
-    <dgm:pt modelId="{29A3E7F8-5342-41BA-9B88-4EAA90676F88}" type="sibTrans" cxnId="{50571766-728C-4EA5-AF43-15D5F09D72D8}">
+    <dgm:pt modelId="{4C58A1D6-6D27-402B-BB50-8D684F762767}" type="sibTrans" cxnId="{E49E97B0-0A6C-4BA3-B959-5C6029F4310C}">
       <dgm:prSet/>
       <dgm:spPr/>
       <dgm:t>
@@ -1073,7 +1080,7 @@
         </a:p>
       </dgm:t>
     </dgm:pt>
-    <dgm:pt modelId="{D8549987-25F7-4128-8B17-EAC4454C66F8}">
+    <dgm:pt modelId="{37B7CA5B-AB6E-4518-9C99-79C5690514AD}">
       <dgm:prSet phldrT="[Text]"/>
       <dgm:spPr/>
       <dgm:t>
@@ -1088,7 +1095,7 @@
         </a:p>
       </dgm:t>
     </dgm:pt>
-    <dgm:pt modelId="{B2D0FE20-763F-40BA-BC29-BF75CE809C9B}" type="parTrans" cxnId="{EE89CB8F-F8A2-4D0D-9614-D303E4EFFD14}">
+    <dgm:pt modelId="{5A24B921-778A-45FC-A417-0A9D4173FDD3}" type="parTrans" cxnId="{7B540D5F-8D42-4BDA-A120-21BA64D10637}">
       <dgm:prSet/>
       <dgm:spPr/>
       <dgm:t>
@@ -1099,7 +1106,7 @@
         </a:p>
       </dgm:t>
     </dgm:pt>
-    <dgm:pt modelId="{58E1135C-0604-4647-95F4-986685E26719}" type="sibTrans" cxnId="{EE89CB8F-F8A2-4D0D-9614-D303E4EFFD14}">
+    <dgm:pt modelId="{01845BD4-5E19-470B-9DEA-E15A51FA126C}" type="sibTrans" cxnId="{7B540D5F-8D42-4BDA-A120-21BA64D10637}">
       <dgm:prSet/>
       <dgm:spPr/>
       <dgm:t>
@@ -1110,7 +1117,7 @@
         </a:p>
       </dgm:t>
     </dgm:pt>
-    <dgm:pt modelId="{3FB9F3A1-96BF-42ED-B69E-1E19F0DE9F70}">
+    <dgm:pt modelId="{8910FC04-5F11-4A5D-A047-97CC85A5CD11}">
       <dgm:prSet phldrT="[Text]"/>
       <dgm:spPr/>
       <dgm:t>
@@ -1125,7 +1132,7 @@
         </a:p>
       </dgm:t>
     </dgm:pt>
-    <dgm:pt modelId="{21C9E9B9-078A-404A-848C-B689D5B6B100}" type="sibTrans" cxnId="{95E26C2D-CB91-4C2B-98CE-A8C75587075E}">
+    <dgm:pt modelId="{5D678828-F5DC-45E2-B176-70B4BF243166}" type="parTrans" cxnId="{70309CD0-46D2-4AF4-AA27-907B8DC8F23F}">
       <dgm:prSet/>
       <dgm:spPr/>
       <dgm:t>
@@ -1136,7 +1143,7 @@
         </a:p>
       </dgm:t>
     </dgm:pt>
-    <dgm:pt modelId="{9CB3647E-5469-405D-8C90-3D180246834F}" type="parTrans" cxnId="{95E26C2D-CB91-4C2B-98CE-A8C75587075E}">
+    <dgm:pt modelId="{30BC543A-AE7F-4FFE-BE7F-DE8EE9A87410}" type="sibTrans" cxnId="{70309CD0-46D2-4AF4-AA27-907B8DC8F23F}">
       <dgm:prSet/>
       <dgm:spPr/>
       <dgm:t>
@@ -1147,8 +1154,8 @@
         </a:p>
       </dgm:t>
     </dgm:pt>
-    <dgm:pt modelId="{55F3218D-F22D-42C1-A5DE-8F2B7A70F36F}" type="pres">
-      <dgm:prSet presAssocID="{CFC4ABC4-BE64-42D8-A408-BEDE7BC2B14F}" presName="Name0" presStyleCnt="0">
+    <dgm:pt modelId="{4F4F7261-4834-4301-B010-70E6DD22C6DF}" type="pres">
+      <dgm:prSet presAssocID="{94897CEC-EC47-4205-AAB6-EF4398C76812}" presName="Name0" presStyleCnt="0">
         <dgm:presLayoutVars>
           <dgm:chMax val="21"/>
           <dgm:chPref val="21"/>
@@ -1156,12 +1163,12 @@
       </dgm:prSet>
       <dgm:spPr/>
     </dgm:pt>
-    <dgm:pt modelId="{0E5FB415-33AF-400F-BC3B-04D5B73F13D7}" type="pres">
-      <dgm:prSet presAssocID="{D1F447CB-B77A-490E-A956-AB8E93FBC904}" presName="text1" presStyleCnt="0"/>
+    <dgm:pt modelId="{F34D3E1D-327B-4FFC-8E69-5FC5DEAFBB30}" type="pres">
+      <dgm:prSet presAssocID="{EC6020E8-D415-44A4-9818-629A4E265CE6}" presName="text1" presStyleCnt="0"/>
       <dgm:spPr/>
     </dgm:pt>
-    <dgm:pt modelId="{22CD8B76-3A9A-4AF9-9D5C-57B81A41ACCB}" type="pres">
-      <dgm:prSet presAssocID="{D1F447CB-B77A-490E-A956-AB8E93FBC904}" presName="textRepeatNode" presStyleLbl="alignNode1" presStyleIdx="0" presStyleCnt="3">
+    <dgm:pt modelId="{DEFEFA0E-8D0A-4C95-9EF1-190E8C8356C0}" type="pres">
+      <dgm:prSet presAssocID="{EC6020E8-D415-44A4-9818-629A4E265CE6}" presName="textRepeatNode" presStyleLbl="alignNode1" presStyleIdx="0" presStyleCnt="3">
         <dgm:presLayoutVars>
           <dgm:chMax val="0"/>
           <dgm:chPref val="0"/>
@@ -1169,51 +1176,37 @@
         </dgm:presLayoutVars>
       </dgm:prSet>
       <dgm:spPr/>
-      <dgm:t>
-        <a:bodyPr/>
-        <a:lstStyle/>
-        <a:p>
-          <a:endParaRPr lang="en-US"/>
-        </a:p>
-      </dgm:t>
     </dgm:pt>
-    <dgm:pt modelId="{961A9B0F-B95A-44D8-B908-5798F0F543F9}" type="pres">
-      <dgm:prSet presAssocID="{D1F447CB-B77A-490E-A956-AB8E93FBC904}" presName="textaccent1" presStyleCnt="0"/>
+    <dgm:pt modelId="{9F56A770-E1E1-48A0-A5E6-7FFD480E7EA4}" type="pres">
+      <dgm:prSet presAssocID="{EC6020E8-D415-44A4-9818-629A4E265CE6}" presName="textaccent1" presStyleCnt="0"/>
       <dgm:spPr/>
     </dgm:pt>
-    <dgm:pt modelId="{561F0622-053C-48B2-921B-042E3B7ED48E}" type="pres">
-      <dgm:prSet presAssocID="{D1F447CB-B77A-490E-A956-AB8E93FBC904}" presName="accentRepeatNode" presStyleLbl="solidAlignAcc1" presStyleIdx="0" presStyleCnt="6"/>
+    <dgm:pt modelId="{E8B64CB7-1EC9-4C66-8ED3-B980BD6DB433}" type="pres">
+      <dgm:prSet presAssocID="{EC6020E8-D415-44A4-9818-629A4E265CE6}" presName="accentRepeatNode" presStyleLbl="solidAlignAcc1" presStyleIdx="0" presStyleCnt="6"/>
       <dgm:spPr/>
     </dgm:pt>
-    <dgm:pt modelId="{CC93B255-EBEC-43BE-AFBC-1B16093D1697}" type="pres">
-      <dgm:prSet presAssocID="{29A3E7F8-5342-41BA-9B88-4EAA90676F88}" presName="image1" presStyleCnt="0"/>
+    <dgm:pt modelId="{7FD1FA7B-9A6C-46C5-850A-DAD343794AAE}" type="pres">
+      <dgm:prSet presAssocID="{4C58A1D6-6D27-402B-BB50-8D684F762767}" presName="image1" presStyleCnt="0"/>
       <dgm:spPr/>
     </dgm:pt>
-    <dgm:pt modelId="{BB5CB1EE-DDAF-4DF2-A358-4AF386941018}" type="pres">
-      <dgm:prSet presAssocID="{29A3E7F8-5342-41BA-9B88-4EAA90676F88}" presName="imageRepeatNode" presStyleLbl="alignAcc1" presStyleIdx="0" presStyleCnt="3"/>
-      <dgm:spPr/>
-      <dgm:t>
-        <a:bodyPr/>
-        <a:lstStyle/>
-        <a:p>
-          <a:endParaRPr lang="en-US"/>
-        </a:p>
-      </dgm:t>
-    </dgm:pt>
-    <dgm:pt modelId="{6C862872-DEFE-41CB-AF6E-38920654A731}" type="pres">
-      <dgm:prSet presAssocID="{29A3E7F8-5342-41BA-9B88-4EAA90676F88}" presName="imageaccent1" presStyleCnt="0"/>
+    <dgm:pt modelId="{C0E92A8B-E6F3-4316-9D8E-C4793428F15A}" type="pres">
+      <dgm:prSet presAssocID="{4C58A1D6-6D27-402B-BB50-8D684F762767}" presName="imageRepeatNode" presStyleLbl="alignAcc1" presStyleIdx="0" presStyleCnt="3"/>
       <dgm:spPr/>
     </dgm:pt>
-    <dgm:pt modelId="{0575316E-0E80-4501-A4ED-12142467249F}" type="pres">
-      <dgm:prSet presAssocID="{29A3E7F8-5342-41BA-9B88-4EAA90676F88}" presName="accentRepeatNode" presStyleLbl="solidAlignAcc1" presStyleIdx="1" presStyleCnt="6"/>
+    <dgm:pt modelId="{215D4583-9E32-4296-A8E7-ABFD75E85BEE}" type="pres">
+      <dgm:prSet presAssocID="{4C58A1D6-6D27-402B-BB50-8D684F762767}" presName="imageaccent1" presStyleCnt="0"/>
       <dgm:spPr/>
     </dgm:pt>
-    <dgm:pt modelId="{F7DA9ABA-E82C-4BD6-A367-99459C070364}" type="pres">
-      <dgm:prSet presAssocID="{D8549987-25F7-4128-8B17-EAC4454C66F8}" presName="text2" presStyleCnt="0"/>
+    <dgm:pt modelId="{F3248BCA-6B4F-47DB-979A-7B85E4F92865}" type="pres">
+      <dgm:prSet presAssocID="{4C58A1D6-6D27-402B-BB50-8D684F762767}" presName="accentRepeatNode" presStyleLbl="solidAlignAcc1" presStyleIdx="1" presStyleCnt="6"/>
       <dgm:spPr/>
     </dgm:pt>
-    <dgm:pt modelId="{CC3AFF76-AF72-479A-82AE-1AA674391552}" type="pres">
-      <dgm:prSet presAssocID="{D8549987-25F7-4128-8B17-EAC4454C66F8}" presName="textRepeatNode" presStyleLbl="alignNode1" presStyleIdx="1" presStyleCnt="3">
+    <dgm:pt modelId="{CF254909-5F13-453C-B6CF-11762B23068B}" type="pres">
+      <dgm:prSet presAssocID="{37B7CA5B-AB6E-4518-9C99-79C5690514AD}" presName="text2" presStyleCnt="0"/>
+      <dgm:spPr/>
+    </dgm:pt>
+    <dgm:pt modelId="{107E04BD-C41C-496D-B408-5977D9C06304}" type="pres">
+      <dgm:prSet presAssocID="{37B7CA5B-AB6E-4518-9C99-79C5690514AD}" presName="textRepeatNode" presStyleLbl="alignNode1" presStyleIdx="1" presStyleCnt="3">
         <dgm:presLayoutVars>
           <dgm:chMax val="0"/>
           <dgm:chPref val="0"/>
@@ -1221,51 +1214,37 @@
         </dgm:presLayoutVars>
       </dgm:prSet>
       <dgm:spPr/>
-      <dgm:t>
-        <a:bodyPr/>
-        <a:lstStyle/>
-        <a:p>
-          <a:endParaRPr lang="en-US"/>
-        </a:p>
-      </dgm:t>
     </dgm:pt>
-    <dgm:pt modelId="{B63ADDBD-491E-4D0F-8412-137E03715D63}" type="pres">
-      <dgm:prSet presAssocID="{D8549987-25F7-4128-8B17-EAC4454C66F8}" presName="textaccent2" presStyleCnt="0"/>
+    <dgm:pt modelId="{242D4A46-B116-4F0A-92F0-04BD80E082EC}" type="pres">
+      <dgm:prSet presAssocID="{37B7CA5B-AB6E-4518-9C99-79C5690514AD}" presName="textaccent2" presStyleCnt="0"/>
       <dgm:spPr/>
     </dgm:pt>
-    <dgm:pt modelId="{D5CE18BE-E8A2-4CF3-BB2A-A0D62738368C}" type="pres">
-      <dgm:prSet presAssocID="{D8549987-25F7-4128-8B17-EAC4454C66F8}" presName="accentRepeatNode" presStyleLbl="solidAlignAcc1" presStyleIdx="2" presStyleCnt="6"/>
+    <dgm:pt modelId="{87F2E570-C898-4775-8C88-12786A0AC14D}" type="pres">
+      <dgm:prSet presAssocID="{37B7CA5B-AB6E-4518-9C99-79C5690514AD}" presName="accentRepeatNode" presStyleLbl="solidAlignAcc1" presStyleIdx="2" presStyleCnt="6"/>
       <dgm:spPr/>
     </dgm:pt>
-    <dgm:pt modelId="{0AB398B9-1DBC-4353-9CC4-46D61A45AFE0}" type="pres">
-      <dgm:prSet presAssocID="{58E1135C-0604-4647-95F4-986685E26719}" presName="image2" presStyleCnt="0"/>
+    <dgm:pt modelId="{10C4409E-B7E6-4CAF-8B78-A3EFE7C78762}" type="pres">
+      <dgm:prSet presAssocID="{01845BD4-5E19-470B-9DEA-E15A51FA126C}" presName="image2" presStyleCnt="0"/>
       <dgm:spPr/>
     </dgm:pt>
-    <dgm:pt modelId="{8F17458C-05DF-427E-8CA7-68068170185A}" type="pres">
-      <dgm:prSet presAssocID="{58E1135C-0604-4647-95F4-986685E26719}" presName="imageRepeatNode" presStyleLbl="alignAcc1" presStyleIdx="1" presStyleCnt="3"/>
-      <dgm:spPr/>
-      <dgm:t>
-        <a:bodyPr/>
-        <a:lstStyle/>
-        <a:p>
-          <a:endParaRPr lang="en-US"/>
-        </a:p>
-      </dgm:t>
-    </dgm:pt>
-    <dgm:pt modelId="{BE2E9A7B-82F8-4065-968D-FBDBE457F099}" type="pres">
-      <dgm:prSet presAssocID="{58E1135C-0604-4647-95F4-986685E26719}" presName="imageaccent2" presStyleCnt="0"/>
+    <dgm:pt modelId="{8D228CD1-F050-49A6-986C-ABF437B90F83}" type="pres">
+      <dgm:prSet presAssocID="{01845BD4-5E19-470B-9DEA-E15A51FA126C}" presName="imageRepeatNode" presStyleLbl="alignAcc1" presStyleIdx="1" presStyleCnt="3"/>
       <dgm:spPr/>
     </dgm:pt>
-    <dgm:pt modelId="{362878D9-7521-46C3-8A43-C9A6D80DD680}" type="pres">
-      <dgm:prSet presAssocID="{58E1135C-0604-4647-95F4-986685E26719}" presName="accentRepeatNode" presStyleLbl="solidAlignAcc1" presStyleIdx="3" presStyleCnt="6"/>
+    <dgm:pt modelId="{6F8B689F-710D-4A18-A181-10948411A569}" type="pres">
+      <dgm:prSet presAssocID="{01845BD4-5E19-470B-9DEA-E15A51FA126C}" presName="imageaccent2" presStyleCnt="0"/>
       <dgm:spPr/>
     </dgm:pt>
-    <dgm:pt modelId="{EBAD5387-AA7A-41B6-886D-9255C15206C4}" type="pres">
-      <dgm:prSet presAssocID="{3FB9F3A1-96BF-42ED-B69E-1E19F0DE9F70}" presName="text3" presStyleCnt="0"/>
+    <dgm:pt modelId="{343A59D8-E6E5-4DEF-BB47-BC1823BA386A}" type="pres">
+      <dgm:prSet presAssocID="{01845BD4-5E19-470B-9DEA-E15A51FA126C}" presName="accentRepeatNode" presStyleLbl="solidAlignAcc1" presStyleIdx="3" presStyleCnt="6"/>
       <dgm:spPr/>
     </dgm:pt>
-    <dgm:pt modelId="{F325C934-4FCA-4C12-80FB-8C0EBFCDDA4E}" type="pres">
-      <dgm:prSet presAssocID="{3FB9F3A1-96BF-42ED-B69E-1E19F0DE9F70}" presName="textRepeatNode" presStyleLbl="alignNode1" presStyleIdx="2" presStyleCnt="3">
+    <dgm:pt modelId="{44069DDD-D457-404A-9F71-CB63D4EEB3EC}" type="pres">
+      <dgm:prSet presAssocID="{8910FC04-5F11-4A5D-A047-97CC85A5CD11}" presName="text3" presStyleCnt="0"/>
+      <dgm:spPr/>
+    </dgm:pt>
+    <dgm:pt modelId="{9E240A31-50AA-4643-A009-BABA4955A683}" type="pres">
+      <dgm:prSet presAssocID="{8910FC04-5F11-4A5D-A047-97CC85A5CD11}" presName="textRepeatNode" presStyleLbl="alignNode1" presStyleIdx="2" presStyleCnt="3">
         <dgm:presLayoutVars>
           <dgm:chMax val="0"/>
           <dgm:chPref val="0"/>
@@ -1273,81 +1252,67 @@
         </dgm:presLayoutVars>
       </dgm:prSet>
       <dgm:spPr/>
-      <dgm:t>
-        <a:bodyPr/>
-        <a:lstStyle/>
-        <a:p>
-          <a:endParaRPr lang="en-US"/>
-        </a:p>
-      </dgm:t>
     </dgm:pt>
-    <dgm:pt modelId="{994BFABF-9541-4DF0-A1DF-A8832EE0EC54}" type="pres">
-      <dgm:prSet presAssocID="{3FB9F3A1-96BF-42ED-B69E-1E19F0DE9F70}" presName="textaccent3" presStyleCnt="0"/>
+    <dgm:pt modelId="{9A844368-1DF5-4225-9740-811AE1F71B35}" type="pres">
+      <dgm:prSet presAssocID="{8910FC04-5F11-4A5D-A047-97CC85A5CD11}" presName="textaccent3" presStyleCnt="0"/>
       <dgm:spPr/>
     </dgm:pt>
-    <dgm:pt modelId="{390E4D7E-502F-4791-B119-E44EAC0919EB}" type="pres">
-      <dgm:prSet presAssocID="{3FB9F3A1-96BF-42ED-B69E-1E19F0DE9F70}" presName="accentRepeatNode" presStyleLbl="solidAlignAcc1" presStyleIdx="4" presStyleCnt="6"/>
+    <dgm:pt modelId="{A743DD33-A922-4FC4-A27C-4943A4A3547B}" type="pres">
+      <dgm:prSet presAssocID="{8910FC04-5F11-4A5D-A047-97CC85A5CD11}" presName="accentRepeatNode" presStyleLbl="solidAlignAcc1" presStyleIdx="4" presStyleCnt="6"/>
       <dgm:spPr/>
     </dgm:pt>
-    <dgm:pt modelId="{E70ABFF0-CF90-4BBC-AA17-14AD2A12DB46}" type="pres">
-      <dgm:prSet presAssocID="{21C9E9B9-078A-404A-848C-B689D5B6B100}" presName="image3" presStyleCnt="0"/>
+    <dgm:pt modelId="{E009C6BD-BA33-4084-AA6B-ADF3BD91A3BF}" type="pres">
+      <dgm:prSet presAssocID="{30BC543A-AE7F-4FFE-BE7F-DE8EE9A87410}" presName="image3" presStyleCnt="0"/>
       <dgm:spPr/>
     </dgm:pt>
-    <dgm:pt modelId="{3AF1F367-C12D-4085-B6BB-179E7152B9C1}" type="pres">
-      <dgm:prSet presAssocID="{21C9E9B9-078A-404A-848C-B689D5B6B100}" presName="imageRepeatNode" presStyleLbl="alignAcc1" presStyleIdx="2" presStyleCnt="3"/>
-      <dgm:spPr/>
-      <dgm:t>
-        <a:bodyPr/>
-        <a:lstStyle/>
-        <a:p>
-          <a:endParaRPr lang="en-US"/>
-        </a:p>
-      </dgm:t>
-    </dgm:pt>
-    <dgm:pt modelId="{81F45366-C25E-497E-8D70-8177BBC18853}" type="pres">
-      <dgm:prSet presAssocID="{21C9E9B9-078A-404A-848C-B689D5B6B100}" presName="imageaccent3" presStyleCnt="0"/>
+    <dgm:pt modelId="{D7EAADFD-8BF1-45C5-912A-EB50E3646744}" type="pres">
+      <dgm:prSet presAssocID="{30BC543A-AE7F-4FFE-BE7F-DE8EE9A87410}" presName="imageRepeatNode" presStyleLbl="alignAcc1" presStyleIdx="2" presStyleCnt="3"/>
       <dgm:spPr/>
     </dgm:pt>
-    <dgm:pt modelId="{112BDE7B-F2BF-4E7E-92FA-78A42C3A4795}" type="pres">
-      <dgm:prSet presAssocID="{21C9E9B9-078A-404A-848C-B689D5B6B100}" presName="accentRepeatNode" presStyleLbl="solidAlignAcc1" presStyleIdx="5" presStyleCnt="6"/>
+    <dgm:pt modelId="{F35DDBC7-D844-4522-9D80-04DCAC32A433}" type="pres">
+      <dgm:prSet presAssocID="{30BC543A-AE7F-4FFE-BE7F-DE8EE9A87410}" presName="imageaccent3" presStyleCnt="0"/>
+      <dgm:spPr/>
+    </dgm:pt>
+    <dgm:pt modelId="{F2D20CA5-955F-41A0-BF26-A9E5D7429395}" type="pres">
+      <dgm:prSet presAssocID="{30BC543A-AE7F-4FFE-BE7F-DE8EE9A87410}" presName="accentRepeatNode" presStyleLbl="solidAlignAcc1" presStyleIdx="5" presStyleCnt="6"/>
       <dgm:spPr/>
     </dgm:pt>
   </dgm:ptLst>
   <dgm:cxnLst>
-    <dgm:cxn modelId="{6C1C9396-0889-4EC2-915C-A21BCA9B8A12}" type="presOf" srcId="{CFC4ABC4-BE64-42D8-A408-BEDE7BC2B14F}" destId="{55F3218D-F22D-42C1-A5DE-8F2B7A70F36F}" srcOrd="0" destOrd="0" presId="urn:microsoft.com/office/officeart/2008/layout/HexagonCluster"/>
-    <dgm:cxn modelId="{AC1E8BA2-C2DA-4085-9103-3B69DDD65BAB}" type="presOf" srcId="{3FB9F3A1-96BF-42ED-B69E-1E19F0DE9F70}" destId="{F325C934-4FCA-4C12-80FB-8C0EBFCDDA4E}" srcOrd="0" destOrd="0" presId="urn:microsoft.com/office/officeart/2008/layout/HexagonCluster"/>
-    <dgm:cxn modelId="{50571766-728C-4EA5-AF43-15D5F09D72D8}" srcId="{CFC4ABC4-BE64-42D8-A408-BEDE7BC2B14F}" destId="{D1F447CB-B77A-490E-A956-AB8E93FBC904}" srcOrd="0" destOrd="0" parTransId="{7EE4818F-9AFA-4F14-9F9B-9DAEF994FECB}" sibTransId="{29A3E7F8-5342-41BA-9B88-4EAA90676F88}"/>
-    <dgm:cxn modelId="{C67A7D8E-6403-4696-BE87-E6B4F41E823E}" type="presOf" srcId="{21C9E9B9-078A-404A-848C-B689D5B6B100}" destId="{3AF1F367-C12D-4085-B6BB-179E7152B9C1}" srcOrd="0" destOrd="0" presId="urn:microsoft.com/office/officeart/2008/layout/HexagonCluster"/>
-    <dgm:cxn modelId="{EE89CB8F-F8A2-4D0D-9614-D303E4EFFD14}" srcId="{CFC4ABC4-BE64-42D8-A408-BEDE7BC2B14F}" destId="{D8549987-25F7-4128-8B17-EAC4454C66F8}" srcOrd="1" destOrd="0" parTransId="{B2D0FE20-763F-40BA-BC29-BF75CE809C9B}" sibTransId="{58E1135C-0604-4647-95F4-986685E26719}"/>
-    <dgm:cxn modelId="{FCB5A1BB-0CC5-4AE5-B6D2-67C4D935484A}" type="presOf" srcId="{D1F447CB-B77A-490E-A956-AB8E93FBC904}" destId="{22CD8B76-3A9A-4AF9-9D5C-57B81A41ACCB}" srcOrd="0" destOrd="0" presId="urn:microsoft.com/office/officeart/2008/layout/HexagonCluster"/>
-    <dgm:cxn modelId="{B905D6F2-1787-4373-81F1-1BB46BDAD581}" type="presOf" srcId="{58E1135C-0604-4647-95F4-986685E26719}" destId="{8F17458C-05DF-427E-8CA7-68068170185A}" srcOrd="0" destOrd="0" presId="urn:microsoft.com/office/officeart/2008/layout/HexagonCluster"/>
-    <dgm:cxn modelId="{EF11B54B-D97A-4EAD-940C-32119EC79527}" type="presOf" srcId="{D8549987-25F7-4128-8B17-EAC4454C66F8}" destId="{CC3AFF76-AF72-479A-82AE-1AA674391552}" srcOrd="0" destOrd="0" presId="urn:microsoft.com/office/officeart/2008/layout/HexagonCluster"/>
-    <dgm:cxn modelId="{6DFACCD3-9BE7-431F-A6F1-59A0189B80DB}" type="presOf" srcId="{29A3E7F8-5342-41BA-9B88-4EAA90676F88}" destId="{BB5CB1EE-DDAF-4DF2-A358-4AF386941018}" srcOrd="0" destOrd="0" presId="urn:microsoft.com/office/officeart/2008/layout/HexagonCluster"/>
-    <dgm:cxn modelId="{95E26C2D-CB91-4C2B-98CE-A8C75587075E}" srcId="{CFC4ABC4-BE64-42D8-A408-BEDE7BC2B14F}" destId="{3FB9F3A1-96BF-42ED-B69E-1E19F0DE9F70}" srcOrd="2" destOrd="0" parTransId="{9CB3647E-5469-405D-8C90-3D180246834F}" sibTransId="{21C9E9B9-078A-404A-848C-B689D5B6B100}"/>
-    <dgm:cxn modelId="{AB59055E-B478-4471-B767-38E82343C141}" type="presParOf" srcId="{55F3218D-F22D-42C1-A5DE-8F2B7A70F36F}" destId="{0E5FB415-33AF-400F-BC3B-04D5B73F13D7}" srcOrd="0" destOrd="0" presId="urn:microsoft.com/office/officeart/2008/layout/HexagonCluster"/>
-    <dgm:cxn modelId="{79ABB647-E298-4B93-B336-3673185ED9C0}" type="presParOf" srcId="{0E5FB415-33AF-400F-BC3B-04D5B73F13D7}" destId="{22CD8B76-3A9A-4AF9-9D5C-57B81A41ACCB}" srcOrd="0" destOrd="0" presId="urn:microsoft.com/office/officeart/2008/layout/HexagonCluster"/>
-    <dgm:cxn modelId="{A65A6454-B465-415E-ACCE-00CAF1F18671}" type="presParOf" srcId="{55F3218D-F22D-42C1-A5DE-8F2B7A70F36F}" destId="{961A9B0F-B95A-44D8-B908-5798F0F543F9}" srcOrd="1" destOrd="0" presId="urn:microsoft.com/office/officeart/2008/layout/HexagonCluster"/>
-    <dgm:cxn modelId="{C1E5A584-D66F-42AA-9ADB-C31344BBD38A}" type="presParOf" srcId="{961A9B0F-B95A-44D8-B908-5798F0F543F9}" destId="{561F0622-053C-48B2-921B-042E3B7ED48E}" srcOrd="0" destOrd="0" presId="urn:microsoft.com/office/officeart/2008/layout/HexagonCluster"/>
-    <dgm:cxn modelId="{3CBA845B-35D3-4578-86FB-B549925C55A2}" type="presParOf" srcId="{55F3218D-F22D-42C1-A5DE-8F2B7A70F36F}" destId="{CC93B255-EBEC-43BE-AFBC-1B16093D1697}" srcOrd="2" destOrd="0" presId="urn:microsoft.com/office/officeart/2008/layout/HexagonCluster"/>
-    <dgm:cxn modelId="{938F7480-728E-459C-9F0D-9885928D9835}" type="presParOf" srcId="{CC93B255-EBEC-43BE-AFBC-1B16093D1697}" destId="{BB5CB1EE-DDAF-4DF2-A358-4AF386941018}" srcOrd="0" destOrd="0" presId="urn:microsoft.com/office/officeart/2008/layout/HexagonCluster"/>
-    <dgm:cxn modelId="{70BD13FB-905C-4003-95FD-516705B78B15}" type="presParOf" srcId="{55F3218D-F22D-42C1-A5DE-8F2B7A70F36F}" destId="{6C862872-DEFE-41CB-AF6E-38920654A731}" srcOrd="3" destOrd="0" presId="urn:microsoft.com/office/officeart/2008/layout/HexagonCluster"/>
-    <dgm:cxn modelId="{06BF9934-D11C-41F8-8F14-59B40A142161}" type="presParOf" srcId="{6C862872-DEFE-41CB-AF6E-38920654A731}" destId="{0575316E-0E80-4501-A4ED-12142467249F}" srcOrd="0" destOrd="0" presId="urn:microsoft.com/office/officeart/2008/layout/HexagonCluster"/>
-    <dgm:cxn modelId="{A15630AE-352C-4638-93F6-8A29920CBDF4}" type="presParOf" srcId="{55F3218D-F22D-42C1-A5DE-8F2B7A70F36F}" destId="{F7DA9ABA-E82C-4BD6-A367-99459C070364}" srcOrd="4" destOrd="0" presId="urn:microsoft.com/office/officeart/2008/layout/HexagonCluster"/>
-    <dgm:cxn modelId="{38C3A228-E64A-49D4-846A-F1AF5158D7DE}" type="presParOf" srcId="{F7DA9ABA-E82C-4BD6-A367-99459C070364}" destId="{CC3AFF76-AF72-479A-82AE-1AA674391552}" srcOrd="0" destOrd="0" presId="urn:microsoft.com/office/officeart/2008/layout/HexagonCluster"/>
-    <dgm:cxn modelId="{D55FEFDA-A2EC-4F90-B42A-0FB92AEA963B}" type="presParOf" srcId="{55F3218D-F22D-42C1-A5DE-8F2B7A70F36F}" destId="{B63ADDBD-491E-4D0F-8412-137E03715D63}" srcOrd="5" destOrd="0" presId="urn:microsoft.com/office/officeart/2008/layout/HexagonCluster"/>
-    <dgm:cxn modelId="{714B3DE2-1BCC-48BE-8834-1CF3290C4B37}" type="presParOf" srcId="{B63ADDBD-491E-4D0F-8412-137E03715D63}" destId="{D5CE18BE-E8A2-4CF3-BB2A-A0D62738368C}" srcOrd="0" destOrd="0" presId="urn:microsoft.com/office/officeart/2008/layout/HexagonCluster"/>
-    <dgm:cxn modelId="{0337A3D9-6DF2-47CE-BA49-F230F7A37BA7}" type="presParOf" srcId="{55F3218D-F22D-42C1-A5DE-8F2B7A70F36F}" destId="{0AB398B9-1DBC-4353-9CC4-46D61A45AFE0}" srcOrd="6" destOrd="0" presId="urn:microsoft.com/office/officeart/2008/layout/HexagonCluster"/>
-    <dgm:cxn modelId="{E48CCB64-4CBA-4C28-9381-43B282FB78D8}" type="presParOf" srcId="{0AB398B9-1DBC-4353-9CC4-46D61A45AFE0}" destId="{8F17458C-05DF-427E-8CA7-68068170185A}" srcOrd="0" destOrd="0" presId="urn:microsoft.com/office/officeart/2008/layout/HexagonCluster"/>
-    <dgm:cxn modelId="{1AFDA748-BCEC-40B5-B0DA-DD42F2B5ED86}" type="presParOf" srcId="{55F3218D-F22D-42C1-A5DE-8F2B7A70F36F}" destId="{BE2E9A7B-82F8-4065-968D-FBDBE457F099}" srcOrd="7" destOrd="0" presId="urn:microsoft.com/office/officeart/2008/layout/HexagonCluster"/>
-    <dgm:cxn modelId="{05F92B51-64A3-4916-AF90-C64606D72531}" type="presParOf" srcId="{BE2E9A7B-82F8-4065-968D-FBDBE457F099}" destId="{362878D9-7521-46C3-8A43-C9A6D80DD680}" srcOrd="0" destOrd="0" presId="urn:microsoft.com/office/officeart/2008/layout/HexagonCluster"/>
-    <dgm:cxn modelId="{CF751851-9D37-4A8A-B876-A31CCA05B060}" type="presParOf" srcId="{55F3218D-F22D-42C1-A5DE-8F2B7A70F36F}" destId="{EBAD5387-AA7A-41B6-886D-9255C15206C4}" srcOrd="8" destOrd="0" presId="urn:microsoft.com/office/officeart/2008/layout/HexagonCluster"/>
-    <dgm:cxn modelId="{07549576-36AF-4A8B-ACCE-0A5016D48D4B}" type="presParOf" srcId="{EBAD5387-AA7A-41B6-886D-9255C15206C4}" destId="{F325C934-4FCA-4C12-80FB-8C0EBFCDDA4E}" srcOrd="0" destOrd="0" presId="urn:microsoft.com/office/officeart/2008/layout/HexagonCluster"/>
-    <dgm:cxn modelId="{87F26078-6501-40BA-B024-2599E8BBD121}" type="presParOf" srcId="{55F3218D-F22D-42C1-A5DE-8F2B7A70F36F}" destId="{994BFABF-9541-4DF0-A1DF-A8832EE0EC54}" srcOrd="9" destOrd="0" presId="urn:microsoft.com/office/officeart/2008/layout/HexagonCluster"/>
-    <dgm:cxn modelId="{B1189322-E6D6-487A-B507-0AB04B6B4657}" type="presParOf" srcId="{994BFABF-9541-4DF0-A1DF-A8832EE0EC54}" destId="{390E4D7E-502F-4791-B119-E44EAC0919EB}" srcOrd="0" destOrd="0" presId="urn:microsoft.com/office/officeart/2008/layout/HexagonCluster"/>
-    <dgm:cxn modelId="{8FE15EEF-2F97-4137-BD1F-7158277E34BE}" type="presParOf" srcId="{55F3218D-F22D-42C1-A5DE-8F2B7A70F36F}" destId="{E70ABFF0-CF90-4BBC-AA17-14AD2A12DB46}" srcOrd="10" destOrd="0" presId="urn:microsoft.com/office/officeart/2008/layout/HexagonCluster"/>
-    <dgm:cxn modelId="{5BFB2D4A-FBF0-4C1F-894B-6235697AEAC6}" type="presParOf" srcId="{E70ABFF0-CF90-4BBC-AA17-14AD2A12DB46}" destId="{3AF1F367-C12D-4085-B6BB-179E7152B9C1}" srcOrd="0" destOrd="0" presId="urn:microsoft.com/office/officeart/2008/layout/HexagonCluster"/>
-    <dgm:cxn modelId="{D82A6306-979F-479F-86A1-4A8B8433C3B5}" type="presParOf" srcId="{55F3218D-F22D-42C1-A5DE-8F2B7A70F36F}" destId="{81F45366-C25E-497E-8D70-8177BBC18853}" srcOrd="11" destOrd="0" presId="urn:microsoft.com/office/officeart/2008/layout/HexagonCluster"/>
-    <dgm:cxn modelId="{59BC187A-1CD7-45E6-A6D3-CDB823E28827}" type="presParOf" srcId="{81F45366-C25E-497E-8D70-8177BBC18853}" destId="{112BDE7B-F2BF-4E7E-92FA-78A42C3A4795}" srcOrd="0" destOrd="0" presId="urn:microsoft.com/office/officeart/2008/layout/HexagonCluster"/>
+    <dgm:cxn modelId="{D2F1D449-D228-4D66-BF09-FA6D87CC735B}" type="presOf" srcId="{01845BD4-5E19-470B-9DEA-E15A51FA126C}" destId="{8D228CD1-F050-49A6-986C-ABF437B90F83}" srcOrd="0" destOrd="0" presId="urn:microsoft.com/office/officeart/2008/layout/HexagonCluster"/>
+    <dgm:cxn modelId="{70309CD0-46D2-4AF4-AA27-907B8DC8F23F}" srcId="{94897CEC-EC47-4205-AAB6-EF4398C76812}" destId="{8910FC04-5F11-4A5D-A047-97CC85A5CD11}" srcOrd="2" destOrd="0" parTransId="{5D678828-F5DC-45E2-B176-70B4BF243166}" sibTransId="{30BC543A-AE7F-4FFE-BE7F-DE8EE9A87410}"/>
+    <dgm:cxn modelId="{D1FAD31F-BD65-4419-AAA2-152F1EB3D830}" type="presOf" srcId="{8910FC04-5F11-4A5D-A047-97CC85A5CD11}" destId="{9E240A31-50AA-4643-A009-BABA4955A683}" srcOrd="0" destOrd="0" presId="urn:microsoft.com/office/officeart/2008/layout/HexagonCluster"/>
+    <dgm:cxn modelId="{336469E8-0A4C-42F6-B94A-3F5D2D2E42BF}" type="presOf" srcId="{30BC543A-AE7F-4FFE-BE7F-DE8EE9A87410}" destId="{D7EAADFD-8BF1-45C5-912A-EB50E3646744}" srcOrd="0" destOrd="0" presId="urn:microsoft.com/office/officeart/2008/layout/HexagonCluster"/>
+    <dgm:cxn modelId="{E49E97B0-0A6C-4BA3-B959-5C6029F4310C}" srcId="{94897CEC-EC47-4205-AAB6-EF4398C76812}" destId="{EC6020E8-D415-44A4-9818-629A4E265CE6}" srcOrd="0" destOrd="0" parTransId="{CF2FF7C3-C317-4179-A485-DC5FD072CA25}" sibTransId="{4C58A1D6-6D27-402B-BB50-8D684F762767}"/>
+    <dgm:cxn modelId="{B6CDB7F8-1374-4F57-BBE1-2CB4DE42951F}" type="presOf" srcId="{EC6020E8-D415-44A4-9818-629A4E265CE6}" destId="{DEFEFA0E-8D0A-4C95-9EF1-190E8C8356C0}" srcOrd="0" destOrd="0" presId="urn:microsoft.com/office/officeart/2008/layout/HexagonCluster"/>
+    <dgm:cxn modelId="{DE47CECD-783F-408C-833D-5962EC74EB8C}" type="presOf" srcId="{94897CEC-EC47-4205-AAB6-EF4398C76812}" destId="{4F4F7261-4834-4301-B010-70E6DD22C6DF}" srcOrd="0" destOrd="0" presId="urn:microsoft.com/office/officeart/2008/layout/HexagonCluster"/>
+    <dgm:cxn modelId="{0A9B8C14-9D9C-4B06-9089-B119BD41E6A0}" type="presOf" srcId="{37B7CA5B-AB6E-4518-9C99-79C5690514AD}" destId="{107E04BD-C41C-496D-B408-5977D9C06304}" srcOrd="0" destOrd="0" presId="urn:microsoft.com/office/officeart/2008/layout/HexagonCluster"/>
+    <dgm:cxn modelId="{7B540D5F-8D42-4BDA-A120-21BA64D10637}" srcId="{94897CEC-EC47-4205-AAB6-EF4398C76812}" destId="{37B7CA5B-AB6E-4518-9C99-79C5690514AD}" srcOrd="1" destOrd="0" parTransId="{5A24B921-778A-45FC-A417-0A9D4173FDD3}" sibTransId="{01845BD4-5E19-470B-9DEA-E15A51FA126C}"/>
+    <dgm:cxn modelId="{A8E678E1-4FE9-416C-8B2C-2637698D0ED0}" type="presOf" srcId="{4C58A1D6-6D27-402B-BB50-8D684F762767}" destId="{C0E92A8B-E6F3-4316-9D8E-C4793428F15A}" srcOrd="0" destOrd="0" presId="urn:microsoft.com/office/officeart/2008/layout/HexagonCluster"/>
+    <dgm:cxn modelId="{018ACBB6-3980-4F2B-ADD4-8A04D1419188}" type="presParOf" srcId="{4F4F7261-4834-4301-B010-70E6DD22C6DF}" destId="{F34D3E1D-327B-4FFC-8E69-5FC5DEAFBB30}" srcOrd="0" destOrd="0" presId="urn:microsoft.com/office/officeart/2008/layout/HexagonCluster"/>
+    <dgm:cxn modelId="{2EEEEC9B-1FE0-4A1E-B90C-24625EBA9394}" type="presParOf" srcId="{F34D3E1D-327B-4FFC-8E69-5FC5DEAFBB30}" destId="{DEFEFA0E-8D0A-4C95-9EF1-190E8C8356C0}" srcOrd="0" destOrd="0" presId="urn:microsoft.com/office/officeart/2008/layout/HexagonCluster"/>
+    <dgm:cxn modelId="{4DE1F211-6FB0-49E4-BA81-CD8C60E8F372}" type="presParOf" srcId="{4F4F7261-4834-4301-B010-70E6DD22C6DF}" destId="{9F56A770-E1E1-48A0-A5E6-7FFD480E7EA4}" srcOrd="1" destOrd="0" presId="urn:microsoft.com/office/officeart/2008/layout/HexagonCluster"/>
+    <dgm:cxn modelId="{3089F62C-C0AA-4A15-AE78-386085EFF400}" type="presParOf" srcId="{9F56A770-E1E1-48A0-A5E6-7FFD480E7EA4}" destId="{E8B64CB7-1EC9-4C66-8ED3-B980BD6DB433}" srcOrd="0" destOrd="0" presId="urn:microsoft.com/office/officeart/2008/layout/HexagonCluster"/>
+    <dgm:cxn modelId="{172ED9B4-9F7E-48AE-8259-1D3F42AC9567}" type="presParOf" srcId="{4F4F7261-4834-4301-B010-70E6DD22C6DF}" destId="{7FD1FA7B-9A6C-46C5-850A-DAD343794AAE}" srcOrd="2" destOrd="0" presId="urn:microsoft.com/office/officeart/2008/layout/HexagonCluster"/>
+    <dgm:cxn modelId="{DEB33758-875F-4FD9-8037-8C20BFD02C00}" type="presParOf" srcId="{7FD1FA7B-9A6C-46C5-850A-DAD343794AAE}" destId="{C0E92A8B-E6F3-4316-9D8E-C4793428F15A}" srcOrd="0" destOrd="0" presId="urn:microsoft.com/office/officeart/2008/layout/HexagonCluster"/>
+    <dgm:cxn modelId="{C3221C06-AB9D-4224-B2D5-F709A682B299}" type="presParOf" srcId="{4F4F7261-4834-4301-B010-70E6DD22C6DF}" destId="{215D4583-9E32-4296-A8E7-ABFD75E85BEE}" srcOrd="3" destOrd="0" presId="urn:microsoft.com/office/officeart/2008/layout/HexagonCluster"/>
+    <dgm:cxn modelId="{3E60F16B-77FD-4169-ADDB-91B2A3B64FE1}" type="presParOf" srcId="{215D4583-9E32-4296-A8E7-ABFD75E85BEE}" destId="{F3248BCA-6B4F-47DB-979A-7B85E4F92865}" srcOrd="0" destOrd="0" presId="urn:microsoft.com/office/officeart/2008/layout/HexagonCluster"/>
+    <dgm:cxn modelId="{C0B882FF-D7AD-478C-953F-39A7D023131B}" type="presParOf" srcId="{4F4F7261-4834-4301-B010-70E6DD22C6DF}" destId="{CF254909-5F13-453C-B6CF-11762B23068B}" srcOrd="4" destOrd="0" presId="urn:microsoft.com/office/officeart/2008/layout/HexagonCluster"/>
+    <dgm:cxn modelId="{67834D09-1618-4EF0-884F-E72F330AC597}" type="presParOf" srcId="{CF254909-5F13-453C-B6CF-11762B23068B}" destId="{107E04BD-C41C-496D-B408-5977D9C06304}" srcOrd="0" destOrd="0" presId="urn:microsoft.com/office/officeart/2008/layout/HexagonCluster"/>
+    <dgm:cxn modelId="{FA281387-154E-4DC8-8D45-DCA274143E1E}" type="presParOf" srcId="{4F4F7261-4834-4301-B010-70E6DD22C6DF}" destId="{242D4A46-B116-4F0A-92F0-04BD80E082EC}" srcOrd="5" destOrd="0" presId="urn:microsoft.com/office/officeart/2008/layout/HexagonCluster"/>
+    <dgm:cxn modelId="{837D8F98-4EF6-44B1-A098-BA28411D81BF}" type="presParOf" srcId="{242D4A46-B116-4F0A-92F0-04BD80E082EC}" destId="{87F2E570-C898-4775-8C88-12786A0AC14D}" srcOrd="0" destOrd="0" presId="urn:microsoft.com/office/officeart/2008/layout/HexagonCluster"/>
+    <dgm:cxn modelId="{653D7C3D-AF38-4F4E-B961-440160403902}" type="presParOf" srcId="{4F4F7261-4834-4301-B010-70E6DD22C6DF}" destId="{10C4409E-B7E6-4CAF-8B78-A3EFE7C78762}" srcOrd="6" destOrd="0" presId="urn:microsoft.com/office/officeart/2008/layout/HexagonCluster"/>
+    <dgm:cxn modelId="{99C875DE-692D-4448-A09D-E2CC34FF7365}" type="presParOf" srcId="{10C4409E-B7E6-4CAF-8B78-A3EFE7C78762}" destId="{8D228CD1-F050-49A6-986C-ABF437B90F83}" srcOrd="0" destOrd="0" presId="urn:microsoft.com/office/officeart/2008/layout/HexagonCluster"/>
+    <dgm:cxn modelId="{D7B49521-2F51-419E-B7C9-9C2162C7E18F}" type="presParOf" srcId="{4F4F7261-4834-4301-B010-70E6DD22C6DF}" destId="{6F8B689F-710D-4A18-A181-10948411A569}" srcOrd="7" destOrd="0" presId="urn:microsoft.com/office/officeart/2008/layout/HexagonCluster"/>
+    <dgm:cxn modelId="{072F3C0A-F23D-4C78-9ABE-63AB41C2C450}" type="presParOf" srcId="{6F8B689F-710D-4A18-A181-10948411A569}" destId="{343A59D8-E6E5-4DEF-BB47-BC1823BA386A}" srcOrd="0" destOrd="0" presId="urn:microsoft.com/office/officeart/2008/layout/HexagonCluster"/>
+    <dgm:cxn modelId="{7DA234B4-6DCD-461C-8A76-4E8CF70B6F09}" type="presParOf" srcId="{4F4F7261-4834-4301-B010-70E6DD22C6DF}" destId="{44069DDD-D457-404A-9F71-CB63D4EEB3EC}" srcOrd="8" destOrd="0" presId="urn:microsoft.com/office/officeart/2008/layout/HexagonCluster"/>
+    <dgm:cxn modelId="{9065A337-ED26-44FC-84AA-ECD21563DAAB}" type="presParOf" srcId="{44069DDD-D457-404A-9F71-CB63D4EEB3EC}" destId="{9E240A31-50AA-4643-A009-BABA4955A683}" srcOrd="0" destOrd="0" presId="urn:microsoft.com/office/officeart/2008/layout/HexagonCluster"/>
+    <dgm:cxn modelId="{5B8D5365-E603-4B0D-87C7-48C5F28E674A}" type="presParOf" srcId="{4F4F7261-4834-4301-B010-70E6DD22C6DF}" destId="{9A844368-1DF5-4225-9740-811AE1F71B35}" srcOrd="9" destOrd="0" presId="urn:microsoft.com/office/officeart/2008/layout/HexagonCluster"/>
+    <dgm:cxn modelId="{1010AD4C-75A5-4154-B1F7-AA47B877AFCD}" type="presParOf" srcId="{9A844368-1DF5-4225-9740-811AE1F71B35}" destId="{A743DD33-A922-4FC4-A27C-4943A4A3547B}" srcOrd="0" destOrd="0" presId="urn:microsoft.com/office/officeart/2008/layout/HexagonCluster"/>
+    <dgm:cxn modelId="{4577FAB7-5A4D-4F6F-8702-3F811F04AA03}" type="presParOf" srcId="{4F4F7261-4834-4301-B010-70E6DD22C6DF}" destId="{E009C6BD-BA33-4084-AA6B-ADF3BD91A3BF}" srcOrd="10" destOrd="0" presId="urn:microsoft.com/office/officeart/2008/layout/HexagonCluster"/>
+    <dgm:cxn modelId="{8961434D-95A5-4E16-81DC-68FF55982838}" type="presParOf" srcId="{E009C6BD-BA33-4084-AA6B-ADF3BD91A3BF}" destId="{D7EAADFD-8BF1-45C5-912A-EB50E3646744}" srcOrd="0" destOrd="0" presId="urn:microsoft.com/office/officeart/2008/layout/HexagonCluster"/>
+    <dgm:cxn modelId="{43E626FC-FCC7-40B2-B5D3-E91BF501B924}" type="presParOf" srcId="{4F4F7261-4834-4301-B010-70E6DD22C6DF}" destId="{F35DDBC7-D844-4522-9D80-04DCAC32A433}" srcOrd="11" destOrd="0" presId="urn:microsoft.com/office/officeart/2008/layout/HexagonCluster"/>
+    <dgm:cxn modelId="{C49A92ED-FA99-4038-989F-01B2230E4371}" type="presParOf" srcId="{F35DDBC7-D844-4522-9D80-04DCAC32A433}" destId="{F2D20CA5-955F-41A0-BF26-A9E5D7429395}" srcOrd="0" destOrd="0" presId="urn:microsoft.com/office/officeart/2008/layout/HexagonCluster"/>
   </dgm:cxnLst>
   <dgm:bg/>
   <dgm:whole/>
@@ -1367,15 +1332,15 @@
       <dsp:cNvGrpSpPr/>
     </dsp:nvGrpSpPr>
     <dsp:grpSpPr/>
-    <dsp:sp modelId="{22CD8B76-3A9A-4AF9-9D5C-57B81A41ACCB}">
+    <dsp:sp modelId="{DEFEFA0E-8D0A-4C95-9EF1-190E8C8356C0}">
       <dsp:nvSpPr>
         <dsp:cNvPr id="0" name=""/>
         <dsp:cNvSpPr/>
       </dsp:nvSpPr>
       <dsp:spPr>
         <a:xfrm>
-          <a:off x="2013356" y="4322167"/>
-          <a:ext cx="2355342" cy="2030715"/>
+          <a:off x="2727182" y="4553284"/>
+          <a:ext cx="3190417" cy="2750696"/>
         </a:xfrm>
         <a:prstGeom prst="hexagon">
           <a:avLst>
@@ -1463,12 +1428,12 @@
         </a:fontRef>
       </dsp:style>
       <dsp:txBody>
-        <a:bodyPr spcFirstLastPara="0" vert="horz" wrap="square" lIns="0" tIns="35560" rIns="0" bIns="35560" numCol="1" spcCol="1270" anchor="ctr" anchorCtr="0">
+        <a:bodyPr spcFirstLastPara="0" vert="horz" wrap="square" lIns="0" tIns="48260" rIns="0" bIns="48260" numCol="1" spcCol="1270" anchor="ctr" anchorCtr="0">
           <a:noAutofit/>
         </a:bodyPr>
         <a:lstStyle/>
         <a:p>
-          <a:pPr lvl="0" algn="ctr" defTabSz="1244600">
+          <a:pPr lvl="0" algn="ctr" defTabSz="1689100">
             <a:lnSpc>
               <a:spcPct val="90000"/>
             </a:lnSpc>
@@ -1480,26 +1445,26 @@
             </a:spcAft>
           </a:pPr>
           <a:r>
-            <a:rPr lang="en-US" sz="2800" kern="1200" dirty="0" smtClean="0"/>
+            <a:rPr lang="en-US" sz="3800" kern="1200" dirty="0" smtClean="0"/>
             <a:t>Achieve</a:t>
           </a:r>
-          <a:endParaRPr lang="en-US" sz="2800" kern="1200" dirty="0"/>
+          <a:endParaRPr lang="en-US" sz="3800" kern="1200" dirty="0"/>
         </a:p>
       </dsp:txBody>
       <dsp:txXfrm>
-        <a:off x="2378861" y="4637296"/>
-        <a:ext cx="1624332" cy="1400457"/>
+        <a:off x="3222275" y="4980140"/>
+        <a:ext cx="2200231" cy="1896984"/>
       </dsp:txXfrm>
     </dsp:sp>
-    <dsp:sp modelId="{561F0622-053C-48B2-921B-042E3B7ED48E}">
+    <dsp:sp modelId="{E8B64CB7-1EC9-4C66-8ED3-B980BD6DB433}">
       <dsp:nvSpPr>
         <dsp:cNvPr id="0" name=""/>
         <dsp:cNvSpPr/>
       </dsp:nvSpPr>
       <dsp:spPr>
         <a:xfrm>
-          <a:off x="2074544" y="5218687"/>
-          <a:ext cx="275767" cy="237676"/>
+          <a:off x="2810065" y="5767660"/>
+          <a:ext cx="373540" cy="321944"/>
         </a:xfrm>
         <a:prstGeom prst="hexagon">
           <a:avLst>
@@ -1558,15 +1523,15 @@
         <a:fontRef idx="minor"/>
       </dsp:style>
     </dsp:sp>
-    <dsp:sp modelId="{BB5CB1EE-DDAF-4DF2-A358-4AF386941018}">
+    <dsp:sp modelId="{C0E92A8B-E6F3-4316-9D8E-C4793428F15A}">
       <dsp:nvSpPr>
         <dsp:cNvPr id="0" name=""/>
         <dsp:cNvSpPr/>
       </dsp:nvSpPr>
       <dsp:spPr>
         <a:xfrm>
-          <a:off x="0" y="3231429"/>
-          <a:ext cx="2355342" cy="2030715"/>
+          <a:off x="0" y="3075829"/>
+          <a:ext cx="3190417" cy="2750696"/>
         </a:xfrm>
         <a:prstGeom prst="hexagon">
           <a:avLst>
@@ -1615,15 +1580,15 @@
         <a:fontRef idx="minor"/>
       </dsp:style>
     </dsp:sp>
-    <dsp:sp modelId="{0575316E-0E80-4501-A4ED-12142467249F}">
+    <dsp:sp modelId="{F3248BCA-6B4F-47DB-979A-7B85E4F92865}">
       <dsp:nvSpPr>
         <dsp:cNvPr id="0" name=""/>
         <dsp:cNvSpPr/>
       </dsp:nvSpPr>
       <dsp:spPr>
         <a:xfrm>
-          <a:off x="1603476" y="4993886"/>
-          <a:ext cx="275767" cy="237676"/>
+          <a:off x="2171981" y="5463158"/>
+          <a:ext cx="373540" cy="321944"/>
         </a:xfrm>
         <a:prstGeom prst="hexagon">
           <a:avLst>
@@ -1682,15 +1647,15 @@
         <a:fontRef idx="minor"/>
       </dsp:style>
     </dsp:sp>
-    <dsp:sp modelId="{CC3AFF76-AF72-479A-82AE-1AA674391552}">
+    <dsp:sp modelId="{107E04BD-C41C-496D-B408-5977D9C06304}">
       <dsp:nvSpPr>
         <dsp:cNvPr id="0" name=""/>
         <dsp:cNvSpPr/>
       </dsp:nvSpPr>
       <dsp:spPr>
         <a:xfrm>
-          <a:off x="4020007" y="3207286"/>
-          <a:ext cx="2355342" cy="2030715"/>
+          <a:off x="5445282" y="3043126"/>
+          <a:ext cx="3190417" cy="2750696"/>
         </a:xfrm>
         <a:prstGeom prst="hexagon">
           <a:avLst>
@@ -1778,12 +1743,12 @@
         </a:fontRef>
       </dsp:style>
       <dsp:txBody>
-        <a:bodyPr spcFirstLastPara="0" vert="horz" wrap="square" lIns="0" tIns="35560" rIns="0" bIns="35560" numCol="1" spcCol="1270" anchor="ctr" anchorCtr="0">
+        <a:bodyPr spcFirstLastPara="0" vert="horz" wrap="square" lIns="0" tIns="48260" rIns="0" bIns="48260" numCol="1" spcCol="1270" anchor="ctr" anchorCtr="0">
           <a:noAutofit/>
         </a:bodyPr>
         <a:lstStyle/>
         <a:p>
-          <a:pPr lvl="0" algn="ctr" defTabSz="1244600">
+          <a:pPr lvl="0" algn="ctr" defTabSz="1689100">
             <a:lnSpc>
               <a:spcPct val="90000"/>
             </a:lnSpc>
@@ -1795,26 +1760,26 @@
             </a:spcAft>
           </a:pPr>
           <a:r>
-            <a:rPr lang="en-US" sz="2800" kern="1200" dirty="0" smtClean="0"/>
+            <a:rPr lang="en-US" sz="3800" kern="1200" dirty="0" smtClean="0"/>
             <a:t>Imagine</a:t>
           </a:r>
-          <a:endParaRPr lang="en-US" sz="2800" kern="1200" dirty="0"/>
+          <a:endParaRPr lang="en-US" sz="3800" kern="1200" dirty="0"/>
         </a:p>
       </dsp:txBody>
       <dsp:txXfrm>
-        <a:off x="4385512" y="3522415"/>
-        <a:ext cx="1624332" cy="1400457"/>
+        <a:off x="5940375" y="3469982"/>
+        <a:ext cx="2200231" cy="1896984"/>
       </dsp:txXfrm>
     </dsp:sp>
-    <dsp:sp modelId="{D5CE18BE-E8A2-4CF3-BB2A-A0D62738368C}">
+    <dsp:sp modelId="{87F2E570-C898-4775-8C88-12786A0AC14D}">
       <dsp:nvSpPr>
         <dsp:cNvPr id="0" name=""/>
         <dsp:cNvSpPr/>
       </dsp:nvSpPr>
       <dsp:spPr>
         <a:xfrm>
-          <a:off x="5630189" y="4967597"/>
-          <a:ext cx="275767" cy="237676"/>
+          <a:off x="7626347" y="5427548"/>
+          <a:ext cx="373540" cy="321944"/>
         </a:xfrm>
         <a:prstGeom prst="hexagon">
           <a:avLst>
@@ -1873,15 +1838,15 @@
         <a:fontRef idx="minor"/>
       </dsp:style>
     </dsp:sp>
-    <dsp:sp modelId="{8F17458C-05DF-427E-8CA7-68068170185A}">
+    <dsp:sp modelId="{8D228CD1-F050-49A6-986C-ABF437B90F83}">
       <dsp:nvSpPr>
         <dsp:cNvPr id="0" name=""/>
         <dsp:cNvSpPr/>
       </dsp:nvSpPr>
       <dsp:spPr>
         <a:xfrm>
-          <a:off x="6026658" y="4322167"/>
-          <a:ext cx="2355342" cy="2030715"/>
+          <a:off x="8163382" y="4553284"/>
+          <a:ext cx="3190417" cy="2750696"/>
         </a:xfrm>
         <a:prstGeom prst="hexagon">
           <a:avLst>
@@ -1930,15 +1895,15 @@
         <a:fontRef idx="minor"/>
       </dsp:style>
     </dsp:sp>
-    <dsp:sp modelId="{362878D9-7521-46C3-8A43-C9A6D80DD680}">
+    <dsp:sp modelId="{343A59D8-E6E5-4DEF-BB47-BC1823BA386A}">
       <dsp:nvSpPr>
         <dsp:cNvPr id="0" name=""/>
         <dsp:cNvSpPr/>
       </dsp:nvSpPr>
       <dsp:spPr>
         <a:xfrm>
-          <a:off x="6087846" y="5218687"/>
-          <a:ext cx="275767" cy="237676"/>
+          <a:off x="8246264" y="5767660"/>
+          <a:ext cx="373540" cy="321944"/>
         </a:xfrm>
         <a:prstGeom prst="hexagon">
           <a:avLst>
@@ -1997,15 +1962,15 @@
         <a:fontRef idx="minor"/>
       </dsp:style>
     </dsp:sp>
-    <dsp:sp modelId="{F325C934-4FCA-4C12-80FB-8C0EBFCDDA4E}">
+    <dsp:sp modelId="{9E240A31-50AA-4643-A009-BABA4955A683}">
       <dsp:nvSpPr>
         <dsp:cNvPr id="0" name=""/>
         <dsp:cNvSpPr/>
       </dsp:nvSpPr>
       <dsp:spPr>
         <a:xfrm>
-          <a:off x="2013356" y="2097233"/>
-          <a:ext cx="2355342" cy="2030715"/>
+          <a:off x="2727182" y="1539509"/>
+          <a:ext cx="3190417" cy="2750696"/>
         </a:xfrm>
         <a:prstGeom prst="hexagon">
           <a:avLst>
@@ -2093,12 +2058,12 @@
         </a:fontRef>
       </dsp:style>
       <dsp:txBody>
-        <a:bodyPr spcFirstLastPara="0" vert="horz" wrap="square" lIns="0" tIns="35560" rIns="0" bIns="35560" numCol="1" spcCol="1270" anchor="ctr" anchorCtr="0">
+        <a:bodyPr spcFirstLastPara="0" vert="horz" wrap="square" lIns="0" tIns="48260" rIns="0" bIns="48260" numCol="1" spcCol="1270" anchor="ctr" anchorCtr="0">
           <a:noAutofit/>
         </a:bodyPr>
         <a:lstStyle/>
         <a:p>
-          <a:pPr lvl="0" algn="ctr" defTabSz="1244600">
+          <a:pPr lvl="0" algn="ctr" defTabSz="1689100">
             <a:lnSpc>
               <a:spcPct val="90000"/>
             </a:lnSpc>
@@ -2110,26 +2075,26 @@
             </a:spcAft>
           </a:pPr>
           <a:r>
-            <a:rPr lang="en-US" sz="2800" kern="1200" dirty="0" smtClean="0"/>
+            <a:rPr lang="en-US" sz="3800" kern="1200" dirty="0" smtClean="0"/>
             <a:t>Experience</a:t>
           </a:r>
-          <a:endParaRPr lang="en-US" sz="2800" kern="1200" dirty="0"/>
+          <a:endParaRPr lang="en-US" sz="3800" kern="1200" dirty="0"/>
         </a:p>
       </dsp:txBody>
       <dsp:txXfrm>
-        <a:off x="2378861" y="2412362"/>
-        <a:ext cx="1624332" cy="1400457"/>
+        <a:off x="3222275" y="1966365"/>
+        <a:ext cx="2200231" cy="1896984"/>
       </dsp:txXfrm>
     </dsp:sp>
-    <dsp:sp modelId="{390E4D7E-502F-4791-B119-E44EAC0919EB}">
+    <dsp:sp modelId="{A743DD33-A922-4FC4-A27C-4943A4A3547B}">
       <dsp:nvSpPr>
         <dsp:cNvPr id="0" name=""/>
         <dsp:cNvSpPr/>
       </dsp:nvSpPr>
       <dsp:spPr>
         <a:xfrm>
-          <a:off x="3610127" y="2141227"/>
-          <a:ext cx="275767" cy="237676"/>
+          <a:off x="4890081" y="1599101"/>
+          <a:ext cx="373540" cy="321944"/>
         </a:xfrm>
         <a:prstGeom prst="hexagon">
           <a:avLst>
@@ -2188,15 +2153,15 @@
         <a:fontRef idx="minor"/>
       </dsp:style>
     </dsp:sp>
-    <dsp:sp modelId="{3AF1F367-C12D-4085-B6BB-179E7152B9C1}">
+    <dsp:sp modelId="{D7EAADFD-8BF1-45C5-912A-EB50E3646744}">
       <dsp:nvSpPr>
         <dsp:cNvPr id="0" name=""/>
         <dsp:cNvSpPr/>
       </dsp:nvSpPr>
       <dsp:spPr>
         <a:xfrm>
-          <a:off x="4020007" y="987716"/>
-          <a:ext cx="2355342" cy="2030715"/>
+          <a:off x="5445282" y="36618"/>
+          <a:ext cx="3190417" cy="2750696"/>
         </a:xfrm>
         <a:prstGeom prst="hexagon">
           <a:avLst>
@@ -2245,15 +2210,15 @@
         <a:fontRef idx="minor"/>
       </dsp:style>
     </dsp:sp>
-    <dsp:sp modelId="{112BDE7B-F2BF-4E7E-92FA-78A42C3A4795}">
+    <dsp:sp modelId="{F2D20CA5-955F-41A0-BF26-A9E5D7429395}">
       <dsp:nvSpPr>
         <dsp:cNvPr id="0" name=""/>
         <dsp:cNvSpPr/>
       </dsp:nvSpPr>
       <dsp:spPr>
         <a:xfrm>
-          <a:off x="4089577" y="1879407"/>
-          <a:ext cx="275767" cy="237676"/>
+          <a:off x="5539519" y="1244454"/>
+          <a:ext cx="373540" cy="321944"/>
         </a:xfrm>
         <a:prstGeom prst="hexagon">
           <a:avLst>
@@ -8713,19 +8678,19 @@
       </p:grpSpPr>
       <p:graphicFrame>
         <p:nvGraphicFramePr>
-          <p:cNvPr id="2" name="Diagram 1"/>
+          <p:cNvPr id="3" name="Diagram 2"/>
           <p:cNvGraphicFramePr/>
           <p:nvPr>
             <p:extLst>
               <p:ext uri="{D42A27DB-BD31-4B8C-83A1-F6EECF244321}">
-                <p14:modId xmlns:p14="http://schemas.microsoft.com/office/powerpoint/2010/main" val="4036068042"/>
+                <p14:modId xmlns:p14="http://schemas.microsoft.com/office/powerpoint/2010/main" val="3587176627"/>
               </p:ext>
             </p:extLst>
           </p:nvPr>
         </p:nvGraphicFramePr>
         <p:xfrm>
-          <a:off x="-1219200" y="-152400"/>
-          <a:ext cx="8382000" cy="7340600"/>
+          <a:off x="-1600200" y="152400"/>
+          <a:ext cx="11353800" cy="7340600"/>
         </p:xfrm>
         <a:graphic>
           <a:graphicData uri="http://schemas.openxmlformats.org/drawingml/2006/diagram">

--- a/images/videos.pptx
+++ b/images/videos.pptx
@@ -5,10 +5,11 @@
     <p:sldMasterId id="2147483648" r:id="rId1"/>
   </p:sldMasterIdLst>
   <p:notesMasterIdLst>
-    <p:notesMasterId r:id="rId3"/>
+    <p:notesMasterId r:id="rId4"/>
   </p:notesMasterIdLst>
   <p:sldIdLst>
     <p:sldId id="257" r:id="rId2"/>
+    <p:sldId id="259" r:id="rId3"/>
   </p:sldIdLst>
   <p:sldSz cx="7315200" cy="7315200"/>
   <p:notesSz cx="6858000" cy="9144000"/>
@@ -1029,6 +1030,925 @@
 </dgm:colorsDef>
 </file>
 
+<file path=ppt/diagrams/colors2.xml><?xml version="1.0" encoding="utf-8"?>
+<dgm:colorsDef xmlns:dgm="http://schemas.openxmlformats.org/drawingml/2006/diagram" xmlns:a="http://schemas.openxmlformats.org/drawingml/2006/main" uniqueId="urn:microsoft.com/office/officeart/2005/8/colors/colorful1">
+  <dgm:title val=""/>
+  <dgm:desc val=""/>
+  <dgm:catLst>
+    <dgm:cat type="colorful" pri="10100"/>
+  </dgm:catLst>
+  <dgm:styleLbl name="node0">
+    <dgm:fillClrLst meth="repeat">
+      <a:schemeClr val="accent1"/>
+    </dgm:fillClrLst>
+    <dgm:linClrLst meth="repeat">
+      <a:schemeClr val="lt1"/>
+    </dgm:linClrLst>
+    <dgm:effectClrLst/>
+    <dgm:txLinClrLst/>
+    <dgm:txFillClrLst/>
+    <dgm:txEffectClrLst/>
+  </dgm:styleLbl>
+  <dgm:styleLbl name="node1">
+    <dgm:fillClrLst meth="repeat">
+      <a:schemeClr val="accent2"/>
+      <a:schemeClr val="accent3"/>
+      <a:schemeClr val="accent4"/>
+      <a:schemeClr val="accent5"/>
+      <a:schemeClr val="accent6"/>
+    </dgm:fillClrLst>
+    <dgm:linClrLst meth="repeat">
+      <a:schemeClr val="lt1"/>
+    </dgm:linClrLst>
+    <dgm:effectClrLst/>
+    <dgm:txLinClrLst/>
+    <dgm:txFillClrLst/>
+    <dgm:txEffectClrLst/>
+  </dgm:styleLbl>
+  <dgm:styleLbl name="alignNode1">
+    <dgm:fillClrLst meth="repeat">
+      <a:schemeClr val="accent2"/>
+      <a:schemeClr val="accent3"/>
+      <a:schemeClr val="accent4"/>
+      <a:schemeClr val="accent5"/>
+      <a:schemeClr val="accent6"/>
+    </dgm:fillClrLst>
+    <dgm:linClrLst meth="repeat">
+      <a:schemeClr val="accent2"/>
+      <a:schemeClr val="accent3"/>
+      <a:schemeClr val="accent4"/>
+      <a:schemeClr val="accent5"/>
+      <a:schemeClr val="accent6"/>
+    </dgm:linClrLst>
+    <dgm:effectClrLst/>
+    <dgm:txLinClrLst/>
+    <dgm:txFillClrLst/>
+    <dgm:txEffectClrLst/>
+  </dgm:styleLbl>
+  <dgm:styleLbl name="lnNode1">
+    <dgm:fillClrLst meth="repeat">
+      <a:schemeClr val="accent2"/>
+      <a:schemeClr val="accent3"/>
+      <a:schemeClr val="accent4"/>
+      <a:schemeClr val="accent5"/>
+      <a:schemeClr val="accent6"/>
+    </dgm:fillClrLst>
+    <dgm:linClrLst meth="repeat">
+      <a:schemeClr val="lt1"/>
+    </dgm:linClrLst>
+    <dgm:effectClrLst/>
+    <dgm:txLinClrLst/>
+    <dgm:txFillClrLst/>
+    <dgm:txEffectClrLst/>
+  </dgm:styleLbl>
+  <dgm:styleLbl name="vennNode1">
+    <dgm:fillClrLst meth="repeat">
+      <a:schemeClr val="accent2">
+        <a:alpha val="50000"/>
+      </a:schemeClr>
+      <a:schemeClr val="accent3">
+        <a:alpha val="50000"/>
+      </a:schemeClr>
+      <a:schemeClr val="accent4">
+        <a:alpha val="50000"/>
+      </a:schemeClr>
+      <a:schemeClr val="accent5">
+        <a:alpha val="50000"/>
+      </a:schemeClr>
+      <a:schemeClr val="accent6">
+        <a:alpha val="50000"/>
+      </a:schemeClr>
+    </dgm:fillClrLst>
+    <dgm:linClrLst meth="repeat">
+      <a:schemeClr val="lt1"/>
+    </dgm:linClrLst>
+    <dgm:effectClrLst/>
+    <dgm:txLinClrLst/>
+    <dgm:txFillClrLst/>
+    <dgm:txEffectClrLst/>
+  </dgm:styleLbl>
+  <dgm:styleLbl name="node2">
+    <dgm:fillClrLst>
+      <a:schemeClr val="accent2"/>
+    </dgm:fillClrLst>
+    <dgm:linClrLst meth="repeat">
+      <a:schemeClr val="lt1"/>
+    </dgm:linClrLst>
+    <dgm:effectClrLst/>
+    <dgm:txLinClrLst/>
+    <dgm:txFillClrLst/>
+    <dgm:txEffectClrLst/>
+  </dgm:styleLbl>
+  <dgm:styleLbl name="node3">
+    <dgm:fillClrLst>
+      <a:schemeClr val="accent3"/>
+    </dgm:fillClrLst>
+    <dgm:linClrLst meth="repeat">
+      <a:schemeClr val="lt1"/>
+    </dgm:linClrLst>
+    <dgm:effectClrLst/>
+    <dgm:txLinClrLst/>
+    <dgm:txFillClrLst/>
+    <dgm:txEffectClrLst/>
+  </dgm:styleLbl>
+  <dgm:styleLbl name="node4">
+    <dgm:fillClrLst>
+      <a:schemeClr val="accent4"/>
+    </dgm:fillClrLst>
+    <dgm:linClrLst meth="repeat">
+      <a:schemeClr val="lt1"/>
+    </dgm:linClrLst>
+    <dgm:effectClrLst/>
+    <dgm:txLinClrLst/>
+    <dgm:txFillClrLst/>
+    <dgm:txEffectClrLst/>
+  </dgm:styleLbl>
+  <dgm:styleLbl name="fgImgPlace1">
+    <dgm:fillClrLst meth="repeat">
+      <a:schemeClr val="accent2">
+        <a:tint val="50000"/>
+      </a:schemeClr>
+      <a:schemeClr val="accent3">
+        <a:tint val="50000"/>
+      </a:schemeClr>
+      <a:schemeClr val="accent4">
+        <a:tint val="50000"/>
+      </a:schemeClr>
+      <a:schemeClr val="accent5">
+        <a:tint val="50000"/>
+      </a:schemeClr>
+      <a:schemeClr val="accent6">
+        <a:tint val="50000"/>
+      </a:schemeClr>
+    </dgm:fillClrLst>
+    <dgm:linClrLst meth="repeat">
+      <a:schemeClr val="lt1"/>
+    </dgm:linClrLst>
+    <dgm:effectClrLst/>
+    <dgm:txLinClrLst/>
+    <dgm:txFillClrLst meth="repeat">
+      <a:schemeClr val="lt1"/>
+    </dgm:txFillClrLst>
+    <dgm:txEffectClrLst/>
+  </dgm:styleLbl>
+  <dgm:styleLbl name="alignImgPlace1">
+    <dgm:fillClrLst>
+      <a:schemeClr val="accent1">
+        <a:tint val="50000"/>
+      </a:schemeClr>
+      <a:schemeClr val="accent2">
+        <a:tint val="20000"/>
+      </a:schemeClr>
+    </dgm:fillClrLst>
+    <dgm:linClrLst meth="repeat">
+      <a:schemeClr val="lt1"/>
+    </dgm:linClrLst>
+    <dgm:effectClrLst/>
+    <dgm:txLinClrLst/>
+    <dgm:txFillClrLst meth="repeat">
+      <a:schemeClr val="lt1"/>
+    </dgm:txFillClrLst>
+    <dgm:txEffectClrLst/>
+  </dgm:styleLbl>
+  <dgm:styleLbl name="bgImgPlace1">
+    <dgm:fillClrLst>
+      <a:schemeClr val="accent1">
+        <a:tint val="50000"/>
+      </a:schemeClr>
+      <a:schemeClr val="accent2">
+        <a:tint val="20000"/>
+      </a:schemeClr>
+    </dgm:fillClrLst>
+    <dgm:linClrLst meth="repeat">
+      <a:schemeClr val="lt1"/>
+    </dgm:linClrLst>
+    <dgm:effectClrLst/>
+    <dgm:txLinClrLst/>
+    <dgm:txFillClrLst meth="repeat">
+      <a:schemeClr val="lt1"/>
+    </dgm:txFillClrLst>
+    <dgm:txEffectClrLst/>
+  </dgm:styleLbl>
+  <dgm:styleLbl name="sibTrans2D1">
+    <dgm:fillClrLst meth="repeat">
+      <a:schemeClr val="accent2"/>
+      <a:schemeClr val="accent3"/>
+      <a:schemeClr val="accent4"/>
+      <a:schemeClr val="accent5"/>
+      <a:schemeClr val="accent6"/>
+    </dgm:fillClrLst>
+    <dgm:linClrLst meth="cycle">
+      <a:schemeClr val="lt1"/>
+    </dgm:linClrLst>
+    <dgm:effectClrLst/>
+    <dgm:txLinClrLst/>
+    <dgm:txFillClrLst/>
+    <dgm:txEffectClrLst/>
+  </dgm:styleLbl>
+  <dgm:styleLbl name="fgSibTrans2D1">
+    <dgm:fillClrLst meth="repeat">
+      <a:schemeClr val="accent2"/>
+      <a:schemeClr val="accent3"/>
+      <a:schemeClr val="accent4"/>
+      <a:schemeClr val="accent5"/>
+      <a:schemeClr val="accent6"/>
+    </dgm:fillClrLst>
+    <dgm:linClrLst meth="cycle">
+      <a:schemeClr val="lt1"/>
+    </dgm:linClrLst>
+    <dgm:effectClrLst/>
+    <dgm:txLinClrLst/>
+    <dgm:txFillClrLst meth="repeat">
+      <a:schemeClr val="lt1"/>
+    </dgm:txFillClrLst>
+    <dgm:txEffectClrLst/>
+  </dgm:styleLbl>
+  <dgm:styleLbl name="bgSibTrans2D1">
+    <dgm:fillClrLst meth="repeat">
+      <a:schemeClr val="accent2"/>
+      <a:schemeClr val="accent3"/>
+      <a:schemeClr val="accent4"/>
+      <a:schemeClr val="accent5"/>
+      <a:schemeClr val="accent6"/>
+    </dgm:fillClrLst>
+    <dgm:linClrLst meth="cycle">
+      <a:schemeClr val="lt1"/>
+    </dgm:linClrLst>
+    <dgm:effectClrLst/>
+    <dgm:txLinClrLst/>
+    <dgm:txFillClrLst meth="repeat">
+      <a:schemeClr val="lt1"/>
+    </dgm:txFillClrLst>
+    <dgm:txEffectClrLst/>
+  </dgm:styleLbl>
+  <dgm:styleLbl name="sibTrans1D1">
+    <dgm:fillClrLst meth="repeat">
+      <a:schemeClr val="accent2"/>
+      <a:schemeClr val="accent3"/>
+      <a:schemeClr val="accent4"/>
+      <a:schemeClr val="accent5"/>
+      <a:schemeClr val="accent6"/>
+    </dgm:fillClrLst>
+    <dgm:linClrLst meth="repeat">
+      <a:schemeClr val="accent2"/>
+      <a:schemeClr val="accent3"/>
+      <a:schemeClr val="accent4"/>
+      <a:schemeClr val="accent5"/>
+      <a:schemeClr val="accent6"/>
+    </dgm:linClrLst>
+    <dgm:effectClrLst/>
+    <dgm:txLinClrLst/>
+    <dgm:txFillClrLst meth="repeat">
+      <a:schemeClr val="tx1"/>
+    </dgm:txFillClrLst>
+    <dgm:txEffectClrLst/>
+  </dgm:styleLbl>
+  <dgm:styleLbl name="callout">
+    <dgm:fillClrLst meth="repeat">
+      <a:schemeClr val="accent2"/>
+    </dgm:fillClrLst>
+    <dgm:linClrLst meth="repeat">
+      <a:schemeClr val="accent2">
+        <a:tint val="50000"/>
+      </a:schemeClr>
+    </dgm:linClrLst>
+    <dgm:effectClrLst/>
+    <dgm:txLinClrLst/>
+    <dgm:txFillClrLst meth="repeat">
+      <a:schemeClr val="tx1"/>
+    </dgm:txFillClrLst>
+    <dgm:txEffectClrLst/>
+  </dgm:styleLbl>
+  <dgm:styleLbl name="asst0">
+    <dgm:fillClrLst meth="repeat">
+      <a:schemeClr val="accent1"/>
+    </dgm:fillClrLst>
+    <dgm:linClrLst meth="repeat">
+      <a:schemeClr val="lt1"/>
+    </dgm:linClrLst>
+    <dgm:effectClrLst/>
+    <dgm:txLinClrLst/>
+    <dgm:txFillClrLst/>
+    <dgm:txEffectClrLst/>
+  </dgm:styleLbl>
+  <dgm:styleLbl name="asst1">
+    <dgm:fillClrLst meth="repeat">
+      <a:schemeClr val="accent2"/>
+    </dgm:fillClrLst>
+    <dgm:linClrLst meth="repeat">
+      <a:schemeClr val="lt1"/>
+    </dgm:linClrLst>
+    <dgm:effectClrLst/>
+    <dgm:txLinClrLst/>
+    <dgm:txFillClrLst/>
+    <dgm:txEffectClrLst/>
+  </dgm:styleLbl>
+  <dgm:styleLbl name="asst2">
+    <dgm:fillClrLst>
+      <a:schemeClr val="accent3"/>
+    </dgm:fillClrLst>
+    <dgm:linClrLst meth="repeat">
+      <a:schemeClr val="lt1"/>
+    </dgm:linClrLst>
+    <dgm:effectClrLst/>
+    <dgm:txLinClrLst/>
+    <dgm:txFillClrLst/>
+    <dgm:txEffectClrLst/>
+  </dgm:styleLbl>
+  <dgm:styleLbl name="asst3">
+    <dgm:fillClrLst>
+      <a:schemeClr val="accent4"/>
+    </dgm:fillClrLst>
+    <dgm:linClrLst meth="repeat">
+      <a:schemeClr val="lt1"/>
+    </dgm:linClrLst>
+    <dgm:effectClrLst/>
+    <dgm:txLinClrLst/>
+    <dgm:txFillClrLst/>
+    <dgm:txEffectClrLst/>
+  </dgm:styleLbl>
+  <dgm:styleLbl name="asst4">
+    <dgm:fillClrLst>
+      <a:schemeClr val="accent5"/>
+    </dgm:fillClrLst>
+    <dgm:linClrLst meth="repeat">
+      <a:schemeClr val="lt1"/>
+    </dgm:linClrLst>
+    <dgm:effectClrLst/>
+    <dgm:txLinClrLst/>
+    <dgm:txFillClrLst/>
+    <dgm:txEffectClrLst/>
+  </dgm:styleLbl>
+  <dgm:styleLbl name="parChTrans2D1">
+    <dgm:fillClrLst meth="repeat">
+      <a:schemeClr val="accent2"/>
+    </dgm:fillClrLst>
+    <dgm:linClrLst meth="repeat">
+      <a:schemeClr val="lt1"/>
+    </dgm:linClrLst>
+    <dgm:effectClrLst/>
+    <dgm:txLinClrLst/>
+    <dgm:txFillClrLst meth="repeat">
+      <a:schemeClr val="lt1"/>
+    </dgm:txFillClrLst>
+    <dgm:txEffectClrLst/>
+  </dgm:styleLbl>
+  <dgm:styleLbl name="parChTrans2D2">
+    <dgm:fillClrLst meth="repeat">
+      <a:schemeClr val="accent3"/>
+    </dgm:fillClrLst>
+    <dgm:linClrLst meth="repeat">
+      <a:schemeClr val="lt1"/>
+    </dgm:linClrLst>
+    <dgm:effectClrLst/>
+    <dgm:txLinClrLst/>
+    <dgm:txFillClrLst/>
+    <dgm:txEffectClrLst/>
+  </dgm:styleLbl>
+  <dgm:styleLbl name="parChTrans2D3">
+    <dgm:fillClrLst meth="repeat">
+      <a:schemeClr val="accent4"/>
+    </dgm:fillClrLst>
+    <dgm:linClrLst meth="repeat">
+      <a:schemeClr val="lt1"/>
+    </dgm:linClrLst>
+    <dgm:effectClrLst/>
+    <dgm:txLinClrLst/>
+    <dgm:txFillClrLst/>
+    <dgm:txEffectClrLst/>
+  </dgm:styleLbl>
+  <dgm:styleLbl name="parChTrans2D4">
+    <dgm:fillClrLst meth="repeat">
+      <a:schemeClr val="accent5"/>
+    </dgm:fillClrLst>
+    <dgm:linClrLst meth="repeat">
+      <a:schemeClr val="lt1"/>
+    </dgm:linClrLst>
+    <dgm:effectClrLst/>
+    <dgm:txLinClrLst/>
+    <dgm:txFillClrLst meth="repeat">
+      <a:schemeClr val="lt1"/>
+    </dgm:txFillClrLst>
+    <dgm:txEffectClrLst/>
+  </dgm:styleLbl>
+  <dgm:styleLbl name="parChTrans1D1">
+    <dgm:fillClrLst meth="repeat">
+      <a:schemeClr val="accent2"/>
+    </dgm:fillClrLst>
+    <dgm:linClrLst meth="repeat">
+      <a:schemeClr val="accent1"/>
+    </dgm:linClrLst>
+    <dgm:effectClrLst/>
+    <dgm:txLinClrLst/>
+    <dgm:txFillClrLst meth="repeat">
+      <a:schemeClr val="tx1"/>
+    </dgm:txFillClrLst>
+    <dgm:txEffectClrLst/>
+  </dgm:styleLbl>
+  <dgm:styleLbl name="parChTrans1D2">
+    <dgm:fillClrLst meth="repeat">
+      <a:schemeClr val="accent3">
+        <a:tint val="90000"/>
+      </a:schemeClr>
+    </dgm:fillClrLst>
+    <dgm:linClrLst meth="repeat">
+      <a:schemeClr val="accent2"/>
+    </dgm:linClrLst>
+    <dgm:effectClrLst/>
+    <dgm:txLinClrLst/>
+    <dgm:txFillClrLst meth="repeat">
+      <a:schemeClr val="tx1"/>
+    </dgm:txFillClrLst>
+    <dgm:txEffectClrLst/>
+  </dgm:styleLbl>
+  <dgm:styleLbl name="parChTrans1D3">
+    <dgm:fillClrLst meth="repeat">
+      <a:schemeClr val="accent4">
+        <a:tint val="70000"/>
+      </a:schemeClr>
+    </dgm:fillClrLst>
+    <dgm:linClrLst meth="repeat">
+      <a:schemeClr val="accent3"/>
+    </dgm:linClrLst>
+    <dgm:effectClrLst/>
+    <dgm:txLinClrLst/>
+    <dgm:txFillClrLst meth="repeat">
+      <a:schemeClr val="tx1"/>
+    </dgm:txFillClrLst>
+    <dgm:txEffectClrLst/>
+  </dgm:styleLbl>
+  <dgm:styleLbl name="parChTrans1D4">
+    <dgm:fillClrLst meth="repeat">
+      <a:schemeClr val="accent5">
+        <a:tint val="50000"/>
+      </a:schemeClr>
+    </dgm:fillClrLst>
+    <dgm:linClrLst meth="repeat">
+      <a:schemeClr val="accent4"/>
+    </dgm:linClrLst>
+    <dgm:effectClrLst/>
+    <dgm:txLinClrLst/>
+    <dgm:txFillClrLst meth="repeat">
+      <a:schemeClr val="tx1"/>
+    </dgm:txFillClrLst>
+    <dgm:txEffectClrLst/>
+  </dgm:styleLbl>
+  <dgm:styleLbl name="fgAcc1">
+    <dgm:fillClrLst meth="repeat">
+      <a:schemeClr val="lt1">
+        <a:alpha val="90000"/>
+      </a:schemeClr>
+    </dgm:fillClrLst>
+    <dgm:linClrLst meth="repeat">
+      <a:schemeClr val="accent2"/>
+      <a:schemeClr val="accent3"/>
+      <a:schemeClr val="accent4"/>
+      <a:schemeClr val="accent5"/>
+      <a:schemeClr val="accent6"/>
+    </dgm:linClrLst>
+    <dgm:effectClrLst/>
+    <dgm:txLinClrLst/>
+    <dgm:txFillClrLst meth="repeat">
+      <a:schemeClr val="dk1"/>
+    </dgm:txFillClrLst>
+    <dgm:txEffectClrLst/>
+  </dgm:styleLbl>
+  <dgm:styleLbl name="conFgAcc1">
+    <dgm:fillClrLst meth="repeat">
+      <a:schemeClr val="lt1">
+        <a:alpha val="90000"/>
+      </a:schemeClr>
+    </dgm:fillClrLst>
+    <dgm:linClrLst meth="repeat">
+      <a:schemeClr val="accent2"/>
+      <a:schemeClr val="accent3"/>
+      <a:schemeClr val="accent4"/>
+      <a:schemeClr val="accent5"/>
+      <a:schemeClr val="accent6"/>
+    </dgm:linClrLst>
+    <dgm:effectClrLst/>
+    <dgm:txLinClrLst/>
+    <dgm:txFillClrLst meth="repeat">
+      <a:schemeClr val="dk1"/>
+    </dgm:txFillClrLst>
+    <dgm:txEffectClrLst/>
+  </dgm:styleLbl>
+  <dgm:styleLbl name="alignAcc1">
+    <dgm:fillClrLst meth="repeat">
+      <a:schemeClr val="lt1">
+        <a:alpha val="90000"/>
+      </a:schemeClr>
+    </dgm:fillClrLst>
+    <dgm:linClrLst meth="repeat">
+      <a:schemeClr val="accent2"/>
+      <a:schemeClr val="accent3"/>
+      <a:schemeClr val="accent4"/>
+      <a:schemeClr val="accent5"/>
+      <a:schemeClr val="accent6"/>
+    </dgm:linClrLst>
+    <dgm:effectClrLst/>
+    <dgm:txLinClrLst/>
+    <dgm:txFillClrLst meth="repeat">
+      <a:schemeClr val="dk1"/>
+    </dgm:txFillClrLst>
+    <dgm:txEffectClrLst/>
+  </dgm:styleLbl>
+  <dgm:styleLbl name="trAlignAcc1">
+    <dgm:fillClrLst meth="repeat">
+      <a:schemeClr val="lt1">
+        <a:alpha val="40000"/>
+      </a:schemeClr>
+    </dgm:fillClrLst>
+    <dgm:linClrLst meth="repeat">
+      <a:schemeClr val="accent1"/>
+    </dgm:linClrLst>
+    <dgm:effectClrLst/>
+    <dgm:txLinClrLst/>
+    <dgm:txFillClrLst meth="repeat">
+      <a:schemeClr val="dk1"/>
+    </dgm:txFillClrLst>
+    <dgm:txEffectClrLst/>
+  </dgm:styleLbl>
+  <dgm:styleLbl name="bgAcc1">
+    <dgm:fillClrLst meth="repeat">
+      <a:schemeClr val="lt1">
+        <a:alpha val="90000"/>
+      </a:schemeClr>
+    </dgm:fillClrLst>
+    <dgm:linClrLst meth="repeat">
+      <a:schemeClr val="accent2"/>
+      <a:schemeClr val="accent3"/>
+      <a:schemeClr val="accent4"/>
+      <a:schemeClr val="accent5"/>
+      <a:schemeClr val="accent6"/>
+    </dgm:linClrLst>
+    <dgm:effectClrLst/>
+    <dgm:txLinClrLst/>
+    <dgm:txFillClrLst meth="repeat">
+      <a:schemeClr val="dk1"/>
+    </dgm:txFillClrLst>
+    <dgm:txEffectClrLst/>
+  </dgm:styleLbl>
+  <dgm:styleLbl name="solidFgAcc1">
+    <dgm:fillClrLst meth="repeat">
+      <a:schemeClr val="lt1"/>
+    </dgm:fillClrLst>
+    <dgm:linClrLst meth="repeat">
+      <a:schemeClr val="accent2"/>
+      <a:schemeClr val="accent3"/>
+      <a:schemeClr val="accent4"/>
+      <a:schemeClr val="accent5"/>
+      <a:schemeClr val="accent6"/>
+    </dgm:linClrLst>
+    <dgm:effectClrLst/>
+    <dgm:txLinClrLst/>
+    <dgm:txFillClrLst meth="repeat">
+      <a:schemeClr val="dk1"/>
+    </dgm:txFillClrLst>
+    <dgm:txEffectClrLst/>
+  </dgm:styleLbl>
+  <dgm:styleLbl name="solidAlignAcc1">
+    <dgm:fillClrLst meth="repeat">
+      <a:schemeClr val="lt1"/>
+    </dgm:fillClrLst>
+    <dgm:linClrLst meth="repeat">
+      <a:schemeClr val="accent2"/>
+      <a:schemeClr val="accent3"/>
+      <a:schemeClr val="accent4"/>
+      <a:schemeClr val="accent5"/>
+      <a:schemeClr val="accent6"/>
+    </dgm:linClrLst>
+    <dgm:effectClrLst/>
+    <dgm:txLinClrLst/>
+    <dgm:txFillClrLst meth="repeat">
+      <a:schemeClr val="dk1"/>
+    </dgm:txFillClrLst>
+    <dgm:txEffectClrLst/>
+  </dgm:styleLbl>
+  <dgm:styleLbl name="solidBgAcc1">
+    <dgm:fillClrLst meth="repeat">
+      <a:schemeClr val="lt1"/>
+    </dgm:fillClrLst>
+    <dgm:linClrLst meth="repeat">
+      <a:schemeClr val="accent2"/>
+      <a:schemeClr val="accent3"/>
+      <a:schemeClr val="accent4"/>
+      <a:schemeClr val="accent5"/>
+      <a:schemeClr val="accent6"/>
+    </dgm:linClrLst>
+    <dgm:effectClrLst/>
+    <dgm:txLinClrLst/>
+    <dgm:txFillClrLst meth="repeat">
+      <a:schemeClr val="dk1"/>
+    </dgm:txFillClrLst>
+    <dgm:txEffectClrLst/>
+  </dgm:styleLbl>
+  <dgm:styleLbl name="fgAccFollowNode1">
+    <dgm:fillClrLst meth="repeat">
+      <a:schemeClr val="accent2">
+        <a:tint val="40000"/>
+        <a:alpha val="90000"/>
+      </a:schemeClr>
+      <a:schemeClr val="accent3">
+        <a:tint val="40000"/>
+        <a:alpha val="90000"/>
+      </a:schemeClr>
+      <a:schemeClr val="accent4">
+        <a:tint val="40000"/>
+        <a:alpha val="90000"/>
+      </a:schemeClr>
+      <a:schemeClr val="accent5">
+        <a:tint val="40000"/>
+        <a:alpha val="90000"/>
+      </a:schemeClr>
+      <a:schemeClr val="accent6">
+        <a:tint val="40000"/>
+        <a:alpha val="90000"/>
+      </a:schemeClr>
+    </dgm:fillClrLst>
+    <dgm:linClrLst meth="repeat">
+      <a:schemeClr val="accent2">
+        <a:tint val="40000"/>
+        <a:alpha val="90000"/>
+      </a:schemeClr>
+      <a:schemeClr val="accent3">
+        <a:tint val="40000"/>
+        <a:alpha val="90000"/>
+      </a:schemeClr>
+      <a:schemeClr val="accent4">
+        <a:tint val="40000"/>
+        <a:alpha val="90000"/>
+      </a:schemeClr>
+      <a:schemeClr val="accent5">
+        <a:tint val="40000"/>
+        <a:alpha val="90000"/>
+      </a:schemeClr>
+      <a:schemeClr val="accent6">
+        <a:tint val="40000"/>
+        <a:alpha val="90000"/>
+      </a:schemeClr>
+    </dgm:linClrLst>
+    <dgm:effectClrLst/>
+    <dgm:txLinClrLst/>
+    <dgm:txFillClrLst meth="repeat">
+      <a:schemeClr val="dk1"/>
+    </dgm:txFillClrLst>
+    <dgm:txEffectClrLst/>
+  </dgm:styleLbl>
+  <dgm:styleLbl name="alignAccFollowNode1">
+    <dgm:fillClrLst meth="repeat">
+      <a:schemeClr val="accent2">
+        <a:tint val="40000"/>
+        <a:alpha val="90000"/>
+      </a:schemeClr>
+      <a:schemeClr val="accent3">
+        <a:tint val="40000"/>
+        <a:alpha val="90000"/>
+      </a:schemeClr>
+      <a:schemeClr val="accent4">
+        <a:tint val="40000"/>
+        <a:alpha val="90000"/>
+      </a:schemeClr>
+      <a:schemeClr val="accent5">
+        <a:tint val="40000"/>
+        <a:alpha val="90000"/>
+      </a:schemeClr>
+      <a:schemeClr val="accent6">
+        <a:tint val="40000"/>
+        <a:alpha val="90000"/>
+      </a:schemeClr>
+    </dgm:fillClrLst>
+    <dgm:linClrLst meth="repeat">
+      <a:schemeClr val="accent2">
+        <a:tint val="40000"/>
+        <a:alpha val="90000"/>
+      </a:schemeClr>
+      <a:schemeClr val="accent3">
+        <a:tint val="40000"/>
+        <a:alpha val="90000"/>
+      </a:schemeClr>
+      <a:schemeClr val="accent4">
+        <a:tint val="40000"/>
+        <a:alpha val="90000"/>
+      </a:schemeClr>
+      <a:schemeClr val="accent5">
+        <a:tint val="40000"/>
+        <a:alpha val="90000"/>
+      </a:schemeClr>
+      <a:schemeClr val="accent6">
+        <a:tint val="40000"/>
+        <a:alpha val="90000"/>
+      </a:schemeClr>
+    </dgm:linClrLst>
+    <dgm:effectClrLst/>
+    <dgm:txLinClrLst/>
+    <dgm:txFillClrLst meth="repeat">
+      <a:schemeClr val="dk1"/>
+    </dgm:txFillClrLst>
+    <dgm:txEffectClrLst/>
+  </dgm:styleLbl>
+  <dgm:styleLbl name="bgAccFollowNode1">
+    <dgm:fillClrLst meth="repeat">
+      <a:schemeClr val="accent2">
+        <a:tint val="40000"/>
+        <a:alpha val="90000"/>
+      </a:schemeClr>
+      <a:schemeClr val="accent3">
+        <a:tint val="40000"/>
+        <a:alpha val="90000"/>
+      </a:schemeClr>
+      <a:schemeClr val="accent4">
+        <a:tint val="40000"/>
+        <a:alpha val="90000"/>
+      </a:schemeClr>
+      <a:schemeClr val="accent5">
+        <a:tint val="40000"/>
+        <a:alpha val="90000"/>
+      </a:schemeClr>
+      <a:schemeClr val="accent6">
+        <a:tint val="40000"/>
+        <a:alpha val="90000"/>
+      </a:schemeClr>
+    </dgm:fillClrLst>
+    <dgm:linClrLst meth="repeat">
+      <a:schemeClr val="accent2">
+        <a:tint val="40000"/>
+        <a:alpha val="90000"/>
+      </a:schemeClr>
+      <a:schemeClr val="accent3">
+        <a:tint val="40000"/>
+        <a:alpha val="90000"/>
+      </a:schemeClr>
+      <a:schemeClr val="accent4">
+        <a:tint val="40000"/>
+        <a:alpha val="90000"/>
+      </a:schemeClr>
+      <a:schemeClr val="accent5">
+        <a:tint val="40000"/>
+        <a:alpha val="90000"/>
+      </a:schemeClr>
+      <a:schemeClr val="accent6">
+        <a:tint val="40000"/>
+        <a:alpha val="90000"/>
+      </a:schemeClr>
+    </dgm:linClrLst>
+    <dgm:effectClrLst/>
+    <dgm:txLinClrLst/>
+    <dgm:txFillClrLst meth="repeat">
+      <a:schemeClr val="dk1"/>
+    </dgm:txFillClrLst>
+    <dgm:txEffectClrLst/>
+  </dgm:styleLbl>
+  <dgm:styleLbl name="fgAcc0">
+    <dgm:fillClrLst meth="repeat">
+      <a:schemeClr val="lt1">
+        <a:alpha val="90000"/>
+      </a:schemeClr>
+    </dgm:fillClrLst>
+    <dgm:linClrLst>
+      <a:schemeClr val="accent1"/>
+    </dgm:linClrLst>
+    <dgm:effectClrLst/>
+    <dgm:txLinClrLst/>
+    <dgm:txFillClrLst meth="repeat">
+      <a:schemeClr val="dk1"/>
+    </dgm:txFillClrLst>
+    <dgm:txEffectClrLst/>
+  </dgm:styleLbl>
+  <dgm:styleLbl name="fgAcc2">
+    <dgm:fillClrLst meth="repeat">
+      <a:schemeClr val="lt1">
+        <a:alpha val="90000"/>
+      </a:schemeClr>
+    </dgm:fillClrLst>
+    <dgm:linClrLst>
+      <a:schemeClr val="accent2"/>
+    </dgm:linClrLst>
+    <dgm:effectClrLst/>
+    <dgm:txLinClrLst/>
+    <dgm:txFillClrLst meth="repeat">
+      <a:schemeClr val="dk1"/>
+    </dgm:txFillClrLst>
+    <dgm:txEffectClrLst/>
+  </dgm:styleLbl>
+  <dgm:styleLbl name="fgAcc3">
+    <dgm:fillClrLst meth="repeat">
+      <a:schemeClr val="lt1">
+        <a:alpha val="90000"/>
+      </a:schemeClr>
+    </dgm:fillClrLst>
+    <dgm:linClrLst>
+      <a:schemeClr val="accent3"/>
+    </dgm:linClrLst>
+    <dgm:effectClrLst/>
+    <dgm:txLinClrLst/>
+    <dgm:txFillClrLst meth="repeat">
+      <a:schemeClr val="dk1"/>
+    </dgm:txFillClrLst>
+    <dgm:txEffectClrLst/>
+  </dgm:styleLbl>
+  <dgm:styleLbl name="fgAcc4">
+    <dgm:fillClrLst meth="repeat">
+      <a:schemeClr val="lt1">
+        <a:alpha val="90000"/>
+      </a:schemeClr>
+    </dgm:fillClrLst>
+    <dgm:linClrLst>
+      <a:schemeClr val="accent4"/>
+    </dgm:linClrLst>
+    <dgm:effectClrLst/>
+    <dgm:txLinClrLst/>
+    <dgm:txFillClrLst meth="repeat">
+      <a:schemeClr val="dk1"/>
+    </dgm:txFillClrLst>
+    <dgm:txEffectClrLst/>
+  </dgm:styleLbl>
+  <dgm:styleLbl name="bgShp">
+    <dgm:fillClrLst meth="repeat">
+      <a:schemeClr val="accent2">
+        <a:tint val="40000"/>
+      </a:schemeClr>
+    </dgm:fillClrLst>
+    <dgm:linClrLst meth="repeat">
+      <a:schemeClr val="dk1"/>
+    </dgm:linClrLst>
+    <dgm:effectClrLst/>
+    <dgm:txLinClrLst/>
+    <dgm:txFillClrLst meth="repeat">
+      <a:schemeClr val="dk1"/>
+    </dgm:txFillClrLst>
+    <dgm:txEffectClrLst/>
+  </dgm:styleLbl>
+  <dgm:styleLbl name="dkBgShp">
+    <dgm:fillClrLst meth="repeat">
+      <a:schemeClr val="accent2">
+        <a:shade val="90000"/>
+      </a:schemeClr>
+    </dgm:fillClrLst>
+    <dgm:linClrLst meth="repeat">
+      <a:schemeClr val="dk1"/>
+    </dgm:linClrLst>
+    <dgm:effectClrLst/>
+    <dgm:txLinClrLst/>
+    <dgm:txFillClrLst meth="repeat">
+      <a:schemeClr val="lt1"/>
+    </dgm:txFillClrLst>
+    <dgm:txEffectClrLst/>
+  </dgm:styleLbl>
+  <dgm:styleLbl name="trBgShp">
+    <dgm:fillClrLst meth="repeat">
+      <a:schemeClr val="accent1">
+        <a:tint val="50000"/>
+        <a:alpha val="40000"/>
+      </a:schemeClr>
+    </dgm:fillClrLst>
+    <dgm:linClrLst meth="repeat">
+      <a:schemeClr val="accent2"/>
+    </dgm:linClrLst>
+    <dgm:effectClrLst/>
+    <dgm:txLinClrLst/>
+    <dgm:txFillClrLst meth="repeat">
+      <a:schemeClr val="lt1"/>
+    </dgm:txFillClrLst>
+    <dgm:txEffectClrLst/>
+  </dgm:styleLbl>
+  <dgm:styleLbl name="fgShp">
+    <dgm:fillClrLst meth="repeat">
+      <a:schemeClr val="accent2">
+        <a:tint val="40000"/>
+      </a:schemeClr>
+    </dgm:fillClrLst>
+    <dgm:linClrLst meth="repeat">
+      <a:schemeClr val="lt1"/>
+    </dgm:linClrLst>
+    <dgm:effectClrLst/>
+    <dgm:txLinClrLst/>
+    <dgm:txFillClrLst meth="repeat">
+      <a:schemeClr val="dk1"/>
+    </dgm:txFillClrLst>
+    <dgm:txEffectClrLst/>
+  </dgm:styleLbl>
+  <dgm:styleLbl name="revTx">
+    <dgm:fillClrLst meth="repeat">
+      <a:schemeClr val="lt1">
+        <a:alpha val="0"/>
+      </a:schemeClr>
+    </dgm:fillClrLst>
+    <dgm:linClrLst meth="repeat">
+      <a:schemeClr val="dk1">
+        <a:alpha val="0"/>
+      </a:schemeClr>
+    </dgm:linClrLst>
+    <dgm:effectClrLst/>
+    <dgm:txLinClrLst/>
+    <dgm:txFillClrLst meth="repeat">
+      <a:schemeClr val="tx1"/>
+    </dgm:txFillClrLst>
+    <dgm:txEffectClrLst/>
+  </dgm:styleLbl>
+</dgm:colorsDef>
+</file>
+
 <file path=ppt/diagrams/data1.xml><?xml version="1.0" encoding="utf-8"?>
 <dgm:dataModel xmlns:dgm="http://schemas.openxmlformats.org/drawingml/2006/diagram" xmlns:a="http://schemas.openxmlformats.org/drawingml/2006/main">
   <dgm:ptLst>
@@ -1052,7 +1972,7 @@
         <a:p>
           <a:r>
             <a:rPr lang="en-US" dirty="0" smtClean="0"/>
-            <a:t>Achieve</a:t>
+            <a:t>Create</a:t>
           </a:r>
           <a:endParaRPr lang="en-US" dirty="0"/>
         </a:p>
@@ -1324,6 +2244,227 @@
 </dgm:dataModel>
 </file>
 
+<file path=ppt/diagrams/data2.xml><?xml version="1.0" encoding="utf-8"?>
+<dgm:dataModel xmlns:dgm="http://schemas.openxmlformats.org/drawingml/2006/diagram" xmlns:a="http://schemas.openxmlformats.org/drawingml/2006/main">
+  <dgm:ptLst>
+    <dgm:pt modelId="{486D6565-C1F3-454E-9296-D2FB4F3BF5EF}" type="doc">
+      <dgm:prSet loTypeId="urn:microsoft.com/office/officeart/2005/8/layout/equation2" loCatId="relationship" qsTypeId="urn:microsoft.com/office/officeart/2005/8/quickstyle/3d1" qsCatId="3D" csTypeId="urn:microsoft.com/office/officeart/2005/8/colors/colorful1" csCatId="colorful" phldr="1"/>
+      <dgm:spPr/>
+    </dgm:pt>
+    <dgm:pt modelId="{2BBCD7F0-E55B-44B8-8682-CB5511D1C3D3}">
+      <dgm:prSet phldrT="[Text]"/>
+      <dgm:spPr/>
+      <dgm:t>
+        <a:bodyPr/>
+        <a:lstStyle/>
+        <a:p>
+          <a:r>
+            <a:rPr lang="en-US" dirty="0" smtClean="0"/>
+            <a:t>View</a:t>
+          </a:r>
+          <a:endParaRPr lang="en-US" dirty="0"/>
+        </a:p>
+      </dgm:t>
+    </dgm:pt>
+    <dgm:pt modelId="{E681D71E-AEAC-4376-8525-7BC5636B4D31}" type="parTrans" cxnId="{15283534-63F3-4434-B7A3-CD3E3992A4E5}">
+      <dgm:prSet/>
+      <dgm:spPr/>
+      <dgm:t>
+        <a:bodyPr/>
+        <a:lstStyle/>
+        <a:p>
+          <a:endParaRPr lang="en-US"/>
+        </a:p>
+      </dgm:t>
+    </dgm:pt>
+    <dgm:pt modelId="{E794A6BB-24DC-4809-881F-57218BEFDEBC}" type="sibTrans" cxnId="{15283534-63F3-4434-B7A3-CD3E3992A4E5}">
+      <dgm:prSet/>
+      <dgm:spPr/>
+      <dgm:t>
+        <a:bodyPr/>
+        <a:lstStyle/>
+        <a:p>
+          <a:endParaRPr lang="en-US"/>
+        </a:p>
+      </dgm:t>
+    </dgm:pt>
+    <dgm:pt modelId="{4A806686-71EE-47E8-AA96-CF3D6776E844}">
+      <dgm:prSet phldrT="[Text]"/>
+      <dgm:spPr/>
+      <dgm:t>
+        <a:bodyPr/>
+        <a:lstStyle/>
+        <a:p>
+          <a:r>
+            <a:rPr lang="en-US" dirty="0" smtClean="0"/>
+            <a:t>Imagine</a:t>
+          </a:r>
+          <a:endParaRPr lang="en-US" dirty="0"/>
+        </a:p>
+      </dgm:t>
+    </dgm:pt>
+    <dgm:pt modelId="{F3732704-D54B-42B1-A231-7769BBC65D70}" type="parTrans" cxnId="{EE82B199-7EE6-429A-A20B-6B10CF90A1D8}">
+      <dgm:prSet/>
+      <dgm:spPr/>
+      <dgm:t>
+        <a:bodyPr/>
+        <a:lstStyle/>
+        <a:p>
+          <a:endParaRPr lang="en-US"/>
+        </a:p>
+      </dgm:t>
+    </dgm:pt>
+    <dgm:pt modelId="{E24F2446-8F9A-4581-B5C0-B07CB01ACC8D}" type="sibTrans" cxnId="{EE82B199-7EE6-429A-A20B-6B10CF90A1D8}">
+      <dgm:prSet/>
+      <dgm:spPr/>
+      <dgm:t>
+        <a:bodyPr/>
+        <a:lstStyle/>
+        <a:p>
+          <a:endParaRPr lang="en-US"/>
+        </a:p>
+      </dgm:t>
+    </dgm:pt>
+    <dgm:pt modelId="{C36B7563-BF10-4B66-8CA5-4DEF3BFD5112}">
+      <dgm:prSet phldrT="[Text]"/>
+      <dgm:spPr/>
+      <dgm:t>
+        <a:bodyPr/>
+        <a:lstStyle/>
+        <a:p>
+          <a:r>
+            <a:rPr lang="en-US" dirty="0" smtClean="0"/>
+            <a:t>Create</a:t>
+          </a:r>
+          <a:endParaRPr lang="en-US" dirty="0"/>
+        </a:p>
+      </dgm:t>
+    </dgm:pt>
+    <dgm:pt modelId="{C0DBE9A6-5EF2-4C04-820C-75C1B87488FA}" type="parTrans" cxnId="{EE7C9F7C-BF9F-4ADF-B1DC-92107871B369}">
+      <dgm:prSet/>
+      <dgm:spPr/>
+      <dgm:t>
+        <a:bodyPr/>
+        <a:lstStyle/>
+        <a:p>
+          <a:endParaRPr lang="en-US"/>
+        </a:p>
+      </dgm:t>
+    </dgm:pt>
+    <dgm:pt modelId="{987A3917-DD9D-4B92-BBEC-4897DE519E89}" type="sibTrans" cxnId="{EE7C9F7C-BF9F-4ADF-B1DC-92107871B369}">
+      <dgm:prSet/>
+      <dgm:spPr/>
+      <dgm:t>
+        <a:bodyPr/>
+        <a:lstStyle/>
+        <a:p>
+          <a:endParaRPr lang="en-US"/>
+        </a:p>
+      </dgm:t>
+    </dgm:pt>
+    <dgm:pt modelId="{0273ABA1-93F4-49A0-A780-68C7B89FFBC8}" type="pres">
+      <dgm:prSet presAssocID="{486D6565-C1F3-454E-9296-D2FB4F3BF5EF}" presName="Name0" presStyleCnt="0">
+        <dgm:presLayoutVars>
+          <dgm:dir/>
+          <dgm:resizeHandles val="exact"/>
+        </dgm:presLayoutVars>
+      </dgm:prSet>
+      <dgm:spPr/>
+    </dgm:pt>
+    <dgm:pt modelId="{0717121E-202A-4F86-80FB-E8445890271C}" type="pres">
+      <dgm:prSet presAssocID="{486D6565-C1F3-454E-9296-D2FB4F3BF5EF}" presName="vNodes" presStyleCnt="0"/>
+      <dgm:spPr/>
+    </dgm:pt>
+    <dgm:pt modelId="{A47C9F85-7962-4256-A71D-06403540A937}" type="pres">
+      <dgm:prSet presAssocID="{2BBCD7F0-E55B-44B8-8682-CB5511D1C3D3}" presName="node" presStyleLbl="node1" presStyleIdx="0" presStyleCnt="3" custScaleX="254264" custScaleY="144829">
+        <dgm:presLayoutVars>
+          <dgm:bulletEnabled val="1"/>
+        </dgm:presLayoutVars>
+      </dgm:prSet>
+      <dgm:spPr/>
+      <dgm:t>
+        <a:bodyPr/>
+        <a:lstStyle/>
+        <a:p>
+          <a:endParaRPr lang="en-US"/>
+        </a:p>
+      </dgm:t>
+    </dgm:pt>
+    <dgm:pt modelId="{1731456F-259C-426B-B6B1-295FA5852473}" type="pres">
+      <dgm:prSet presAssocID="{E794A6BB-24DC-4809-881F-57218BEFDEBC}" presName="spacerT" presStyleCnt="0"/>
+      <dgm:spPr/>
+    </dgm:pt>
+    <dgm:pt modelId="{DEC8330A-43DB-4342-AFA0-3D20DE6D326F}" type="pres">
+      <dgm:prSet presAssocID="{E794A6BB-24DC-4809-881F-57218BEFDEBC}" presName="sibTrans" presStyleLbl="sibTrans2D1" presStyleIdx="0" presStyleCnt="2"/>
+      <dgm:spPr/>
+    </dgm:pt>
+    <dgm:pt modelId="{1698BEA7-8CC4-4DDF-B05F-59EC96EC727E}" type="pres">
+      <dgm:prSet presAssocID="{E794A6BB-24DC-4809-881F-57218BEFDEBC}" presName="spacerB" presStyleCnt="0"/>
+      <dgm:spPr/>
+    </dgm:pt>
+    <dgm:pt modelId="{A9649D26-195F-4857-9E67-3C43446964D9}" type="pres">
+      <dgm:prSet presAssocID="{4A806686-71EE-47E8-AA96-CF3D6776E844}" presName="node" presStyleLbl="node1" presStyleIdx="1" presStyleCnt="3" custScaleX="369510" custScaleY="237665">
+        <dgm:presLayoutVars>
+          <dgm:bulletEnabled val="1"/>
+        </dgm:presLayoutVars>
+      </dgm:prSet>
+      <dgm:spPr/>
+      <dgm:t>
+        <a:bodyPr/>
+        <a:lstStyle/>
+        <a:p>
+          <a:endParaRPr lang="en-US"/>
+        </a:p>
+      </dgm:t>
+    </dgm:pt>
+    <dgm:pt modelId="{5F93D19A-2BC0-4EC7-AF5E-763FF6C3A350}" type="pres">
+      <dgm:prSet presAssocID="{486D6565-C1F3-454E-9296-D2FB4F3BF5EF}" presName="sibTransLast" presStyleLbl="sibTrans2D1" presStyleIdx="1" presStyleCnt="2" custScaleX="278841" custScaleY="229913" custLinFactX="-34478" custLinFactNeighborX="-100000" custLinFactNeighborY="-91965"/>
+      <dgm:spPr/>
+    </dgm:pt>
+    <dgm:pt modelId="{9D0DC776-C98E-467D-BC0F-76E1DC285C52}" type="pres">
+      <dgm:prSet presAssocID="{486D6565-C1F3-454E-9296-D2FB4F3BF5EF}" presName="connectorText" presStyleLbl="sibTrans2D1" presStyleIdx="1" presStyleCnt="2"/>
+      <dgm:spPr/>
+    </dgm:pt>
+    <dgm:pt modelId="{F87D6583-B582-49CD-BE03-8E2D8BF6B610}" type="pres">
+      <dgm:prSet presAssocID="{486D6565-C1F3-454E-9296-D2FB4F3BF5EF}" presName="lastNode" presStyleLbl="node1" presStyleIdx="2" presStyleCnt="3" custScaleX="223751" custScaleY="190212">
+        <dgm:presLayoutVars>
+          <dgm:bulletEnabled val="1"/>
+        </dgm:presLayoutVars>
+      </dgm:prSet>
+      <dgm:spPr/>
+    </dgm:pt>
+  </dgm:ptLst>
+  <dgm:cxnLst>
+    <dgm:cxn modelId="{54FFC69C-1158-4F53-BE01-1D52E0B25351}" type="presOf" srcId="{E24F2446-8F9A-4581-B5C0-B07CB01ACC8D}" destId="{9D0DC776-C98E-467D-BC0F-76E1DC285C52}" srcOrd="1" destOrd="0" presId="urn:microsoft.com/office/officeart/2005/8/layout/equation2"/>
+    <dgm:cxn modelId="{3B72C82E-65A4-492B-9E25-B712FD27B7AF}" type="presOf" srcId="{E794A6BB-24DC-4809-881F-57218BEFDEBC}" destId="{DEC8330A-43DB-4342-AFA0-3D20DE6D326F}" srcOrd="0" destOrd="0" presId="urn:microsoft.com/office/officeart/2005/8/layout/equation2"/>
+    <dgm:cxn modelId="{5F374869-57EE-4830-8CCE-967B47FB5114}" type="presOf" srcId="{4A806686-71EE-47E8-AA96-CF3D6776E844}" destId="{A9649D26-195F-4857-9E67-3C43446964D9}" srcOrd="0" destOrd="0" presId="urn:microsoft.com/office/officeart/2005/8/layout/equation2"/>
+    <dgm:cxn modelId="{AB05F202-57D4-42CE-ABD7-827F5E24E1BF}" type="presOf" srcId="{E24F2446-8F9A-4581-B5C0-B07CB01ACC8D}" destId="{5F93D19A-2BC0-4EC7-AF5E-763FF6C3A350}" srcOrd="0" destOrd="0" presId="urn:microsoft.com/office/officeart/2005/8/layout/equation2"/>
+    <dgm:cxn modelId="{15283534-63F3-4434-B7A3-CD3E3992A4E5}" srcId="{486D6565-C1F3-454E-9296-D2FB4F3BF5EF}" destId="{2BBCD7F0-E55B-44B8-8682-CB5511D1C3D3}" srcOrd="0" destOrd="0" parTransId="{E681D71E-AEAC-4376-8525-7BC5636B4D31}" sibTransId="{E794A6BB-24DC-4809-881F-57218BEFDEBC}"/>
+    <dgm:cxn modelId="{B98B144E-DCD8-4742-95A0-F9E2E34CDF4C}" type="presOf" srcId="{2BBCD7F0-E55B-44B8-8682-CB5511D1C3D3}" destId="{A47C9F85-7962-4256-A71D-06403540A937}" srcOrd="0" destOrd="0" presId="urn:microsoft.com/office/officeart/2005/8/layout/equation2"/>
+    <dgm:cxn modelId="{526219E7-993F-4965-995D-03D93D00AB44}" type="presOf" srcId="{C36B7563-BF10-4B66-8CA5-4DEF3BFD5112}" destId="{F87D6583-B582-49CD-BE03-8E2D8BF6B610}" srcOrd="0" destOrd="0" presId="urn:microsoft.com/office/officeart/2005/8/layout/equation2"/>
+    <dgm:cxn modelId="{74CEFF5A-FBB5-4393-8F6E-73358D720B7F}" type="presOf" srcId="{486D6565-C1F3-454E-9296-D2FB4F3BF5EF}" destId="{0273ABA1-93F4-49A0-A780-68C7B89FFBC8}" srcOrd="0" destOrd="0" presId="urn:microsoft.com/office/officeart/2005/8/layout/equation2"/>
+    <dgm:cxn modelId="{EE7C9F7C-BF9F-4ADF-B1DC-92107871B369}" srcId="{486D6565-C1F3-454E-9296-D2FB4F3BF5EF}" destId="{C36B7563-BF10-4B66-8CA5-4DEF3BFD5112}" srcOrd="2" destOrd="0" parTransId="{C0DBE9A6-5EF2-4C04-820C-75C1B87488FA}" sibTransId="{987A3917-DD9D-4B92-BBEC-4897DE519E89}"/>
+    <dgm:cxn modelId="{EE82B199-7EE6-429A-A20B-6B10CF90A1D8}" srcId="{486D6565-C1F3-454E-9296-D2FB4F3BF5EF}" destId="{4A806686-71EE-47E8-AA96-CF3D6776E844}" srcOrd="1" destOrd="0" parTransId="{F3732704-D54B-42B1-A231-7769BBC65D70}" sibTransId="{E24F2446-8F9A-4581-B5C0-B07CB01ACC8D}"/>
+    <dgm:cxn modelId="{7C50225D-024A-486A-8EDA-8FD62625ED57}" type="presParOf" srcId="{0273ABA1-93F4-49A0-A780-68C7B89FFBC8}" destId="{0717121E-202A-4F86-80FB-E8445890271C}" srcOrd="0" destOrd="0" presId="urn:microsoft.com/office/officeart/2005/8/layout/equation2"/>
+    <dgm:cxn modelId="{58581368-E213-4238-BF03-B0DB1E642FBA}" type="presParOf" srcId="{0717121E-202A-4F86-80FB-E8445890271C}" destId="{A47C9F85-7962-4256-A71D-06403540A937}" srcOrd="0" destOrd="0" presId="urn:microsoft.com/office/officeart/2005/8/layout/equation2"/>
+    <dgm:cxn modelId="{70DE2FC7-B44B-42B5-B308-16B290F84EC3}" type="presParOf" srcId="{0717121E-202A-4F86-80FB-E8445890271C}" destId="{1731456F-259C-426B-B6B1-295FA5852473}" srcOrd="1" destOrd="0" presId="urn:microsoft.com/office/officeart/2005/8/layout/equation2"/>
+    <dgm:cxn modelId="{D7BB6F47-F836-426C-B01B-1F8BCD28424E}" type="presParOf" srcId="{0717121E-202A-4F86-80FB-E8445890271C}" destId="{DEC8330A-43DB-4342-AFA0-3D20DE6D326F}" srcOrd="2" destOrd="0" presId="urn:microsoft.com/office/officeart/2005/8/layout/equation2"/>
+    <dgm:cxn modelId="{FFE6D47C-2602-46ED-8073-DCE71F16DBF2}" type="presParOf" srcId="{0717121E-202A-4F86-80FB-E8445890271C}" destId="{1698BEA7-8CC4-4DDF-B05F-59EC96EC727E}" srcOrd="3" destOrd="0" presId="urn:microsoft.com/office/officeart/2005/8/layout/equation2"/>
+    <dgm:cxn modelId="{9EA1842D-BBB0-4178-B8E8-17F5BAA0DAFC}" type="presParOf" srcId="{0717121E-202A-4F86-80FB-E8445890271C}" destId="{A9649D26-195F-4857-9E67-3C43446964D9}" srcOrd="4" destOrd="0" presId="urn:microsoft.com/office/officeart/2005/8/layout/equation2"/>
+    <dgm:cxn modelId="{06FC33E9-212E-4D96-9A91-31D39279F3FE}" type="presParOf" srcId="{0273ABA1-93F4-49A0-A780-68C7B89FFBC8}" destId="{5F93D19A-2BC0-4EC7-AF5E-763FF6C3A350}" srcOrd="1" destOrd="0" presId="urn:microsoft.com/office/officeart/2005/8/layout/equation2"/>
+    <dgm:cxn modelId="{276AD8B7-0E22-46D0-92D1-A05C49FE1DA9}" type="presParOf" srcId="{5F93D19A-2BC0-4EC7-AF5E-763FF6C3A350}" destId="{9D0DC776-C98E-467D-BC0F-76E1DC285C52}" srcOrd="0" destOrd="0" presId="urn:microsoft.com/office/officeart/2005/8/layout/equation2"/>
+    <dgm:cxn modelId="{07022C5D-EF88-4BB1-8715-473C6D726B52}" type="presParOf" srcId="{0273ABA1-93F4-49A0-A780-68C7B89FFBC8}" destId="{F87D6583-B582-49CD-BE03-8E2D8BF6B610}" srcOrd="2" destOrd="0" presId="urn:microsoft.com/office/officeart/2005/8/layout/equation2"/>
+  </dgm:cxnLst>
+  <dgm:bg/>
+  <dgm:whole/>
+  <dgm:extLst>
+    <a:ext uri="http://schemas.microsoft.com/office/drawing/2008/diagram">
+      <dsp:dataModelExt xmlns:dsp="http://schemas.microsoft.com/office/drawing/2008/diagram" relId="rId6" minVer="http://schemas.openxmlformats.org/drawingml/2006/diagram"/>
+    </a:ext>
+  </dgm:extLst>
+</dgm:dataModel>
+</file>
+
 <file path=ppt/diagrams/drawing1.xml><?xml version="1.0" encoding="utf-8"?>
 <dsp:drawing xmlns:dgm="http://schemas.openxmlformats.org/drawingml/2006/diagram" xmlns:dsp="http://schemas.microsoft.com/office/drawing/2008/diagram" xmlns:a="http://schemas.openxmlformats.org/drawingml/2006/main">
   <dsp:spTree>
@@ -1339,8 +2480,8 @@
       </dsp:nvSpPr>
       <dsp:spPr>
         <a:xfrm>
-          <a:off x="2727182" y="4553284"/>
-          <a:ext cx="3190417" cy="2750696"/>
+          <a:off x="3559420" y="3125647"/>
+          <a:ext cx="2207850" cy="1903552"/>
         </a:xfrm>
         <a:prstGeom prst="hexagon">
           <a:avLst>
@@ -1428,12 +2569,12 @@
         </a:fontRef>
       </dsp:style>
       <dsp:txBody>
-        <a:bodyPr spcFirstLastPara="0" vert="horz" wrap="square" lIns="0" tIns="48260" rIns="0" bIns="48260" numCol="1" spcCol="1270" anchor="ctr" anchorCtr="0">
+        <a:bodyPr spcFirstLastPara="0" vert="horz" wrap="square" lIns="0" tIns="33020" rIns="0" bIns="33020" numCol="1" spcCol="1270" anchor="ctr" anchorCtr="0">
           <a:noAutofit/>
         </a:bodyPr>
         <a:lstStyle/>
         <a:p>
-          <a:pPr lvl="0" algn="ctr" defTabSz="1689100">
+          <a:pPr lvl="0" algn="ctr" defTabSz="1155700">
             <a:lnSpc>
               <a:spcPct val="90000"/>
             </a:lnSpc>
@@ -1445,15 +2586,15 @@
             </a:spcAft>
           </a:pPr>
           <a:r>
-            <a:rPr lang="en-US" sz="3800" kern="1200" dirty="0" smtClean="0"/>
-            <a:t>Achieve</a:t>
+            <a:rPr lang="en-US" sz="2600" kern="1200" dirty="0" smtClean="0"/>
+            <a:t>Create</a:t>
           </a:r>
-          <a:endParaRPr lang="en-US" sz="3800" kern="1200" dirty="0"/>
+          <a:endParaRPr lang="en-US" sz="2600" kern="1200" dirty="0"/>
         </a:p>
       </dsp:txBody>
       <dsp:txXfrm>
-        <a:off x="3222275" y="4980140"/>
-        <a:ext cx="2200231" cy="1896984"/>
+        <a:off x="3902037" y="3421043"/>
+        <a:ext cx="1522616" cy="1312760"/>
       </dsp:txXfrm>
     </dsp:sp>
     <dsp:sp modelId="{E8B64CB7-1EC9-4C66-8ED3-B980BD6DB433}">
@@ -1463,8 +2604,8 @@
       </dsp:nvSpPr>
       <dsp:spPr>
         <a:xfrm>
-          <a:off x="2810065" y="5767660"/>
-          <a:ext cx="373540" cy="321944"/>
+          <a:off x="3616777" y="3966027"/>
+          <a:ext cx="258499" cy="222793"/>
         </a:xfrm>
         <a:prstGeom prst="hexagon">
           <a:avLst>
@@ -1530,8 +2671,8 @@
       </dsp:nvSpPr>
       <dsp:spPr>
         <a:xfrm>
-          <a:off x="0" y="3075829"/>
-          <a:ext cx="3190417" cy="2750696"/>
+          <a:off x="1672140" y="2103211"/>
+          <a:ext cx="2207850" cy="1903552"/>
         </a:xfrm>
         <a:prstGeom prst="hexagon">
           <a:avLst>
@@ -1587,8 +2728,8 @@
       </dsp:nvSpPr>
       <dsp:spPr>
         <a:xfrm>
-          <a:off x="2171981" y="5463158"/>
-          <a:ext cx="373540" cy="321944"/>
+          <a:off x="3175207" y="3755303"/>
+          <a:ext cx="258499" cy="222793"/>
         </a:xfrm>
         <a:prstGeom prst="hexagon">
           <a:avLst>
@@ -1654,8 +2795,8 @@
       </dsp:nvSpPr>
       <dsp:spPr>
         <a:xfrm>
-          <a:off x="5445282" y="3043126"/>
-          <a:ext cx="3190417" cy="2750696"/>
+          <a:off x="5440414" y="2080580"/>
+          <a:ext cx="2207850" cy="1903552"/>
         </a:xfrm>
         <a:prstGeom prst="hexagon">
           <a:avLst>
@@ -1743,12 +2884,12 @@
         </a:fontRef>
       </dsp:style>
       <dsp:txBody>
-        <a:bodyPr spcFirstLastPara="0" vert="horz" wrap="square" lIns="0" tIns="48260" rIns="0" bIns="48260" numCol="1" spcCol="1270" anchor="ctr" anchorCtr="0">
+        <a:bodyPr spcFirstLastPara="0" vert="horz" wrap="square" lIns="0" tIns="33020" rIns="0" bIns="33020" numCol="1" spcCol="1270" anchor="ctr" anchorCtr="0">
           <a:noAutofit/>
         </a:bodyPr>
         <a:lstStyle/>
         <a:p>
-          <a:pPr lvl="0" algn="ctr" defTabSz="1689100">
+          <a:pPr lvl="0" algn="ctr" defTabSz="1155700">
             <a:lnSpc>
               <a:spcPct val="90000"/>
             </a:lnSpc>
@@ -1760,15 +2901,15 @@
             </a:spcAft>
           </a:pPr>
           <a:r>
-            <a:rPr lang="en-US" sz="3800" kern="1200" dirty="0" smtClean="0"/>
+            <a:rPr lang="en-US" sz="2600" kern="1200" dirty="0" smtClean="0"/>
             <a:t>Imagine</a:t>
           </a:r>
-          <a:endParaRPr lang="en-US" sz="3800" kern="1200" dirty="0"/>
+          <a:endParaRPr lang="en-US" sz="2600" kern="1200" dirty="0"/>
         </a:p>
       </dsp:txBody>
       <dsp:txXfrm>
-        <a:off x="5940375" y="3469982"/>
-        <a:ext cx="2200231" cy="1896984"/>
+        <a:off x="5783031" y="2375976"/>
+        <a:ext cx="1522616" cy="1312760"/>
       </dsp:txXfrm>
     </dsp:sp>
     <dsp:sp modelId="{87F2E570-C898-4775-8C88-12786A0AC14D}">
@@ -1778,8 +2919,8 @@
       </dsp:nvSpPr>
       <dsp:spPr>
         <a:xfrm>
-          <a:off x="7626347" y="5427548"/>
-          <a:ext cx="373540" cy="321944"/>
+          <a:off x="6949767" y="3730660"/>
+          <a:ext cx="258499" cy="222793"/>
         </a:xfrm>
         <a:prstGeom prst="hexagon">
           <a:avLst>
@@ -1845,8 +2986,8 @@
       </dsp:nvSpPr>
       <dsp:spPr>
         <a:xfrm>
-          <a:off x="8163382" y="4553284"/>
-          <a:ext cx="3190417" cy="2750696"/>
+          <a:off x="7321409" y="3125647"/>
+          <a:ext cx="2207850" cy="1903552"/>
         </a:xfrm>
         <a:prstGeom prst="hexagon">
           <a:avLst>
@@ -1902,8 +3043,8 @@
       </dsp:nvSpPr>
       <dsp:spPr>
         <a:xfrm>
-          <a:off x="8246264" y="5767660"/>
-          <a:ext cx="373540" cy="321944"/>
+          <a:off x="7378766" y="3966027"/>
+          <a:ext cx="258499" cy="222793"/>
         </a:xfrm>
         <a:prstGeom prst="hexagon">
           <a:avLst>
@@ -1969,8 +3110,8 @@
       </dsp:nvSpPr>
       <dsp:spPr>
         <a:xfrm>
-          <a:off x="2727182" y="1539509"/>
-          <a:ext cx="3190417" cy="2750696"/>
+          <a:off x="3559420" y="1040038"/>
+          <a:ext cx="2207850" cy="1903552"/>
         </a:xfrm>
         <a:prstGeom prst="hexagon">
           <a:avLst>
@@ -2058,12 +3199,12 @@
         </a:fontRef>
       </dsp:style>
       <dsp:txBody>
-        <a:bodyPr spcFirstLastPara="0" vert="horz" wrap="square" lIns="0" tIns="48260" rIns="0" bIns="48260" numCol="1" spcCol="1270" anchor="ctr" anchorCtr="0">
+        <a:bodyPr spcFirstLastPara="0" vert="horz" wrap="square" lIns="0" tIns="33020" rIns="0" bIns="33020" numCol="1" spcCol="1270" anchor="ctr" anchorCtr="0">
           <a:noAutofit/>
         </a:bodyPr>
         <a:lstStyle/>
         <a:p>
-          <a:pPr lvl="0" algn="ctr" defTabSz="1689100">
+          <a:pPr lvl="0" algn="ctr" defTabSz="1155700">
             <a:lnSpc>
               <a:spcPct val="90000"/>
             </a:lnSpc>
@@ -2075,15 +3216,15 @@
             </a:spcAft>
           </a:pPr>
           <a:r>
-            <a:rPr lang="en-US" sz="3800" kern="1200" dirty="0" smtClean="0"/>
+            <a:rPr lang="en-US" sz="2600" kern="1200" dirty="0" smtClean="0"/>
             <a:t>Experience</a:t>
           </a:r>
-          <a:endParaRPr lang="en-US" sz="3800" kern="1200" dirty="0"/>
+          <a:endParaRPr lang="en-US" sz="2600" kern="1200" dirty="0"/>
         </a:p>
       </dsp:txBody>
       <dsp:txXfrm>
-        <a:off x="3222275" y="1966365"/>
-        <a:ext cx="2200231" cy="1896984"/>
+        <a:off x="3902037" y="1335434"/>
+        <a:ext cx="1522616" cy="1312760"/>
       </dsp:txXfrm>
     </dsp:sp>
     <dsp:sp modelId="{A743DD33-A922-4FC4-A27C-4943A4A3547B}">
@@ -2093,8 +3234,8 @@
       </dsp:nvSpPr>
       <dsp:spPr>
         <a:xfrm>
-          <a:off x="4890081" y="1599101"/>
-          <a:ext cx="373540" cy="321944"/>
+          <a:off x="5056201" y="1081278"/>
+          <a:ext cx="258499" cy="222793"/>
         </a:xfrm>
         <a:prstGeom prst="hexagon">
           <a:avLst>
@@ -2160,8 +3301,8 @@
       </dsp:nvSpPr>
       <dsp:spPr>
         <a:xfrm>
-          <a:off x="5445282" y="36618"/>
-          <a:ext cx="3190417" cy="2750696"/>
+          <a:off x="5440414" y="0"/>
+          <a:ext cx="2207850" cy="1903552"/>
         </a:xfrm>
         <a:prstGeom prst="hexagon">
           <a:avLst>
@@ -2217,8 +3358,8 @@
       </dsp:nvSpPr>
       <dsp:spPr>
         <a:xfrm>
-          <a:off x="5539519" y="1244454"/>
-          <a:ext cx="373540" cy="321944"/>
+          <a:off x="5505628" y="835853"/>
+          <a:ext cx="258499" cy="222793"/>
         </a:xfrm>
         <a:prstGeom prst="hexagon">
           <a:avLst>
@@ -2276,6 +3417,563 @@
         </a:effectRef>
         <a:fontRef idx="minor"/>
       </dsp:style>
+    </dsp:sp>
+  </dsp:spTree>
+</dsp:drawing>
+</file>
+
+<file path=ppt/diagrams/drawing2.xml><?xml version="1.0" encoding="utf-8"?>
+<dsp:drawing xmlns:dgm="http://schemas.openxmlformats.org/drawingml/2006/diagram" xmlns:dsp="http://schemas.microsoft.com/office/drawing/2008/diagram" xmlns:a="http://schemas.openxmlformats.org/drawingml/2006/main">
+  <dsp:spTree>
+    <dsp:nvGrpSpPr>
+      <dsp:cNvPr id="0" name=""/>
+      <dsp:cNvGrpSpPr/>
+    </dsp:nvGrpSpPr>
+    <dsp:grpSpPr/>
+    <dsp:sp modelId="{A47C9F85-7962-4256-A71D-06403540A937}">
+      <dsp:nvSpPr>
+        <dsp:cNvPr id="0" name=""/>
+        <dsp:cNvSpPr/>
+      </dsp:nvSpPr>
+      <dsp:spPr>
+        <a:xfrm>
+          <a:off x="415787" y="563066"/>
+          <a:ext cx="1833474" cy="1044348"/>
+        </a:xfrm>
+        <a:prstGeom prst="ellipse">
+          <a:avLst/>
+        </a:prstGeom>
+        <a:gradFill rotWithShape="0">
+          <a:gsLst>
+            <a:gs pos="0">
+              <a:schemeClr val="accent2">
+                <a:hueOff val="0"/>
+                <a:satOff val="0"/>
+                <a:lumOff val="0"/>
+                <a:alphaOff val="0"/>
+                <a:shade val="51000"/>
+                <a:satMod val="130000"/>
+              </a:schemeClr>
+            </a:gs>
+            <a:gs pos="80000">
+              <a:schemeClr val="accent2">
+                <a:hueOff val="0"/>
+                <a:satOff val="0"/>
+                <a:lumOff val="0"/>
+                <a:alphaOff val="0"/>
+                <a:shade val="93000"/>
+                <a:satMod val="130000"/>
+              </a:schemeClr>
+            </a:gs>
+            <a:gs pos="100000">
+              <a:schemeClr val="accent2">
+                <a:hueOff val="0"/>
+                <a:satOff val="0"/>
+                <a:lumOff val="0"/>
+                <a:alphaOff val="0"/>
+                <a:shade val="94000"/>
+                <a:satMod val="135000"/>
+              </a:schemeClr>
+            </a:gs>
+          </a:gsLst>
+          <a:lin ang="16200000" scaled="0"/>
+        </a:gradFill>
+        <a:ln>
+          <a:noFill/>
+        </a:ln>
+        <a:effectLst>
+          <a:outerShdw blurRad="40000" dist="23000" dir="5400000" rotWithShape="0">
+            <a:srgbClr val="000000">
+              <a:alpha val="35000"/>
+            </a:srgbClr>
+          </a:outerShdw>
+        </a:effectLst>
+        <a:scene3d>
+          <a:camera prst="orthographicFront"/>
+          <a:lightRig rig="flat" dir="t"/>
+        </a:scene3d>
+        <a:sp3d prstMaterial="plastic">
+          <a:bevelT w="120900" h="88900"/>
+          <a:bevelB w="88900" h="31750" prst="angle"/>
+        </a:sp3d>
+      </dsp:spPr>
+      <dsp:style>
+        <a:lnRef idx="0">
+          <a:scrgbClr r="0" g="0" b="0"/>
+        </a:lnRef>
+        <a:fillRef idx="3">
+          <a:scrgbClr r="0" g="0" b="0"/>
+        </a:fillRef>
+        <a:effectRef idx="2">
+          <a:scrgbClr r="0" g="0" b="0"/>
+        </a:effectRef>
+        <a:fontRef idx="minor">
+          <a:schemeClr val="lt1"/>
+        </a:fontRef>
+      </dsp:style>
+      <dsp:txBody>
+        <a:bodyPr spcFirstLastPara="0" vert="horz" wrap="square" lIns="53340" tIns="53340" rIns="53340" bIns="53340" numCol="1" spcCol="1270" anchor="ctr" anchorCtr="0">
+          <a:noAutofit/>
+        </a:bodyPr>
+        <a:lstStyle/>
+        <a:p>
+          <a:pPr lvl="0" algn="ctr" defTabSz="1866900">
+            <a:lnSpc>
+              <a:spcPct val="90000"/>
+            </a:lnSpc>
+            <a:spcBef>
+              <a:spcPct val="0"/>
+            </a:spcBef>
+            <a:spcAft>
+              <a:spcPct val="35000"/>
+            </a:spcAft>
+          </a:pPr>
+          <a:r>
+            <a:rPr lang="en-US" sz="4200" kern="1200" dirty="0" smtClean="0"/>
+            <a:t>View</a:t>
+          </a:r>
+          <a:endParaRPr lang="en-US" sz="4200" kern="1200" dirty="0"/>
+        </a:p>
+      </dsp:txBody>
+      <dsp:txXfrm>
+        <a:off x="684293" y="716007"/>
+        <a:ext cx="1296462" cy="738466"/>
+      </dsp:txXfrm>
+    </dsp:sp>
+    <dsp:sp modelId="{DEC8330A-43DB-4342-AFA0-3D20DE6D326F}">
+      <dsp:nvSpPr>
+        <dsp:cNvPr id="0" name=""/>
+        <dsp:cNvSpPr/>
+      </dsp:nvSpPr>
+      <dsp:spPr>
+        <a:xfrm>
+          <a:off x="1123408" y="1665967"/>
+          <a:ext cx="418232" cy="418232"/>
+        </a:xfrm>
+        <a:prstGeom prst="mathPlus">
+          <a:avLst/>
+        </a:prstGeom>
+        <a:gradFill rotWithShape="0">
+          <a:gsLst>
+            <a:gs pos="0">
+              <a:schemeClr val="accent2">
+                <a:hueOff val="0"/>
+                <a:satOff val="0"/>
+                <a:lumOff val="0"/>
+                <a:alphaOff val="0"/>
+                <a:shade val="51000"/>
+                <a:satMod val="130000"/>
+              </a:schemeClr>
+            </a:gs>
+            <a:gs pos="80000">
+              <a:schemeClr val="accent2">
+                <a:hueOff val="0"/>
+                <a:satOff val="0"/>
+                <a:lumOff val="0"/>
+                <a:alphaOff val="0"/>
+                <a:shade val="93000"/>
+                <a:satMod val="130000"/>
+              </a:schemeClr>
+            </a:gs>
+            <a:gs pos="100000">
+              <a:schemeClr val="accent2">
+                <a:hueOff val="0"/>
+                <a:satOff val="0"/>
+                <a:lumOff val="0"/>
+                <a:alphaOff val="0"/>
+                <a:shade val="94000"/>
+                <a:satMod val="135000"/>
+              </a:schemeClr>
+            </a:gs>
+          </a:gsLst>
+          <a:lin ang="16200000" scaled="0"/>
+        </a:gradFill>
+        <a:ln>
+          <a:noFill/>
+        </a:ln>
+        <a:effectLst>
+          <a:outerShdw blurRad="40000" dist="23000" dir="5400000" rotWithShape="0">
+            <a:srgbClr val="000000">
+              <a:alpha val="35000"/>
+            </a:srgbClr>
+          </a:outerShdw>
+        </a:effectLst>
+        <a:scene3d>
+          <a:camera prst="orthographicFront"/>
+          <a:lightRig rig="flat" dir="t"/>
+        </a:scene3d>
+        <a:sp3d z="-80000" prstMaterial="plastic">
+          <a:bevelT w="50800" h="50800"/>
+          <a:bevelB w="25400" h="25400" prst="angle"/>
+        </a:sp3d>
+      </dsp:spPr>
+      <dsp:style>
+        <a:lnRef idx="0">
+          <a:scrgbClr r="0" g="0" b="0"/>
+        </a:lnRef>
+        <a:fillRef idx="3">
+          <a:scrgbClr r="0" g="0" b="0"/>
+        </a:fillRef>
+        <a:effectRef idx="2">
+          <a:scrgbClr r="0" g="0" b="0"/>
+        </a:effectRef>
+        <a:fontRef idx="minor">
+          <a:schemeClr val="lt1"/>
+        </a:fontRef>
+      </dsp:style>
+      <dsp:txBody>
+        <a:bodyPr spcFirstLastPara="0" vert="horz" wrap="square" lIns="0" tIns="0" rIns="0" bIns="0" numCol="1" spcCol="1270" anchor="ctr" anchorCtr="0">
+          <a:noAutofit/>
+        </a:bodyPr>
+        <a:lstStyle/>
+        <a:p>
+          <a:pPr lvl="0" algn="ctr" defTabSz="311150">
+            <a:lnSpc>
+              <a:spcPct val="90000"/>
+            </a:lnSpc>
+            <a:spcBef>
+              <a:spcPct val="0"/>
+            </a:spcBef>
+            <a:spcAft>
+              <a:spcPct val="35000"/>
+            </a:spcAft>
+          </a:pPr>
+          <a:endParaRPr lang="en-US" sz="700" kern="1200"/>
+        </a:p>
+      </dsp:txBody>
+      <dsp:txXfrm>
+        <a:off x="1178845" y="1825899"/>
+        <a:ext cx="307358" cy="98368"/>
+      </dsp:txXfrm>
+    </dsp:sp>
+    <dsp:sp modelId="{A9649D26-195F-4857-9E67-3C43446964D9}">
+      <dsp:nvSpPr>
+        <dsp:cNvPr id="0" name=""/>
+        <dsp:cNvSpPr/>
+      </dsp:nvSpPr>
+      <dsp:spPr>
+        <a:xfrm>
+          <a:off x="273" y="2142752"/>
+          <a:ext cx="2664502" cy="1713780"/>
+        </a:xfrm>
+        <a:prstGeom prst="ellipse">
+          <a:avLst/>
+        </a:prstGeom>
+        <a:gradFill rotWithShape="0">
+          <a:gsLst>
+            <a:gs pos="0">
+              <a:schemeClr val="accent3">
+                <a:hueOff val="0"/>
+                <a:satOff val="0"/>
+                <a:lumOff val="0"/>
+                <a:alphaOff val="0"/>
+                <a:shade val="51000"/>
+                <a:satMod val="130000"/>
+              </a:schemeClr>
+            </a:gs>
+            <a:gs pos="80000">
+              <a:schemeClr val="accent3">
+                <a:hueOff val="0"/>
+                <a:satOff val="0"/>
+                <a:lumOff val="0"/>
+                <a:alphaOff val="0"/>
+                <a:shade val="93000"/>
+                <a:satMod val="130000"/>
+              </a:schemeClr>
+            </a:gs>
+            <a:gs pos="100000">
+              <a:schemeClr val="accent3">
+                <a:hueOff val="0"/>
+                <a:satOff val="0"/>
+                <a:lumOff val="0"/>
+                <a:alphaOff val="0"/>
+                <a:shade val="94000"/>
+                <a:satMod val="135000"/>
+              </a:schemeClr>
+            </a:gs>
+          </a:gsLst>
+          <a:lin ang="16200000" scaled="0"/>
+        </a:gradFill>
+        <a:ln>
+          <a:noFill/>
+        </a:ln>
+        <a:effectLst>
+          <a:outerShdw blurRad="40000" dist="23000" dir="5400000" rotWithShape="0">
+            <a:srgbClr val="000000">
+              <a:alpha val="35000"/>
+            </a:srgbClr>
+          </a:outerShdw>
+        </a:effectLst>
+        <a:scene3d>
+          <a:camera prst="orthographicFront"/>
+          <a:lightRig rig="flat" dir="t"/>
+        </a:scene3d>
+        <a:sp3d prstMaterial="plastic">
+          <a:bevelT w="120900" h="88900"/>
+          <a:bevelB w="88900" h="31750" prst="angle"/>
+        </a:sp3d>
+      </dsp:spPr>
+      <dsp:style>
+        <a:lnRef idx="0">
+          <a:scrgbClr r="0" g="0" b="0"/>
+        </a:lnRef>
+        <a:fillRef idx="3">
+          <a:scrgbClr r="0" g="0" b="0"/>
+        </a:fillRef>
+        <a:effectRef idx="2">
+          <a:scrgbClr r="0" g="0" b="0"/>
+        </a:effectRef>
+        <a:fontRef idx="minor">
+          <a:schemeClr val="lt1"/>
+        </a:fontRef>
+      </dsp:style>
+      <dsp:txBody>
+        <a:bodyPr spcFirstLastPara="0" vert="horz" wrap="square" lIns="53340" tIns="53340" rIns="53340" bIns="53340" numCol="1" spcCol="1270" anchor="ctr" anchorCtr="0">
+          <a:noAutofit/>
+        </a:bodyPr>
+        <a:lstStyle/>
+        <a:p>
+          <a:pPr lvl="0" algn="ctr" defTabSz="1866900">
+            <a:lnSpc>
+              <a:spcPct val="90000"/>
+            </a:lnSpc>
+            <a:spcBef>
+              <a:spcPct val="0"/>
+            </a:spcBef>
+            <a:spcAft>
+              <a:spcPct val="35000"/>
+            </a:spcAft>
+          </a:pPr>
+          <a:r>
+            <a:rPr lang="en-US" sz="4200" kern="1200" dirty="0" smtClean="0"/>
+            <a:t>Imagine</a:t>
+          </a:r>
+          <a:endParaRPr lang="en-US" sz="4200" kern="1200" dirty="0"/>
+        </a:p>
+      </dsp:txBody>
+      <dsp:txXfrm>
+        <a:off x="390480" y="2393729"/>
+        <a:ext cx="1884088" cy="1211826"/>
+      </dsp:txXfrm>
+    </dsp:sp>
+    <dsp:sp modelId="{5F93D19A-2BC0-4EC7-AF5E-763FF6C3A350}">
+      <dsp:nvSpPr>
+        <dsp:cNvPr id="0" name=""/>
+        <dsp:cNvSpPr/>
+      </dsp:nvSpPr>
+      <dsp:spPr>
+        <a:xfrm>
+          <a:off x="2259525" y="1654741"/>
+          <a:ext cx="639401" cy="616731"/>
+        </a:xfrm>
+        <a:prstGeom prst="rightArrow">
+          <a:avLst>
+            <a:gd name="adj1" fmla="val 60000"/>
+            <a:gd name="adj2" fmla="val 50000"/>
+          </a:avLst>
+        </a:prstGeom>
+        <a:gradFill rotWithShape="0">
+          <a:gsLst>
+            <a:gs pos="0">
+              <a:schemeClr val="accent3">
+                <a:hueOff val="0"/>
+                <a:satOff val="0"/>
+                <a:lumOff val="0"/>
+                <a:alphaOff val="0"/>
+                <a:shade val="51000"/>
+                <a:satMod val="130000"/>
+              </a:schemeClr>
+            </a:gs>
+            <a:gs pos="80000">
+              <a:schemeClr val="accent3">
+                <a:hueOff val="0"/>
+                <a:satOff val="0"/>
+                <a:lumOff val="0"/>
+                <a:alphaOff val="0"/>
+                <a:shade val="93000"/>
+                <a:satMod val="130000"/>
+              </a:schemeClr>
+            </a:gs>
+            <a:gs pos="100000">
+              <a:schemeClr val="accent3">
+                <a:hueOff val="0"/>
+                <a:satOff val="0"/>
+                <a:lumOff val="0"/>
+                <a:alphaOff val="0"/>
+                <a:shade val="94000"/>
+                <a:satMod val="135000"/>
+              </a:schemeClr>
+            </a:gs>
+          </a:gsLst>
+          <a:lin ang="16200000" scaled="0"/>
+        </a:gradFill>
+        <a:ln>
+          <a:noFill/>
+        </a:ln>
+        <a:effectLst>
+          <a:outerShdw blurRad="40000" dist="23000" dir="5400000" rotWithShape="0">
+            <a:srgbClr val="000000">
+              <a:alpha val="35000"/>
+            </a:srgbClr>
+          </a:outerShdw>
+        </a:effectLst>
+        <a:scene3d>
+          <a:camera prst="orthographicFront"/>
+          <a:lightRig rig="flat" dir="t"/>
+        </a:scene3d>
+        <a:sp3d z="-80000" prstMaterial="plastic">
+          <a:bevelT w="50800" h="50800"/>
+          <a:bevelB w="25400" h="25400" prst="angle"/>
+        </a:sp3d>
+      </dsp:spPr>
+      <dsp:style>
+        <a:lnRef idx="0">
+          <a:scrgbClr r="0" g="0" b="0"/>
+        </a:lnRef>
+        <a:fillRef idx="3">
+          <a:scrgbClr r="0" g="0" b="0"/>
+        </a:fillRef>
+        <a:effectRef idx="2">
+          <a:scrgbClr r="0" g="0" b="0"/>
+        </a:effectRef>
+        <a:fontRef idx="minor">
+          <a:schemeClr val="lt1"/>
+        </a:fontRef>
+      </dsp:style>
+      <dsp:txBody>
+        <a:bodyPr spcFirstLastPara="0" vert="horz" wrap="square" lIns="0" tIns="0" rIns="0" bIns="0" numCol="1" spcCol="1270" anchor="ctr" anchorCtr="0">
+          <a:noAutofit/>
+        </a:bodyPr>
+        <a:lstStyle/>
+        <a:p>
+          <a:pPr lvl="0" algn="ctr" defTabSz="1155700">
+            <a:lnSpc>
+              <a:spcPct val="90000"/>
+            </a:lnSpc>
+            <a:spcBef>
+              <a:spcPct val="0"/>
+            </a:spcBef>
+            <a:spcAft>
+              <a:spcPct val="35000"/>
+            </a:spcAft>
+          </a:pPr>
+          <a:endParaRPr lang="en-US" sz="2600" kern="1200"/>
+        </a:p>
+      </dsp:txBody>
+      <dsp:txXfrm>
+        <a:off x="2259525" y="1778087"/>
+        <a:ext cx="454382" cy="370039"/>
+      </dsp:txXfrm>
+    </dsp:sp>
+    <dsp:sp modelId="{F87D6583-B582-49CD-BE03-8E2D8BF6B610}">
+      <dsp:nvSpPr>
+        <dsp:cNvPr id="0" name=""/>
+        <dsp:cNvSpPr/>
+      </dsp:nvSpPr>
+      <dsp:spPr>
+        <a:xfrm>
+          <a:off x="3097430" y="838198"/>
+          <a:ext cx="3226896" cy="2743202"/>
+        </a:xfrm>
+        <a:prstGeom prst="ellipse">
+          <a:avLst/>
+        </a:prstGeom>
+        <a:gradFill rotWithShape="0">
+          <a:gsLst>
+            <a:gs pos="0">
+              <a:schemeClr val="accent4">
+                <a:hueOff val="0"/>
+                <a:satOff val="0"/>
+                <a:lumOff val="0"/>
+                <a:alphaOff val="0"/>
+                <a:shade val="51000"/>
+                <a:satMod val="130000"/>
+              </a:schemeClr>
+            </a:gs>
+            <a:gs pos="80000">
+              <a:schemeClr val="accent4">
+                <a:hueOff val="0"/>
+                <a:satOff val="0"/>
+                <a:lumOff val="0"/>
+                <a:alphaOff val="0"/>
+                <a:shade val="93000"/>
+                <a:satMod val="130000"/>
+              </a:schemeClr>
+            </a:gs>
+            <a:gs pos="100000">
+              <a:schemeClr val="accent4">
+                <a:hueOff val="0"/>
+                <a:satOff val="0"/>
+                <a:lumOff val="0"/>
+                <a:alphaOff val="0"/>
+                <a:shade val="94000"/>
+                <a:satMod val="135000"/>
+              </a:schemeClr>
+            </a:gs>
+          </a:gsLst>
+          <a:lin ang="16200000" scaled="0"/>
+        </a:gradFill>
+        <a:ln>
+          <a:noFill/>
+        </a:ln>
+        <a:effectLst>
+          <a:outerShdw blurRad="40000" dist="23000" dir="5400000" rotWithShape="0">
+            <a:srgbClr val="000000">
+              <a:alpha val="35000"/>
+            </a:srgbClr>
+          </a:outerShdw>
+        </a:effectLst>
+        <a:scene3d>
+          <a:camera prst="orthographicFront"/>
+          <a:lightRig rig="flat" dir="t"/>
+        </a:scene3d>
+        <a:sp3d prstMaterial="plastic">
+          <a:bevelT w="120900" h="88900"/>
+          <a:bevelB w="88900" h="31750" prst="angle"/>
+        </a:sp3d>
+      </dsp:spPr>
+      <dsp:style>
+        <a:lnRef idx="0">
+          <a:scrgbClr r="0" g="0" b="0"/>
+        </a:lnRef>
+        <a:fillRef idx="3">
+          <a:scrgbClr r="0" g="0" b="0"/>
+        </a:fillRef>
+        <a:effectRef idx="2">
+          <a:scrgbClr r="0" g="0" b="0"/>
+        </a:effectRef>
+        <a:fontRef idx="minor">
+          <a:schemeClr val="lt1"/>
+        </a:fontRef>
+      </dsp:style>
+      <dsp:txBody>
+        <a:bodyPr spcFirstLastPara="0" vert="horz" wrap="square" lIns="78740" tIns="78740" rIns="78740" bIns="78740" numCol="1" spcCol="1270" anchor="ctr" anchorCtr="0">
+          <a:noAutofit/>
+        </a:bodyPr>
+        <a:lstStyle/>
+        <a:p>
+          <a:pPr lvl="0" algn="ctr" defTabSz="2755900">
+            <a:lnSpc>
+              <a:spcPct val="90000"/>
+            </a:lnSpc>
+            <a:spcBef>
+              <a:spcPct val="0"/>
+            </a:spcBef>
+            <a:spcAft>
+              <a:spcPct val="35000"/>
+            </a:spcAft>
+          </a:pPr>
+          <a:r>
+            <a:rPr lang="en-US" sz="6200" kern="1200" dirty="0" smtClean="0"/>
+            <a:t>Create</a:t>
+          </a:r>
+          <a:endParaRPr lang="en-US" sz="6200" kern="1200" dirty="0"/>
+        </a:p>
+      </dsp:txBody>
+      <dsp:txXfrm>
+        <a:off x="3569998" y="1239931"/>
+        <a:ext cx="2281760" cy="1939736"/>
+      </dsp:txXfrm>
     </dsp:sp>
   </dsp:spTree>
 </dsp:drawing>
@@ -4251,6 +5949,271 @@
 </dgm:layoutDef>
 </file>
 
+<file path=ppt/diagrams/layout2.xml><?xml version="1.0" encoding="utf-8"?>
+<dgm:layoutDef xmlns:dgm="http://schemas.openxmlformats.org/drawingml/2006/diagram" xmlns:a="http://schemas.openxmlformats.org/drawingml/2006/main" uniqueId="urn:microsoft.com/office/officeart/2005/8/layout/equation2">
+  <dgm:title val=""/>
+  <dgm:desc val=""/>
+  <dgm:catLst>
+    <dgm:cat type="relationship" pri="18000"/>
+    <dgm:cat type="process" pri="26000"/>
+  </dgm:catLst>
+  <dgm:sampData useDef="1">
+    <dgm:dataModel>
+      <dgm:ptLst/>
+      <dgm:bg/>
+      <dgm:whole/>
+    </dgm:dataModel>
+  </dgm:sampData>
+  <dgm:styleData>
+    <dgm:dataModel>
+      <dgm:ptLst>
+        <dgm:pt modelId="0" type="doc"/>
+        <dgm:pt modelId="1"/>
+        <dgm:pt modelId="2"/>
+      </dgm:ptLst>
+      <dgm:cxnLst>
+        <dgm:cxn modelId="3" srcId="0" destId="1" srcOrd="0" destOrd="0"/>
+        <dgm:cxn modelId="4" srcId="0" destId="2" srcOrd="1" destOrd="0"/>
+      </dgm:cxnLst>
+      <dgm:bg/>
+      <dgm:whole/>
+    </dgm:dataModel>
+  </dgm:styleData>
+  <dgm:clrData>
+    <dgm:dataModel>
+      <dgm:ptLst>
+        <dgm:pt modelId="0" type="doc"/>
+        <dgm:pt modelId="1"/>
+        <dgm:pt modelId="2"/>
+        <dgm:pt modelId="3"/>
+        <dgm:pt modelId="4"/>
+      </dgm:ptLst>
+      <dgm:cxnLst>
+        <dgm:cxn modelId="5" srcId="0" destId="1" srcOrd="0" destOrd="0"/>
+        <dgm:cxn modelId="6" srcId="0" destId="2" srcOrd="1" destOrd="0"/>
+        <dgm:cxn modelId="7" srcId="0" destId="3" srcOrd="2" destOrd="0"/>
+        <dgm:cxn modelId="8" srcId="0" destId="4" srcOrd="3" destOrd="0"/>
+      </dgm:cxnLst>
+      <dgm:bg/>
+      <dgm:whole/>
+    </dgm:dataModel>
+  </dgm:clrData>
+  <dgm:layoutNode name="Name0">
+    <dgm:varLst>
+      <dgm:dir/>
+      <dgm:resizeHandles val="exact"/>
+    </dgm:varLst>
+    <dgm:choose name="Name1">
+      <dgm:if name="Name2" func="var" arg="dir" op="equ" val="norm">
+        <dgm:alg type="lin">
+          <dgm:param type="linDir" val="fromL"/>
+          <dgm:param type="fallback" val="2D"/>
+        </dgm:alg>
+      </dgm:if>
+      <dgm:else name="Name3">
+        <dgm:alg type="lin">
+          <dgm:param type="linDir" val="fromR"/>
+          <dgm:param type="fallback" val="2D"/>
+        </dgm:alg>
+      </dgm:else>
+    </dgm:choose>
+    <dgm:shape xmlns:r="http://schemas.openxmlformats.org/officeDocument/2006/relationships" r:blip="">
+      <dgm:adjLst/>
+    </dgm:shape>
+    <dgm:presOf/>
+    <dgm:choose name="Name4">
+      <dgm:if name="Name5" axis="ch" ptType="node" func="cnt" op="gte" val="3">
+        <dgm:constrLst>
+          <dgm:constr type="h" for="des" forName="node" refType="w" fact="0.5"/>
+          <dgm:constr type="w" for="ch" forName="lastNode" refType="w"/>
+          <dgm:constr type="w" for="des" forName="node" refType="h" refFor="des" refForName="node"/>
+          <dgm:constr type="w" for="ch" forName="sibTransLast" refType="h" refFor="des" refForName="node" fact="0.6"/>
+          <dgm:constr type="h" for="des" forName="sibTrans" refType="h" refFor="des" refForName="node" op="equ" fact="0.58"/>
+          <dgm:constr type="w" for="des" forName="sibTrans" refType="h" refFor="des" refForName="sibTrans" op="equ"/>
+          <dgm:constr type="primFontSz" for="ch" forName="lastNode" op="equ" val="65"/>
+          <dgm:constr type="primFontSz" for="des" forName="node" op="equ" val="65"/>
+          <dgm:constr type="primFontSz" for="des" forName="sibTrans" val="55"/>
+          <dgm:constr type="primFontSz" for="des" forName="sibTrans" refType="primFontSz" refFor="des" refForName="node" op="lte" fact="0.8"/>
+          <dgm:constr type="primFontSz" for="des" forName="connectorText" refType="primFontSz" refFor="des" refForName="node" op="lte" fact="0.8"/>
+          <dgm:constr type="primFontSz" for="des" forName="connectorText" refType="primFontSz" refFor="des" refForName="sibTrans" op="equ"/>
+          <dgm:constr type="h" for="des" forName="spacerT" refType="h" refFor="des" refForName="sibTrans" fact="0.14"/>
+          <dgm:constr type="h" for="des" forName="spacerB" refType="h" refFor="des" refForName="sibTrans" fact="0.14"/>
+        </dgm:constrLst>
+      </dgm:if>
+      <dgm:else name="Name6">
+        <dgm:constrLst>
+          <dgm:constr type="h" for="des" forName="node" refType="w"/>
+          <dgm:constr type="w" for="ch" forName="lastNode" refType="w"/>
+          <dgm:constr type="w" for="des" forName="node" refType="h" refFor="des" refForName="node"/>
+          <dgm:constr type="w" for="ch" forName="sibTransLast" refType="h" refFor="des" refForName="node" fact="0.6"/>
+          <dgm:constr type="h" for="des" forName="sibTrans" refType="h" refFor="des" refForName="node" op="equ" fact="0.58"/>
+          <dgm:constr type="w" for="des" forName="sibTrans" refType="h" refFor="des" refForName="sibTrans" op="equ"/>
+          <dgm:constr type="primFontSz" for="des" forName="node" val="65"/>
+          <dgm:constr type="primFontSz" for="ch" forName="lastNode" refType="primFontSz" refFor="des" refForName="node" op="equ"/>
+          <dgm:constr type="primFontSz" for="des" forName="sibTrans" val="55"/>
+          <dgm:constr type="primFontSz" for="des" forName="connectorText" refType="primFontSz" refFor="des" refForName="node" op="lte" fact="0.8"/>
+          <dgm:constr type="primFontSz" for="des" forName="connectorText" refType="primFontSz" refFor="des" refForName="sibTrans" op="equ"/>
+          <dgm:constr type="h" for="des" forName="spacerT" refType="h" refFor="des" refForName="sibTrans" fact="0.14"/>
+          <dgm:constr type="h" for="des" forName="spacerB" refType="h" refFor="des" refForName="sibTrans" fact="0.14"/>
+        </dgm:constrLst>
+      </dgm:else>
+    </dgm:choose>
+    <dgm:ruleLst/>
+    <dgm:choose name="Name7">
+      <dgm:if name="Name8" axis="ch" ptType="node" func="cnt" op="gte" val="1">
+        <dgm:layoutNode name="vNodes">
+          <dgm:alg type="lin">
+            <dgm:param type="linDir" val="fromT"/>
+            <dgm:param type="fallback" val="2D"/>
+          </dgm:alg>
+          <dgm:shape xmlns:r="http://schemas.openxmlformats.org/officeDocument/2006/relationships" r:blip="">
+            <dgm:adjLst/>
+          </dgm:shape>
+          <dgm:presOf/>
+          <dgm:constrLst/>
+          <dgm:ruleLst/>
+          <dgm:forEach name="Name9" axis="ch" ptType="node">
+            <dgm:choose name="Name10">
+              <dgm:if name="Name11" axis="self" func="revPos" op="neq" val="1">
+                <dgm:layoutNode name="node">
+                  <dgm:varLst>
+                    <dgm:bulletEnabled val="1"/>
+                  </dgm:varLst>
+                  <dgm:alg type="tx">
+                    <dgm:param type="txAnchorVertCh" val="mid"/>
+                  </dgm:alg>
+                  <dgm:shape xmlns:r="http://schemas.openxmlformats.org/officeDocument/2006/relationships" type="ellipse" r:blip="">
+                    <dgm:adjLst/>
+                  </dgm:shape>
+                  <dgm:presOf axis="desOrSelf" ptType="node"/>
+                  <dgm:constrLst>
+                    <dgm:constr type="tMarg" refType="primFontSz" fact="0.1"/>
+                    <dgm:constr type="bMarg" refType="primFontSz" fact="0.1"/>
+                    <dgm:constr type="lMarg" refType="primFontSz" fact="0.1"/>
+                    <dgm:constr type="rMarg" refType="primFontSz" fact="0.1"/>
+                  </dgm:constrLst>
+                  <dgm:ruleLst>
+                    <dgm:rule type="primFontSz" val="5" fact="NaN" max="NaN"/>
+                  </dgm:ruleLst>
+                </dgm:layoutNode>
+                <dgm:choose name="Name12">
+                  <dgm:if name="Name13" axis="self" ptType="node" func="revPos" op="gt" val="2">
+                    <dgm:forEach name="sibTransForEach" axis="followSib" ptType="sibTrans" cnt="1">
+                      <dgm:layoutNode name="spacerT">
+                        <dgm:alg type="sp"/>
+                        <dgm:shape xmlns:r="http://schemas.openxmlformats.org/officeDocument/2006/relationships" r:blip="">
+                          <dgm:adjLst/>
+                        </dgm:shape>
+                        <dgm:presOf axis="self"/>
+                        <dgm:constrLst/>
+                        <dgm:ruleLst/>
+                      </dgm:layoutNode>
+                      <dgm:layoutNode name="sibTrans">
+                        <dgm:alg type="tx"/>
+                        <dgm:shape xmlns:r="http://schemas.openxmlformats.org/officeDocument/2006/relationships" type="mathPlus" r:blip="">
+                          <dgm:adjLst/>
+                        </dgm:shape>
+                        <dgm:presOf axis="self"/>
+                        <dgm:constrLst>
+                          <dgm:constr type="h" refType="w"/>
+                          <dgm:constr type="lMarg"/>
+                          <dgm:constr type="rMarg"/>
+                          <dgm:constr type="tMarg"/>
+                          <dgm:constr type="bMarg"/>
+                        </dgm:constrLst>
+                        <dgm:ruleLst>
+                          <dgm:rule type="primFontSz" val="5" fact="NaN" max="NaN"/>
+                        </dgm:ruleLst>
+                      </dgm:layoutNode>
+                      <dgm:layoutNode name="spacerB">
+                        <dgm:alg type="sp"/>
+                        <dgm:shape xmlns:r="http://schemas.openxmlformats.org/officeDocument/2006/relationships" r:blip="">
+                          <dgm:adjLst/>
+                        </dgm:shape>
+                        <dgm:presOf axis="self"/>
+                        <dgm:constrLst/>
+                        <dgm:ruleLst/>
+                      </dgm:layoutNode>
+                    </dgm:forEach>
+                  </dgm:if>
+                  <dgm:else name="Name14"/>
+                </dgm:choose>
+              </dgm:if>
+              <dgm:else name="Name15"/>
+            </dgm:choose>
+          </dgm:forEach>
+        </dgm:layoutNode>
+        <dgm:choose name="Name16">
+          <dgm:if name="Name17" axis="ch" ptType="node" func="cnt" op="gt" val="1">
+            <dgm:layoutNode name="sibTransLast">
+              <dgm:alg type="conn">
+                <dgm:param type="begPts" val="auto"/>
+                <dgm:param type="endPts" val="auto"/>
+                <dgm:param type="srcNode" val="vNodes"/>
+                <dgm:param type="dstNode" val="lastNode"/>
+              </dgm:alg>
+              <dgm:shape xmlns:r="http://schemas.openxmlformats.org/officeDocument/2006/relationships" type="conn" r:blip="">
+                <dgm:adjLst/>
+              </dgm:shape>
+              <dgm:presOf axis="ch" ptType="sibTrans" st="-1" cnt="1"/>
+              <dgm:constrLst>
+                <dgm:constr type="h" refType="w" fact="0.62"/>
+                <dgm:constr type="connDist"/>
+                <dgm:constr type="begPad" refType="connDist" fact="0.25"/>
+                <dgm:constr type="endPad" refType="connDist" fact="0.22"/>
+              </dgm:constrLst>
+              <dgm:ruleLst/>
+              <dgm:layoutNode name="connectorText">
+                <dgm:alg type="tx">
+                  <dgm:param type="autoTxRot" val="grav"/>
+                </dgm:alg>
+                <dgm:shape xmlns:r="http://schemas.openxmlformats.org/officeDocument/2006/relationships" type="conn" r:blip="" hideGeom="1">
+                  <dgm:adjLst/>
+                </dgm:shape>
+                <dgm:presOf axis="ch desOrSelf" ptType="sibTrans sibTrans" st="-1 1" cnt="1 0"/>
+                <dgm:constrLst>
+                  <dgm:constr type="lMarg"/>
+                  <dgm:constr type="rMarg"/>
+                  <dgm:constr type="tMarg"/>
+                  <dgm:constr type="bMarg"/>
+                </dgm:constrLst>
+                <dgm:ruleLst>
+                  <dgm:rule type="primFontSz" val="5" fact="NaN" max="NaN"/>
+                </dgm:ruleLst>
+              </dgm:layoutNode>
+            </dgm:layoutNode>
+          </dgm:if>
+          <dgm:else name="Name18"/>
+        </dgm:choose>
+        <dgm:layoutNode name="lastNode">
+          <dgm:varLst>
+            <dgm:bulletEnabled val="1"/>
+          </dgm:varLst>
+          <dgm:alg type="tx">
+            <dgm:param type="txAnchorVertCh" val="mid"/>
+          </dgm:alg>
+          <dgm:shape xmlns:r="http://schemas.openxmlformats.org/officeDocument/2006/relationships" type="ellipse" r:blip="">
+            <dgm:adjLst/>
+          </dgm:shape>
+          <dgm:presOf axis="ch desOrSelf" ptType="node node" st="-1 1" cnt="1 0"/>
+          <dgm:constrLst>
+            <dgm:constr type="h" refType="w"/>
+            <dgm:constr type="tMarg" refType="primFontSz" fact="0.1"/>
+            <dgm:constr type="bMarg" refType="primFontSz" fact="0.1"/>
+            <dgm:constr type="lMarg" refType="primFontSz" fact="0.1"/>
+            <dgm:constr type="rMarg" refType="primFontSz" fact="0.1"/>
+          </dgm:constrLst>
+          <dgm:ruleLst>
+            <dgm:rule type="primFontSz" val="5" fact="NaN" max="NaN"/>
+          </dgm:ruleLst>
+        </dgm:layoutNode>
+      </dgm:if>
+      <dgm:else name="Name19"/>
+    </dgm:choose>
+  </dgm:layoutNode>
+</dgm:layoutDef>
+</file>
+
 <file path=ppt/diagrams/quickStyle1.xml><?xml version="1.0" encoding="utf-8"?>
 <dgm:styleDef xmlns:dgm="http://schemas.openxmlformats.org/drawingml/2006/diagram" xmlns:a="http://schemas.openxmlformats.org/drawingml/2006/main" uniqueId="urn:microsoft.com/office/officeart/2005/8/quickstyle/simple5">
   <dgm:title val=""/>
@@ -5260,6 +7223,1123 @@
         <a:scrgbClr r="0" g="0" b="0"/>
       </a:effectRef>
       <a:fontRef idx="minor"/>
+    </dgm:style>
+  </dgm:styleLbl>
+  <dgm:styleLbl name="revTx">
+    <dgm:scene3d>
+      <a:camera prst="orthographicFront"/>
+      <a:lightRig rig="threePt" dir="t"/>
+    </dgm:scene3d>
+    <dgm:sp3d/>
+    <dgm:txPr/>
+    <dgm:style>
+      <a:lnRef idx="0">
+        <a:scrgbClr r="0" g="0" b="0"/>
+      </a:lnRef>
+      <a:fillRef idx="0">
+        <a:scrgbClr r="0" g="0" b="0"/>
+      </a:fillRef>
+      <a:effectRef idx="0">
+        <a:scrgbClr r="0" g="0" b="0"/>
+      </a:effectRef>
+      <a:fontRef idx="minor"/>
+    </dgm:style>
+  </dgm:styleLbl>
+</dgm:styleDef>
+</file>
+
+<file path=ppt/diagrams/quickStyle2.xml><?xml version="1.0" encoding="utf-8"?>
+<dgm:styleDef xmlns:dgm="http://schemas.openxmlformats.org/drawingml/2006/diagram" xmlns:a="http://schemas.openxmlformats.org/drawingml/2006/main" uniqueId="urn:microsoft.com/office/officeart/2005/8/quickstyle/3d1">
+  <dgm:title val=""/>
+  <dgm:desc val=""/>
+  <dgm:catLst>
+    <dgm:cat type="3D" pri="11100"/>
+  </dgm:catLst>
+  <dgm:scene3d>
+    <a:camera prst="orthographicFront"/>
+    <a:lightRig rig="threePt" dir="t"/>
+  </dgm:scene3d>
+  <dgm:styleLbl name="node0">
+    <dgm:scene3d>
+      <a:camera prst="orthographicFront"/>
+      <a:lightRig rig="flat" dir="t"/>
+    </dgm:scene3d>
+    <dgm:sp3d prstMaterial="plastic">
+      <a:bevelT w="120900" h="88900"/>
+      <a:bevelB w="88900" h="31750" prst="angle"/>
+    </dgm:sp3d>
+    <dgm:txPr/>
+    <dgm:style>
+      <a:lnRef idx="0">
+        <a:scrgbClr r="0" g="0" b="0"/>
+      </a:lnRef>
+      <a:fillRef idx="3">
+        <a:scrgbClr r="0" g="0" b="0"/>
+      </a:fillRef>
+      <a:effectRef idx="2">
+        <a:scrgbClr r="0" g="0" b="0"/>
+      </a:effectRef>
+      <a:fontRef idx="minor">
+        <a:schemeClr val="lt1"/>
+      </a:fontRef>
+    </dgm:style>
+  </dgm:styleLbl>
+  <dgm:styleLbl name="lnNode1">
+    <dgm:scene3d>
+      <a:camera prst="orthographicFront"/>
+      <a:lightRig rig="flat" dir="t"/>
+    </dgm:scene3d>
+    <dgm:sp3d prstMaterial="plastic">
+      <a:bevelT w="120900" h="88900"/>
+      <a:bevelB w="88900" h="31750" prst="angle"/>
+    </dgm:sp3d>
+    <dgm:txPr/>
+    <dgm:style>
+      <a:lnRef idx="0">
+        <a:scrgbClr r="0" g="0" b="0"/>
+      </a:lnRef>
+      <a:fillRef idx="3">
+        <a:scrgbClr r="0" g="0" b="0"/>
+      </a:fillRef>
+      <a:effectRef idx="1">
+        <a:scrgbClr r="0" g="0" b="0"/>
+      </a:effectRef>
+      <a:fontRef idx="minor">
+        <a:schemeClr val="lt1"/>
+      </a:fontRef>
+    </dgm:style>
+  </dgm:styleLbl>
+  <dgm:styleLbl name="vennNode1">
+    <dgm:scene3d>
+      <a:camera prst="orthographicFront"/>
+      <a:lightRig rig="flat" dir="t"/>
+    </dgm:scene3d>
+    <dgm:sp3d prstMaterial="plastic">
+      <a:bevelT w="120900" h="88900"/>
+      <a:bevelB w="88900" h="31750" prst="angle"/>
+    </dgm:sp3d>
+    <dgm:txPr/>
+    <dgm:style>
+      <a:lnRef idx="0">
+        <a:scrgbClr r="0" g="0" b="0"/>
+      </a:lnRef>
+      <a:fillRef idx="1">
+        <a:scrgbClr r="0" g="0" b="0"/>
+      </a:fillRef>
+      <a:effectRef idx="1">
+        <a:scrgbClr r="0" g="0" b="0"/>
+      </a:effectRef>
+      <a:fontRef idx="minor">
+        <a:schemeClr val="tx1"/>
+      </a:fontRef>
+    </dgm:style>
+  </dgm:styleLbl>
+  <dgm:styleLbl name="alignNode1">
+    <dgm:scene3d>
+      <a:camera prst="orthographicFront"/>
+      <a:lightRig rig="flat" dir="t"/>
+    </dgm:scene3d>
+    <dgm:sp3d prstMaterial="plastic">
+      <a:bevelT w="120900" h="88900"/>
+      <a:bevelB w="88900" h="31750" prst="angle"/>
+    </dgm:sp3d>
+    <dgm:txPr/>
+    <dgm:style>
+      <a:lnRef idx="1">
+        <a:scrgbClr r="0" g="0" b="0"/>
+      </a:lnRef>
+      <a:fillRef idx="3">
+        <a:scrgbClr r="0" g="0" b="0"/>
+      </a:fillRef>
+      <a:effectRef idx="2">
+        <a:scrgbClr r="0" g="0" b="0"/>
+      </a:effectRef>
+      <a:fontRef idx="minor">
+        <a:schemeClr val="lt1"/>
+      </a:fontRef>
+    </dgm:style>
+  </dgm:styleLbl>
+  <dgm:styleLbl name="node1">
+    <dgm:scene3d>
+      <a:camera prst="orthographicFront"/>
+      <a:lightRig rig="flat" dir="t"/>
+    </dgm:scene3d>
+    <dgm:sp3d prstMaterial="plastic">
+      <a:bevelT w="120900" h="88900"/>
+      <a:bevelB w="88900" h="31750" prst="angle"/>
+    </dgm:sp3d>
+    <dgm:txPr/>
+    <dgm:style>
+      <a:lnRef idx="0">
+        <a:scrgbClr r="0" g="0" b="0"/>
+      </a:lnRef>
+      <a:fillRef idx="3">
+        <a:scrgbClr r="0" g="0" b="0"/>
+      </a:fillRef>
+      <a:effectRef idx="2">
+        <a:scrgbClr r="0" g="0" b="0"/>
+      </a:effectRef>
+      <a:fontRef idx="minor">
+        <a:schemeClr val="lt1"/>
+      </a:fontRef>
+    </dgm:style>
+  </dgm:styleLbl>
+  <dgm:styleLbl name="node2">
+    <dgm:scene3d>
+      <a:camera prst="orthographicFront"/>
+      <a:lightRig rig="flat" dir="t"/>
+    </dgm:scene3d>
+    <dgm:sp3d prstMaterial="plastic">
+      <a:bevelT w="120900" h="88900"/>
+      <a:bevelB w="88900" h="31750" prst="angle"/>
+    </dgm:sp3d>
+    <dgm:txPr/>
+    <dgm:style>
+      <a:lnRef idx="0">
+        <a:scrgbClr r="0" g="0" b="0"/>
+      </a:lnRef>
+      <a:fillRef idx="3">
+        <a:scrgbClr r="0" g="0" b="0"/>
+      </a:fillRef>
+      <a:effectRef idx="1">
+        <a:scrgbClr r="0" g="0" b="0"/>
+      </a:effectRef>
+      <a:fontRef idx="minor">
+        <a:schemeClr val="lt1"/>
+      </a:fontRef>
+    </dgm:style>
+  </dgm:styleLbl>
+  <dgm:styleLbl name="node3">
+    <dgm:scene3d>
+      <a:camera prst="orthographicFront"/>
+      <a:lightRig rig="flat" dir="t"/>
+    </dgm:scene3d>
+    <dgm:sp3d prstMaterial="plastic">
+      <a:bevelT w="120900" h="88900"/>
+      <a:bevelB w="88900" h="31750" prst="angle"/>
+    </dgm:sp3d>
+    <dgm:txPr/>
+    <dgm:style>
+      <a:lnRef idx="0">
+        <a:scrgbClr r="0" g="0" b="0"/>
+      </a:lnRef>
+      <a:fillRef idx="3">
+        <a:scrgbClr r="0" g="0" b="0"/>
+      </a:fillRef>
+      <a:effectRef idx="1">
+        <a:scrgbClr r="0" g="0" b="0"/>
+      </a:effectRef>
+      <a:fontRef idx="minor">
+        <a:schemeClr val="lt1"/>
+      </a:fontRef>
+    </dgm:style>
+  </dgm:styleLbl>
+  <dgm:styleLbl name="node4">
+    <dgm:scene3d>
+      <a:camera prst="orthographicFront"/>
+      <a:lightRig rig="flat" dir="t"/>
+    </dgm:scene3d>
+    <dgm:sp3d prstMaterial="plastic">
+      <a:bevelT w="120900" h="88900"/>
+      <a:bevelB w="88900" h="31750" prst="angle"/>
+    </dgm:sp3d>
+    <dgm:txPr/>
+    <dgm:style>
+      <a:lnRef idx="0">
+        <a:scrgbClr r="0" g="0" b="0"/>
+      </a:lnRef>
+      <a:fillRef idx="3">
+        <a:scrgbClr r="0" g="0" b="0"/>
+      </a:fillRef>
+      <a:effectRef idx="1">
+        <a:scrgbClr r="0" g="0" b="0"/>
+      </a:effectRef>
+      <a:fontRef idx="minor">
+        <a:schemeClr val="lt1"/>
+      </a:fontRef>
+    </dgm:style>
+  </dgm:styleLbl>
+  <dgm:styleLbl name="fgImgPlace1">
+    <dgm:scene3d>
+      <a:camera prst="orthographicFront"/>
+      <a:lightRig rig="flat" dir="t"/>
+    </dgm:scene3d>
+    <dgm:sp3d z="127000" prstMaterial="plastic">
+      <a:bevelT w="88900" h="88900"/>
+      <a:bevelB w="88900" h="31750" prst="angle"/>
+    </dgm:sp3d>
+    <dgm:txPr/>
+    <dgm:style>
+      <a:lnRef idx="0">
+        <a:scrgbClr r="0" g="0" b="0"/>
+      </a:lnRef>
+      <a:fillRef idx="3">
+        <a:scrgbClr r="0" g="0" b="0"/>
+      </a:fillRef>
+      <a:effectRef idx="2">
+        <a:scrgbClr r="0" g="0" b="0"/>
+      </a:effectRef>
+      <a:fontRef idx="minor"/>
+    </dgm:style>
+  </dgm:styleLbl>
+  <dgm:styleLbl name="alignImgPlace1">
+    <dgm:scene3d>
+      <a:camera prst="orthographicFront"/>
+      <a:lightRig rig="flat" dir="t"/>
+    </dgm:scene3d>
+    <dgm:sp3d prstMaterial="plastic">
+      <a:bevelT w="88900" h="88900"/>
+      <a:bevelB w="88900" h="31750" prst="angle"/>
+    </dgm:sp3d>
+    <dgm:txPr/>
+    <dgm:style>
+      <a:lnRef idx="0">
+        <a:scrgbClr r="0" g="0" b="0"/>
+      </a:lnRef>
+      <a:fillRef idx="3">
+        <a:scrgbClr r="0" g="0" b="0"/>
+      </a:fillRef>
+      <a:effectRef idx="2">
+        <a:scrgbClr r="0" g="0" b="0"/>
+      </a:effectRef>
+      <a:fontRef idx="minor"/>
+    </dgm:style>
+  </dgm:styleLbl>
+  <dgm:styleLbl name="bgImgPlace1">
+    <dgm:scene3d>
+      <a:camera prst="orthographicFront"/>
+      <a:lightRig rig="flat" dir="t"/>
+    </dgm:scene3d>
+    <dgm:sp3d z="-190500" prstMaterial="plastic">
+      <a:bevelT w="88900" h="88900"/>
+      <a:bevelB w="88900" h="31750" prst="angle"/>
+    </dgm:sp3d>
+    <dgm:txPr/>
+    <dgm:style>
+      <a:lnRef idx="0">
+        <a:scrgbClr r="0" g="0" b="0"/>
+      </a:lnRef>
+      <a:fillRef idx="3">
+        <a:scrgbClr r="0" g="0" b="0"/>
+      </a:fillRef>
+      <a:effectRef idx="2">
+        <a:scrgbClr r="0" g="0" b="0"/>
+      </a:effectRef>
+      <a:fontRef idx="minor"/>
+    </dgm:style>
+  </dgm:styleLbl>
+  <dgm:styleLbl name="sibTrans2D1">
+    <dgm:scene3d>
+      <a:camera prst="orthographicFront"/>
+      <a:lightRig rig="flat" dir="t"/>
+    </dgm:scene3d>
+    <dgm:sp3d z="-80000" prstMaterial="plastic">
+      <a:bevelT w="50800" h="50800"/>
+      <a:bevelB w="25400" h="25400" prst="angle"/>
+    </dgm:sp3d>
+    <dgm:txPr/>
+    <dgm:style>
+      <a:lnRef idx="0">
+        <a:scrgbClr r="0" g="0" b="0"/>
+      </a:lnRef>
+      <a:fillRef idx="3">
+        <a:scrgbClr r="0" g="0" b="0"/>
+      </a:fillRef>
+      <a:effectRef idx="2">
+        <a:scrgbClr r="0" g="0" b="0"/>
+      </a:effectRef>
+      <a:fontRef idx="minor">
+        <a:schemeClr val="lt1"/>
+      </a:fontRef>
+    </dgm:style>
+  </dgm:styleLbl>
+  <dgm:styleLbl name="fgSibTrans2D1">
+    <dgm:scene3d>
+      <a:camera prst="orthographicFront"/>
+      <a:lightRig rig="flat" dir="t"/>
+    </dgm:scene3d>
+    <dgm:sp3d z="127000" prstMaterial="plastic">
+      <a:bevelT w="50800" h="50800"/>
+      <a:bevelB w="25400" h="25400" prst="angle"/>
+    </dgm:sp3d>
+    <dgm:txPr/>
+    <dgm:style>
+      <a:lnRef idx="0">
+        <a:scrgbClr r="0" g="0" b="0"/>
+      </a:lnRef>
+      <a:fillRef idx="3">
+        <a:scrgbClr r="0" g="0" b="0"/>
+      </a:fillRef>
+      <a:effectRef idx="2">
+        <a:scrgbClr r="0" g="0" b="0"/>
+      </a:effectRef>
+      <a:fontRef idx="minor">
+        <a:schemeClr val="lt1"/>
+      </a:fontRef>
+    </dgm:style>
+  </dgm:styleLbl>
+  <dgm:styleLbl name="bgSibTrans2D1">
+    <dgm:scene3d>
+      <a:camera prst="orthographicFront"/>
+      <a:lightRig rig="flat" dir="t"/>
+    </dgm:scene3d>
+    <dgm:sp3d z="-190500" prstMaterial="plastic">
+      <a:bevelT w="50800" h="50800"/>
+      <a:bevelB w="25400" h="25400" prst="angle"/>
+    </dgm:sp3d>
+    <dgm:txPr/>
+    <dgm:style>
+      <a:lnRef idx="0">
+        <a:scrgbClr r="0" g="0" b="0"/>
+      </a:lnRef>
+      <a:fillRef idx="3">
+        <a:scrgbClr r="0" g="0" b="0"/>
+      </a:fillRef>
+      <a:effectRef idx="2">
+        <a:scrgbClr r="0" g="0" b="0"/>
+      </a:effectRef>
+      <a:fontRef idx="minor">
+        <a:schemeClr val="lt1"/>
+      </a:fontRef>
+    </dgm:style>
+  </dgm:styleLbl>
+  <dgm:styleLbl name="sibTrans1D1">
+    <dgm:scene3d>
+      <a:camera prst="orthographicFront"/>
+      <a:lightRig rig="flat" dir="t"/>
+    </dgm:scene3d>
+    <dgm:sp3d z="-40000" prstMaterial="matte"/>
+    <dgm:txPr/>
+    <dgm:style>
+      <a:lnRef idx="1">
+        <a:scrgbClr r="0" g="0" b="0"/>
+      </a:lnRef>
+      <a:fillRef idx="0">
+        <a:scrgbClr r="0" g="0" b="0"/>
+      </a:fillRef>
+      <a:effectRef idx="0">
+        <a:scrgbClr r="0" g="0" b="0"/>
+      </a:effectRef>
+      <a:fontRef idx="minor"/>
+    </dgm:style>
+  </dgm:styleLbl>
+  <dgm:styleLbl name="callout">
+    <dgm:scene3d>
+      <a:camera prst="orthographicFront"/>
+      <a:lightRig rig="threePt" dir="t"/>
+    </dgm:scene3d>
+    <dgm:sp3d z="127000" prstMaterial="matte"/>
+    <dgm:txPr/>
+    <dgm:style>
+      <a:lnRef idx="2">
+        <a:scrgbClr r="0" g="0" b="0"/>
+      </a:lnRef>
+      <a:fillRef idx="1">
+        <a:scrgbClr r="0" g="0" b="0"/>
+      </a:fillRef>
+      <a:effectRef idx="0">
+        <a:scrgbClr r="0" g="0" b="0"/>
+      </a:effectRef>
+      <a:fontRef idx="minor"/>
+    </dgm:style>
+  </dgm:styleLbl>
+  <dgm:styleLbl name="asst0">
+    <dgm:scene3d>
+      <a:camera prst="orthographicFront"/>
+      <a:lightRig rig="flat" dir="t"/>
+    </dgm:scene3d>
+    <dgm:sp3d prstMaterial="plastic">
+      <a:bevelT w="120900" h="88900"/>
+      <a:bevelB w="88900" h="31750" prst="angle"/>
+    </dgm:sp3d>
+    <dgm:txPr/>
+    <dgm:style>
+      <a:lnRef idx="0">
+        <a:scrgbClr r="0" g="0" b="0"/>
+      </a:lnRef>
+      <a:fillRef idx="3">
+        <a:scrgbClr r="0" g="0" b="0"/>
+      </a:fillRef>
+      <a:effectRef idx="1">
+        <a:scrgbClr r="0" g="0" b="0"/>
+      </a:effectRef>
+      <a:fontRef idx="minor">
+        <a:schemeClr val="lt1"/>
+      </a:fontRef>
+    </dgm:style>
+  </dgm:styleLbl>
+  <dgm:styleLbl name="asst1">
+    <dgm:scene3d>
+      <a:camera prst="orthographicFront"/>
+      <a:lightRig rig="flat" dir="t"/>
+    </dgm:scene3d>
+    <dgm:sp3d prstMaterial="plastic">
+      <a:bevelT w="120900" h="88900"/>
+      <a:bevelB w="88900" h="31750" prst="angle"/>
+    </dgm:sp3d>
+    <dgm:txPr/>
+    <dgm:style>
+      <a:lnRef idx="0">
+        <a:scrgbClr r="0" g="0" b="0"/>
+      </a:lnRef>
+      <a:fillRef idx="3">
+        <a:scrgbClr r="0" g="0" b="0"/>
+      </a:fillRef>
+      <a:effectRef idx="1">
+        <a:scrgbClr r="0" g="0" b="0"/>
+      </a:effectRef>
+      <a:fontRef idx="minor">
+        <a:schemeClr val="lt1"/>
+      </a:fontRef>
+    </dgm:style>
+  </dgm:styleLbl>
+  <dgm:styleLbl name="asst2">
+    <dgm:scene3d>
+      <a:camera prst="orthographicFront"/>
+      <a:lightRig rig="flat" dir="t"/>
+    </dgm:scene3d>
+    <dgm:sp3d prstMaterial="plastic">
+      <a:bevelT w="120900" h="88900"/>
+      <a:bevelB w="88900" h="31750" prst="angle"/>
+    </dgm:sp3d>
+    <dgm:txPr/>
+    <dgm:style>
+      <a:lnRef idx="0">
+        <a:scrgbClr r="0" g="0" b="0"/>
+      </a:lnRef>
+      <a:fillRef idx="3">
+        <a:scrgbClr r="0" g="0" b="0"/>
+      </a:fillRef>
+      <a:effectRef idx="1">
+        <a:scrgbClr r="0" g="0" b="0"/>
+      </a:effectRef>
+      <a:fontRef idx="minor">
+        <a:schemeClr val="lt1"/>
+      </a:fontRef>
+    </dgm:style>
+  </dgm:styleLbl>
+  <dgm:styleLbl name="asst3">
+    <dgm:scene3d>
+      <a:camera prst="orthographicFront"/>
+      <a:lightRig rig="flat" dir="t"/>
+    </dgm:scene3d>
+    <dgm:sp3d prstMaterial="plastic">
+      <a:bevelT w="120900" h="88900"/>
+      <a:bevelB w="88900" h="31750" prst="angle"/>
+    </dgm:sp3d>
+    <dgm:txPr/>
+    <dgm:style>
+      <a:lnRef idx="0">
+        <a:scrgbClr r="0" g="0" b="0"/>
+      </a:lnRef>
+      <a:fillRef idx="3">
+        <a:scrgbClr r="0" g="0" b="0"/>
+      </a:fillRef>
+      <a:effectRef idx="1">
+        <a:scrgbClr r="0" g="0" b="0"/>
+      </a:effectRef>
+      <a:fontRef idx="minor">
+        <a:schemeClr val="lt1"/>
+      </a:fontRef>
+    </dgm:style>
+  </dgm:styleLbl>
+  <dgm:styleLbl name="parChTrans2D1">
+    <dgm:scene3d>
+      <a:camera prst="orthographicFront"/>
+      <a:lightRig rig="flat" dir="t"/>
+    </dgm:scene3d>
+    <dgm:sp3d z="-100000" prstMaterial="plastic">
+      <a:bevelT w="120900" h="88900"/>
+      <a:bevelB w="88900" h="31750" prst="angle"/>
+    </dgm:sp3d>
+    <dgm:txPr/>
+    <dgm:style>
+      <a:lnRef idx="0">
+        <a:scrgbClr r="0" g="0" b="0"/>
+      </a:lnRef>
+      <a:fillRef idx="3">
+        <a:scrgbClr r="0" g="0" b="0"/>
+      </a:fillRef>
+      <a:effectRef idx="1">
+        <a:scrgbClr r="0" g="0" b="0"/>
+      </a:effectRef>
+      <a:fontRef idx="minor">
+        <a:schemeClr val="lt1"/>
+      </a:fontRef>
+    </dgm:style>
+  </dgm:styleLbl>
+  <dgm:styleLbl name="parChTrans2D2">
+    <dgm:scene3d>
+      <a:camera prst="orthographicFront"/>
+      <a:lightRig rig="flat" dir="t"/>
+    </dgm:scene3d>
+    <dgm:sp3d z="-60000" prstMaterial="plastic">
+      <a:bevelT w="120900" h="88900"/>
+      <a:bevelB w="88900" h="31750" prst="angle"/>
+    </dgm:sp3d>
+    <dgm:txPr/>
+    <dgm:style>
+      <a:lnRef idx="0">
+        <a:scrgbClr r="0" g="0" b="0"/>
+      </a:lnRef>
+      <a:fillRef idx="3">
+        <a:scrgbClr r="0" g="0" b="0"/>
+      </a:fillRef>
+      <a:effectRef idx="1">
+        <a:scrgbClr r="0" g="0" b="0"/>
+      </a:effectRef>
+      <a:fontRef idx="minor">
+        <a:schemeClr val="lt1"/>
+      </a:fontRef>
+    </dgm:style>
+  </dgm:styleLbl>
+  <dgm:styleLbl name="parChTrans2D3">
+    <dgm:scene3d>
+      <a:camera prst="orthographicFront"/>
+      <a:lightRig rig="flat" dir="t"/>
+    </dgm:scene3d>
+    <dgm:sp3d z="-60000" prstMaterial="plastic">
+      <a:bevelT w="120900" h="88900"/>
+      <a:bevelB w="88900" h="31750" prst="angle"/>
+    </dgm:sp3d>
+    <dgm:txPr/>
+    <dgm:style>
+      <a:lnRef idx="0">
+        <a:scrgbClr r="0" g="0" b="0"/>
+      </a:lnRef>
+      <a:fillRef idx="3">
+        <a:scrgbClr r="0" g="0" b="0"/>
+      </a:fillRef>
+      <a:effectRef idx="1">
+        <a:scrgbClr r="0" g="0" b="0"/>
+      </a:effectRef>
+      <a:fontRef idx="minor">
+        <a:schemeClr val="lt1"/>
+      </a:fontRef>
+    </dgm:style>
+  </dgm:styleLbl>
+  <dgm:styleLbl name="parChTrans2D4">
+    <dgm:scene3d>
+      <a:camera prst="orthographicFront"/>
+      <a:lightRig rig="flat" dir="t"/>
+    </dgm:scene3d>
+    <dgm:sp3d z="-60000" prstMaterial="plastic">
+      <a:bevelT w="120900" h="88900"/>
+      <a:bevelB w="88900" h="31750" prst="angle"/>
+    </dgm:sp3d>
+    <dgm:txPr/>
+    <dgm:style>
+      <a:lnRef idx="0">
+        <a:scrgbClr r="0" g="0" b="0"/>
+      </a:lnRef>
+      <a:fillRef idx="3">
+        <a:scrgbClr r="0" g="0" b="0"/>
+      </a:fillRef>
+      <a:effectRef idx="1">
+        <a:scrgbClr r="0" g="0" b="0"/>
+      </a:effectRef>
+      <a:fontRef idx="minor">
+        <a:schemeClr val="lt1"/>
+      </a:fontRef>
+    </dgm:style>
+  </dgm:styleLbl>
+  <dgm:styleLbl name="parChTrans1D1">
+    <dgm:scene3d>
+      <a:camera prst="orthographicFront"/>
+      <a:lightRig rig="flat" dir="t"/>
+    </dgm:scene3d>
+    <dgm:sp3d prstMaterial="matte"/>
+    <dgm:txPr/>
+    <dgm:style>
+      <a:lnRef idx="2">
+        <a:scrgbClr r="0" g="0" b="0"/>
+      </a:lnRef>
+      <a:fillRef idx="0">
+        <a:scrgbClr r="0" g="0" b="0"/>
+      </a:fillRef>
+      <a:effectRef idx="0">
+        <a:scrgbClr r="0" g="0" b="0"/>
+      </a:effectRef>
+      <a:fontRef idx="minor"/>
+    </dgm:style>
+  </dgm:styleLbl>
+  <dgm:styleLbl name="parChTrans1D2">
+    <dgm:scene3d>
+      <a:camera prst="orthographicFront"/>
+      <a:lightRig rig="flat" dir="t"/>
+    </dgm:scene3d>
+    <dgm:sp3d prstMaterial="matte"/>
+    <dgm:txPr/>
+    <dgm:style>
+      <a:lnRef idx="2">
+        <a:scrgbClr r="0" g="0" b="0"/>
+      </a:lnRef>
+      <a:fillRef idx="0">
+        <a:scrgbClr r="0" g="0" b="0"/>
+      </a:fillRef>
+      <a:effectRef idx="0">
+        <a:scrgbClr r="0" g="0" b="0"/>
+      </a:effectRef>
+      <a:fontRef idx="minor"/>
+    </dgm:style>
+  </dgm:styleLbl>
+  <dgm:styleLbl name="parChTrans1D3">
+    <dgm:scene3d>
+      <a:camera prst="orthographicFront"/>
+      <a:lightRig rig="flat" dir="t"/>
+    </dgm:scene3d>
+    <dgm:sp3d prstMaterial="matte"/>
+    <dgm:txPr/>
+    <dgm:style>
+      <a:lnRef idx="2">
+        <a:scrgbClr r="0" g="0" b="0"/>
+      </a:lnRef>
+      <a:fillRef idx="0">
+        <a:scrgbClr r="0" g="0" b="0"/>
+      </a:fillRef>
+      <a:effectRef idx="0">
+        <a:scrgbClr r="0" g="0" b="0"/>
+      </a:effectRef>
+      <a:fontRef idx="minor"/>
+    </dgm:style>
+  </dgm:styleLbl>
+  <dgm:styleLbl name="parChTrans1D4">
+    <dgm:scene3d>
+      <a:camera prst="orthographicFront"/>
+      <a:lightRig rig="flat" dir="t"/>
+    </dgm:scene3d>
+    <dgm:sp3d prstMaterial="matte"/>
+    <dgm:txPr/>
+    <dgm:style>
+      <a:lnRef idx="2">
+        <a:scrgbClr r="0" g="0" b="0"/>
+      </a:lnRef>
+      <a:fillRef idx="0">
+        <a:scrgbClr r="0" g="0" b="0"/>
+      </a:fillRef>
+      <a:effectRef idx="0">
+        <a:scrgbClr r="0" g="0" b="0"/>
+      </a:effectRef>
+      <a:fontRef idx="minor"/>
+    </dgm:style>
+  </dgm:styleLbl>
+  <dgm:styleLbl name="fgAcc1">
+    <dgm:scene3d>
+      <a:camera prst="orthographicFront"/>
+      <a:lightRig rig="flat" dir="t"/>
+    </dgm:scene3d>
+    <dgm:sp3d z="190500" extrusionH="12700" prstMaterial="plastic">
+      <a:bevelT w="50800" h="50800"/>
+    </dgm:sp3d>
+    <dgm:txPr/>
+    <dgm:style>
+      <a:lnRef idx="1">
+        <a:scrgbClr r="0" g="0" b="0"/>
+      </a:lnRef>
+      <a:fillRef idx="1">
+        <a:scrgbClr r="0" g="0" b="0"/>
+      </a:fillRef>
+      <a:effectRef idx="2">
+        <a:scrgbClr r="0" g="0" b="0"/>
+      </a:effectRef>
+      <a:fontRef idx="minor"/>
+    </dgm:style>
+  </dgm:styleLbl>
+  <dgm:styleLbl name="conFgAcc1">
+    <dgm:scene3d>
+      <a:camera prst="orthographicFront"/>
+      <a:lightRig rig="flat" dir="t"/>
+    </dgm:scene3d>
+    <dgm:sp3d z="190500" extrusionH="12700" prstMaterial="plastic">
+      <a:bevelT w="50800" h="50800"/>
+    </dgm:sp3d>
+    <dgm:txPr/>
+    <dgm:style>
+      <a:lnRef idx="1">
+        <a:scrgbClr r="0" g="0" b="0"/>
+      </a:lnRef>
+      <a:fillRef idx="1">
+        <a:scrgbClr r="0" g="0" b="0"/>
+      </a:fillRef>
+      <a:effectRef idx="2">
+        <a:scrgbClr r="0" g="0" b="0"/>
+      </a:effectRef>
+      <a:fontRef idx="minor"/>
+    </dgm:style>
+  </dgm:styleLbl>
+  <dgm:styleLbl name="alignAcc1">
+    <dgm:scene3d>
+      <a:camera prst="orthographicFront"/>
+      <a:lightRig rig="flat" dir="t"/>
+    </dgm:scene3d>
+    <dgm:sp3d extrusionH="12700" prstMaterial="plastic">
+      <a:bevelT w="50800" h="50800"/>
+    </dgm:sp3d>
+    <dgm:txPr/>
+    <dgm:style>
+      <a:lnRef idx="1">
+        <a:scrgbClr r="0" g="0" b="0"/>
+      </a:lnRef>
+      <a:fillRef idx="1">
+        <a:scrgbClr r="0" g="0" b="0"/>
+      </a:fillRef>
+      <a:effectRef idx="2">
+        <a:scrgbClr r="0" g="0" b="0"/>
+      </a:effectRef>
+      <a:fontRef idx="minor"/>
+    </dgm:style>
+  </dgm:styleLbl>
+  <dgm:styleLbl name="trAlignAcc1">
+    <dgm:scene3d>
+      <a:camera prst="orthographicFront"/>
+      <a:lightRig rig="flat" dir="t"/>
+    </dgm:scene3d>
+    <dgm:sp3d extrusionH="12700" prstMaterial="plastic">
+      <a:bevelT w="50800" h="50800"/>
+    </dgm:sp3d>
+    <dgm:txPr/>
+    <dgm:style>
+      <a:lnRef idx="1">
+        <a:scrgbClr r="0" g="0" b="0"/>
+      </a:lnRef>
+      <a:fillRef idx="1">
+        <a:scrgbClr r="0" g="0" b="0"/>
+      </a:fillRef>
+      <a:effectRef idx="2">
+        <a:scrgbClr r="0" g="0" b="0"/>
+      </a:effectRef>
+      <a:fontRef idx="minor"/>
+    </dgm:style>
+  </dgm:styleLbl>
+  <dgm:styleLbl name="bgAcc1">
+    <dgm:scene3d>
+      <a:camera prst="orthographicFront"/>
+      <a:lightRig rig="flat" dir="t"/>
+    </dgm:scene3d>
+    <dgm:sp3d z="-190500" extrusionH="12700" prstMaterial="plastic">
+      <a:bevelT w="50800" h="50800"/>
+    </dgm:sp3d>
+    <dgm:txPr/>
+    <dgm:style>
+      <a:lnRef idx="1">
+        <a:scrgbClr r="0" g="0" b="0"/>
+      </a:lnRef>
+      <a:fillRef idx="1">
+        <a:scrgbClr r="0" g="0" b="0"/>
+      </a:fillRef>
+      <a:effectRef idx="2">
+        <a:scrgbClr r="0" g="0" b="0"/>
+      </a:effectRef>
+      <a:fontRef idx="minor"/>
+    </dgm:style>
+  </dgm:styleLbl>
+  <dgm:styleLbl name="solidFgAcc1">
+    <dgm:scene3d>
+      <a:camera prst="orthographicFront"/>
+      <a:lightRig rig="flat" dir="t"/>
+    </dgm:scene3d>
+    <dgm:sp3d z="190500" extrusionH="12700" prstMaterial="plastic">
+      <a:bevelT w="50800" h="50800"/>
+    </dgm:sp3d>
+    <dgm:txPr/>
+    <dgm:style>
+      <a:lnRef idx="1">
+        <a:scrgbClr r="0" g="0" b="0"/>
+      </a:lnRef>
+      <a:fillRef idx="1">
+        <a:scrgbClr r="0" g="0" b="0"/>
+      </a:fillRef>
+      <a:effectRef idx="2">
+        <a:scrgbClr r="0" g="0" b="0"/>
+      </a:effectRef>
+      <a:fontRef idx="minor"/>
+    </dgm:style>
+  </dgm:styleLbl>
+  <dgm:styleLbl name="solidAlignAcc1">
+    <dgm:scene3d>
+      <a:camera prst="orthographicFront"/>
+      <a:lightRig rig="flat" dir="t"/>
+    </dgm:scene3d>
+    <dgm:sp3d extrusionH="12700" prstMaterial="plastic">
+      <a:bevelT w="50800" h="50800"/>
+    </dgm:sp3d>
+    <dgm:txPr/>
+    <dgm:style>
+      <a:lnRef idx="1">
+        <a:scrgbClr r="0" g="0" b="0"/>
+      </a:lnRef>
+      <a:fillRef idx="1">
+        <a:scrgbClr r="0" g="0" b="0"/>
+      </a:fillRef>
+      <a:effectRef idx="2">
+        <a:scrgbClr r="0" g="0" b="0"/>
+      </a:effectRef>
+      <a:fontRef idx="minor"/>
+    </dgm:style>
+  </dgm:styleLbl>
+  <dgm:styleLbl name="solidBgAcc1">
+    <dgm:scene3d>
+      <a:camera prst="orthographicFront"/>
+      <a:lightRig rig="flat" dir="t"/>
+    </dgm:scene3d>
+    <dgm:sp3d z="-190500" extrusionH="12700" prstMaterial="plastic">
+      <a:bevelT w="50800" h="50800"/>
+    </dgm:sp3d>
+    <dgm:txPr/>
+    <dgm:style>
+      <a:lnRef idx="1">
+        <a:scrgbClr r="0" g="0" b="0"/>
+      </a:lnRef>
+      <a:fillRef idx="1">
+        <a:scrgbClr r="0" g="0" b="0"/>
+      </a:fillRef>
+      <a:effectRef idx="2">
+        <a:scrgbClr r="0" g="0" b="0"/>
+      </a:effectRef>
+      <a:fontRef idx="minor"/>
+    </dgm:style>
+  </dgm:styleLbl>
+  <dgm:styleLbl name="fgAccFollowNode1">
+    <dgm:scene3d>
+      <a:camera prst="orthographicFront"/>
+      <a:lightRig rig="flat" dir="t"/>
+    </dgm:scene3d>
+    <dgm:sp3d z="190500" extrusionH="12700" prstMaterial="plastic">
+      <a:bevelT w="50800" h="50800"/>
+    </dgm:sp3d>
+    <dgm:txPr/>
+    <dgm:style>
+      <a:lnRef idx="1">
+        <a:scrgbClr r="0" g="0" b="0"/>
+      </a:lnRef>
+      <a:fillRef idx="1">
+        <a:scrgbClr r="0" g="0" b="0"/>
+      </a:fillRef>
+      <a:effectRef idx="2">
+        <a:scrgbClr r="0" g="0" b="0"/>
+      </a:effectRef>
+      <a:fontRef idx="minor"/>
+    </dgm:style>
+  </dgm:styleLbl>
+  <dgm:styleLbl name="alignAccFollowNode1">
+    <dgm:scene3d>
+      <a:camera prst="orthographicFront"/>
+      <a:lightRig rig="flat" dir="t"/>
+    </dgm:scene3d>
+    <dgm:sp3d extrusionH="12700" prstMaterial="plastic">
+      <a:bevelT w="50800" h="50800"/>
+    </dgm:sp3d>
+    <dgm:txPr/>
+    <dgm:style>
+      <a:lnRef idx="1">
+        <a:scrgbClr r="0" g="0" b="0"/>
+      </a:lnRef>
+      <a:fillRef idx="1">
+        <a:scrgbClr r="0" g="0" b="0"/>
+      </a:fillRef>
+      <a:effectRef idx="2">
+        <a:scrgbClr r="0" g="0" b="0"/>
+      </a:effectRef>
+      <a:fontRef idx="minor"/>
+    </dgm:style>
+  </dgm:styleLbl>
+  <dgm:styleLbl name="bgAccFollowNode1">
+    <dgm:scene3d>
+      <a:camera prst="orthographicFront"/>
+      <a:lightRig rig="flat" dir="t"/>
+    </dgm:scene3d>
+    <dgm:sp3d z="-190500" extrusionH="12700" prstMaterial="plastic">
+      <a:bevelT w="50800" h="50800"/>
+    </dgm:sp3d>
+    <dgm:txPr/>
+    <dgm:style>
+      <a:lnRef idx="1">
+        <a:scrgbClr r="0" g="0" b="0"/>
+      </a:lnRef>
+      <a:fillRef idx="1">
+        <a:scrgbClr r="0" g="0" b="0"/>
+      </a:fillRef>
+      <a:effectRef idx="2">
+        <a:scrgbClr r="0" g="0" b="0"/>
+      </a:effectRef>
+      <a:fontRef idx="minor"/>
+    </dgm:style>
+  </dgm:styleLbl>
+  <dgm:styleLbl name="fgAcc0">
+    <dgm:scene3d>
+      <a:camera prst="orthographicFront"/>
+      <a:lightRig rig="flat" dir="t"/>
+    </dgm:scene3d>
+    <dgm:sp3d z="190500" extrusionH="12700" prstMaterial="plastic">
+      <a:bevelT w="50800" h="50800"/>
+    </dgm:sp3d>
+    <dgm:txPr/>
+    <dgm:style>
+      <a:lnRef idx="1">
+        <a:scrgbClr r="0" g="0" b="0"/>
+      </a:lnRef>
+      <a:fillRef idx="1">
+        <a:scrgbClr r="0" g="0" b="0"/>
+      </a:fillRef>
+      <a:effectRef idx="2">
+        <a:scrgbClr r="0" g="0" b="0"/>
+      </a:effectRef>
+      <a:fontRef idx="minor"/>
+    </dgm:style>
+  </dgm:styleLbl>
+  <dgm:styleLbl name="fgAcc2">
+    <dgm:scene3d>
+      <a:camera prst="orthographicFront"/>
+      <a:lightRig rig="flat" dir="t"/>
+    </dgm:scene3d>
+    <dgm:sp3d z="190500" extrusionH="12700" prstMaterial="plastic">
+      <a:bevelT w="50800" h="50800"/>
+    </dgm:sp3d>
+    <dgm:txPr/>
+    <dgm:style>
+      <a:lnRef idx="1">
+        <a:scrgbClr r="0" g="0" b="0"/>
+      </a:lnRef>
+      <a:fillRef idx="1">
+        <a:scrgbClr r="0" g="0" b="0"/>
+      </a:fillRef>
+      <a:effectRef idx="2">
+        <a:scrgbClr r="0" g="0" b="0"/>
+      </a:effectRef>
+      <a:fontRef idx="minor"/>
+    </dgm:style>
+  </dgm:styleLbl>
+  <dgm:styleLbl name="fgAcc3">
+    <dgm:scene3d>
+      <a:camera prst="orthographicFront"/>
+      <a:lightRig rig="flat" dir="t"/>
+    </dgm:scene3d>
+    <dgm:sp3d z="190500" extrusionH="12700" prstMaterial="plastic">
+      <a:bevelT w="50800" h="50800"/>
+    </dgm:sp3d>
+    <dgm:txPr/>
+    <dgm:style>
+      <a:lnRef idx="1">
+        <a:scrgbClr r="0" g="0" b="0"/>
+      </a:lnRef>
+      <a:fillRef idx="1">
+        <a:scrgbClr r="0" g="0" b="0"/>
+      </a:fillRef>
+      <a:effectRef idx="2">
+        <a:scrgbClr r="0" g="0" b="0"/>
+      </a:effectRef>
+      <a:fontRef idx="minor"/>
+    </dgm:style>
+  </dgm:styleLbl>
+  <dgm:styleLbl name="fgAcc4">
+    <dgm:scene3d>
+      <a:camera prst="orthographicFront"/>
+      <a:lightRig rig="flat" dir="t"/>
+    </dgm:scene3d>
+    <dgm:sp3d z="190500" extrusionH="12700" prstMaterial="plastic">
+      <a:bevelT w="50800" h="50800"/>
+    </dgm:sp3d>
+    <dgm:txPr/>
+    <dgm:style>
+      <a:lnRef idx="1">
+        <a:scrgbClr r="0" g="0" b="0"/>
+      </a:lnRef>
+      <a:fillRef idx="1">
+        <a:scrgbClr r="0" g="0" b="0"/>
+      </a:fillRef>
+      <a:effectRef idx="2">
+        <a:scrgbClr r="0" g="0" b="0"/>
+      </a:effectRef>
+      <a:fontRef idx="minor"/>
+    </dgm:style>
+  </dgm:styleLbl>
+  <dgm:styleLbl name="bgShp">
+    <dgm:scene3d>
+      <a:camera prst="orthographicFront"/>
+      <a:lightRig rig="flat" dir="t"/>
+    </dgm:scene3d>
+    <dgm:sp3d z="-190500" extrusionH="12700" prstMaterial="plastic">
+      <a:bevelT w="50800" h="50800"/>
+    </dgm:sp3d>
+    <dgm:txPr/>
+    <dgm:style>
+      <a:lnRef idx="0">
+        <a:scrgbClr r="0" g="0" b="0"/>
+      </a:lnRef>
+      <a:fillRef idx="3">
+        <a:scrgbClr r="0" g="0" b="0"/>
+      </a:fillRef>
+      <a:effectRef idx="0">
+        <a:scrgbClr r="0" g="0" b="0"/>
+      </a:effectRef>
+      <a:fontRef idx="minor"/>
+    </dgm:style>
+  </dgm:styleLbl>
+  <dgm:styleLbl name="dkBgShp">
+    <dgm:scene3d>
+      <a:camera prst="orthographicFront"/>
+      <a:lightRig rig="flat" dir="t"/>
+    </dgm:scene3d>
+    <dgm:sp3d z="-190500" extrusionH="12700" prstMaterial="plastic">
+      <a:bevelT w="50800" h="50800"/>
+    </dgm:sp3d>
+    <dgm:txPr/>
+    <dgm:style>
+      <a:lnRef idx="0">
+        <a:scrgbClr r="0" g="0" b="0"/>
+      </a:lnRef>
+      <a:fillRef idx="2">
+        <a:scrgbClr r="0" g="0" b="0"/>
+      </a:fillRef>
+      <a:effectRef idx="0">
+        <a:scrgbClr r="0" g="0" b="0"/>
+      </a:effectRef>
+      <a:fontRef idx="minor"/>
+    </dgm:style>
+  </dgm:styleLbl>
+  <dgm:styleLbl name="trBgShp">
+    <dgm:scene3d>
+      <a:camera prst="orthographicFront"/>
+      <a:lightRig rig="flat" dir="t"/>
+    </dgm:scene3d>
+    <dgm:sp3d z="-190500" extrusionH="12700" prstMaterial="matte"/>
+    <dgm:txPr/>
+    <dgm:style>
+      <a:lnRef idx="0">
+        <a:scrgbClr r="0" g="0" b="0"/>
+      </a:lnRef>
+      <a:fillRef idx="1">
+        <a:scrgbClr r="0" g="0" b="0"/>
+      </a:fillRef>
+      <a:effectRef idx="0">
+        <a:scrgbClr r="0" g="0" b="0"/>
+      </a:effectRef>
+      <a:fontRef idx="minor"/>
+    </dgm:style>
+  </dgm:styleLbl>
+  <dgm:styleLbl name="fgShp">
+    <dgm:scene3d>
+      <a:camera prst="orthographicFront"/>
+      <a:lightRig rig="flat" dir="t"/>
+    </dgm:scene3d>
+    <dgm:sp3d z="190500" prstMaterial="plastic">
+      <a:bevelT w="120900" h="88900"/>
+      <a:bevelB w="88900" h="31750" prst="angle"/>
+    </dgm:sp3d>
+    <dgm:txPr/>
+    <dgm:style>
+      <a:lnRef idx="0">
+        <a:scrgbClr r="0" g="0" b="0"/>
+      </a:lnRef>
+      <a:fillRef idx="1">
+        <a:scrgbClr r="0" g="0" b="0"/>
+      </a:fillRef>
+      <a:effectRef idx="3">
+        <a:scrgbClr r="0" g="0" b="0"/>
+      </a:effectRef>
+      <a:fontRef idx="minor">
+        <a:schemeClr val="lt1"/>
+      </a:fontRef>
     </dgm:style>
   </dgm:styleLbl>
   <dgm:styleLbl name="revTx">
@@ -8683,14 +11763,14 @@
           <p:nvPr>
             <p:extLst>
               <p:ext uri="{D42A27DB-BD31-4B8C-83A1-F6EECF244321}">
-                <p14:modId xmlns:p14="http://schemas.microsoft.com/office/powerpoint/2010/main" val="3587176627"/>
+                <p14:modId xmlns:p14="http://schemas.microsoft.com/office/powerpoint/2010/main" val="2598634478"/>
               </p:ext>
             </p:extLst>
           </p:nvPr>
         </p:nvGraphicFramePr>
         <p:xfrm>
           <a:off x="-1600200" y="152400"/>
-          <a:ext cx="11353800" cy="7340600"/>
+          <a:ext cx="11201400" cy="5029200"/>
         </p:xfrm>
         <a:graphic>
           <a:graphicData uri="http://schemas.openxmlformats.org/drawingml/2006/diagram">
@@ -8715,6 +11795,58 @@
       </p:par>
     </p:tnLst>
   </p:timing>
+</p:sld>
+</file>
+
+<file path=ppt/slides/slide2.xml><?xml version="1.0" encoding="utf-8"?>
+<p:sld xmlns:a="http://schemas.openxmlformats.org/drawingml/2006/main" xmlns:r="http://schemas.openxmlformats.org/officeDocument/2006/relationships" xmlns:p="http://schemas.openxmlformats.org/presentationml/2006/main">
+  <p:cSld>
+    <p:spTree>
+      <p:nvGrpSpPr>
+        <p:cNvPr id="1" name=""/>
+        <p:cNvGrpSpPr/>
+        <p:nvPr/>
+      </p:nvGrpSpPr>
+      <p:grpSpPr>
+        <a:xfrm>
+          <a:off x="0" y="0"/>
+          <a:ext cx="0" cy="0"/>
+          <a:chOff x="0" y="0"/>
+          <a:chExt cx="0" cy="0"/>
+        </a:xfrm>
+      </p:grpSpPr>
+      <p:graphicFrame>
+        <p:nvGraphicFramePr>
+          <p:cNvPr id="2" name="Diagram 1"/>
+          <p:cNvGraphicFramePr/>
+          <p:nvPr>
+            <p:extLst>
+              <p:ext uri="{D42A27DB-BD31-4B8C-83A1-F6EECF244321}">
+                <p14:modId xmlns:p14="http://schemas.microsoft.com/office/powerpoint/2010/main" val="1232966354"/>
+              </p:ext>
+            </p:extLst>
+          </p:nvPr>
+        </p:nvGraphicFramePr>
+        <p:xfrm>
+          <a:off x="381000" y="609600"/>
+          <a:ext cx="6324600" cy="4419600"/>
+        </p:xfrm>
+        <a:graphic>
+          <a:graphicData uri="http://schemas.openxmlformats.org/drawingml/2006/diagram">
+            <dgm:relIds xmlns:dgm="http://schemas.openxmlformats.org/drawingml/2006/diagram" xmlns:r="http://schemas.openxmlformats.org/officeDocument/2006/relationships" r:dm="rId2" r:lo="rId3" r:qs="rId4" r:cs="rId5"/>
+          </a:graphicData>
+        </a:graphic>
+      </p:graphicFrame>
+    </p:spTree>
+    <p:extLst>
+      <p:ext uri="{BB962C8B-B14F-4D97-AF65-F5344CB8AC3E}">
+        <p14:creationId xmlns:p14="http://schemas.microsoft.com/office/powerpoint/2010/main" val="3434347949"/>
+      </p:ext>
+    </p:extLst>
+  </p:cSld>
+  <p:clrMapOvr>
+    <a:masterClrMapping/>
+  </p:clrMapOvr>
 </p:sld>
 </file>
 

--- a/images/videos.pptx
+++ b/images/videos.pptx
@@ -2082,6 +2082,13 @@
         </dgm:presLayoutVars>
       </dgm:prSet>
       <dgm:spPr/>
+      <dgm:t>
+        <a:bodyPr/>
+        <a:lstStyle/>
+        <a:p>
+          <a:endParaRPr lang="en-US"/>
+        </a:p>
+      </dgm:t>
     </dgm:pt>
     <dgm:pt modelId="{F34D3E1D-327B-4FFC-8E69-5FC5DEAFBB30}" type="pres">
       <dgm:prSet presAssocID="{EC6020E8-D415-44A4-9818-629A4E265CE6}" presName="text1" presStyleCnt="0"/>
@@ -2096,6 +2103,13 @@
         </dgm:presLayoutVars>
       </dgm:prSet>
       <dgm:spPr/>
+      <dgm:t>
+        <a:bodyPr/>
+        <a:lstStyle/>
+        <a:p>
+          <a:endParaRPr lang="en-US"/>
+        </a:p>
+      </dgm:t>
     </dgm:pt>
     <dgm:pt modelId="{9F56A770-E1E1-48A0-A5E6-7FFD480E7EA4}" type="pres">
       <dgm:prSet presAssocID="{EC6020E8-D415-44A4-9818-629A4E265CE6}" presName="textaccent1" presStyleCnt="0"/>
@@ -2112,6 +2126,13 @@
     <dgm:pt modelId="{C0E92A8B-E6F3-4316-9D8E-C4793428F15A}" type="pres">
       <dgm:prSet presAssocID="{4C58A1D6-6D27-402B-BB50-8D684F762767}" presName="imageRepeatNode" presStyleLbl="alignAcc1" presStyleIdx="0" presStyleCnt="3"/>
       <dgm:spPr/>
+      <dgm:t>
+        <a:bodyPr/>
+        <a:lstStyle/>
+        <a:p>
+          <a:endParaRPr lang="en-US"/>
+        </a:p>
+      </dgm:t>
     </dgm:pt>
     <dgm:pt modelId="{215D4583-9E32-4296-A8E7-ABFD75E85BEE}" type="pres">
       <dgm:prSet presAssocID="{4C58A1D6-6D27-402B-BB50-8D684F762767}" presName="imageaccent1" presStyleCnt="0"/>
@@ -2134,6 +2155,13 @@
         </dgm:presLayoutVars>
       </dgm:prSet>
       <dgm:spPr/>
+      <dgm:t>
+        <a:bodyPr/>
+        <a:lstStyle/>
+        <a:p>
+          <a:endParaRPr lang="en-US"/>
+        </a:p>
+      </dgm:t>
     </dgm:pt>
     <dgm:pt modelId="{242D4A46-B116-4F0A-92F0-04BD80E082EC}" type="pres">
       <dgm:prSet presAssocID="{37B7CA5B-AB6E-4518-9C99-79C5690514AD}" presName="textaccent2" presStyleCnt="0"/>
@@ -2150,6 +2178,13 @@
     <dgm:pt modelId="{8D228CD1-F050-49A6-986C-ABF437B90F83}" type="pres">
       <dgm:prSet presAssocID="{01845BD4-5E19-470B-9DEA-E15A51FA126C}" presName="imageRepeatNode" presStyleLbl="alignAcc1" presStyleIdx="1" presStyleCnt="3"/>
       <dgm:spPr/>
+      <dgm:t>
+        <a:bodyPr/>
+        <a:lstStyle/>
+        <a:p>
+          <a:endParaRPr lang="en-US"/>
+        </a:p>
+      </dgm:t>
     </dgm:pt>
     <dgm:pt modelId="{6F8B689F-710D-4A18-A181-10948411A569}" type="pres">
       <dgm:prSet presAssocID="{01845BD4-5E19-470B-9DEA-E15A51FA126C}" presName="imageaccent2" presStyleCnt="0"/>
@@ -2172,6 +2207,13 @@
         </dgm:presLayoutVars>
       </dgm:prSet>
       <dgm:spPr/>
+      <dgm:t>
+        <a:bodyPr/>
+        <a:lstStyle/>
+        <a:p>
+          <a:endParaRPr lang="en-US"/>
+        </a:p>
+      </dgm:t>
     </dgm:pt>
     <dgm:pt modelId="{9A844368-1DF5-4225-9740-811AE1F71B35}" type="pres">
       <dgm:prSet presAssocID="{8910FC04-5F11-4A5D-A047-97CC85A5CD11}" presName="textaccent3" presStyleCnt="0"/>
@@ -2188,6 +2230,13 @@
     <dgm:pt modelId="{D7EAADFD-8BF1-45C5-912A-EB50E3646744}" type="pres">
       <dgm:prSet presAssocID="{30BC543A-AE7F-4FFE-BE7F-DE8EE9A87410}" presName="imageRepeatNode" presStyleLbl="alignAcc1" presStyleIdx="2" presStyleCnt="3"/>
       <dgm:spPr/>
+      <dgm:t>
+        <a:bodyPr/>
+        <a:lstStyle/>
+        <a:p>
+          <a:endParaRPr lang="en-US"/>
+        </a:p>
+      </dgm:t>
     </dgm:pt>
     <dgm:pt modelId="{F35DDBC7-D844-4522-9D80-04DCAC32A433}" type="pres">
       <dgm:prSet presAssocID="{30BC543A-AE7F-4FFE-BE7F-DE8EE9A87410}" presName="imageaccent3" presStyleCnt="0"/>
@@ -2260,7 +2309,7 @@
         <a:p>
           <a:r>
             <a:rPr lang="en-US" dirty="0" smtClean="0"/>
-            <a:t>View</a:t>
+            <a:t>Experience</a:t>
           </a:r>
           <a:endParaRPr lang="en-US" dirty="0"/>
         </a:p>
@@ -2376,7 +2425,7 @@
       <dgm:spPr/>
     </dgm:pt>
     <dgm:pt modelId="{A47C9F85-7962-4256-A71D-06403540A937}" type="pres">
-      <dgm:prSet presAssocID="{2BBCD7F0-E55B-44B8-8682-CB5511D1C3D3}" presName="node" presStyleLbl="node1" presStyleIdx="0" presStyleCnt="3" custScaleX="254264" custScaleY="144829">
+      <dgm:prSet presAssocID="{2BBCD7F0-E55B-44B8-8682-CB5511D1C3D3}" presName="node" presStyleLbl="node1" presStyleIdx="0" presStyleCnt="3" custScaleX="288938" custScaleY="163789">
         <dgm:presLayoutVars>
           <dgm:bulletEnabled val="1"/>
         </dgm:presLayoutVars>
@@ -2397,13 +2446,20 @@
     <dgm:pt modelId="{DEC8330A-43DB-4342-AFA0-3D20DE6D326F}" type="pres">
       <dgm:prSet presAssocID="{E794A6BB-24DC-4809-881F-57218BEFDEBC}" presName="sibTrans" presStyleLbl="sibTrans2D1" presStyleIdx="0" presStyleCnt="2"/>
       <dgm:spPr/>
+      <dgm:t>
+        <a:bodyPr/>
+        <a:lstStyle/>
+        <a:p>
+          <a:endParaRPr lang="en-US"/>
+        </a:p>
+      </dgm:t>
     </dgm:pt>
     <dgm:pt modelId="{1698BEA7-8CC4-4DDF-B05F-59EC96EC727E}" type="pres">
       <dgm:prSet presAssocID="{E794A6BB-24DC-4809-881F-57218BEFDEBC}" presName="spacerB" presStyleCnt="0"/>
       <dgm:spPr/>
     </dgm:pt>
     <dgm:pt modelId="{A9649D26-195F-4857-9E67-3C43446964D9}" type="pres">
-      <dgm:prSet presAssocID="{4A806686-71EE-47E8-AA96-CF3D6776E844}" presName="node" presStyleLbl="node1" presStyleIdx="1" presStyleCnt="3" custScaleX="369510" custScaleY="237665">
+      <dgm:prSet presAssocID="{4A806686-71EE-47E8-AA96-CF3D6776E844}" presName="node" presStyleLbl="node1" presStyleIdx="1" presStyleCnt="3" custScaleX="260359" custScaleY="127770">
         <dgm:presLayoutVars>
           <dgm:bulletEnabled val="1"/>
         </dgm:presLayoutVars>
@@ -2418,20 +2474,41 @@
       </dgm:t>
     </dgm:pt>
     <dgm:pt modelId="{5F93D19A-2BC0-4EC7-AF5E-763FF6C3A350}" type="pres">
-      <dgm:prSet presAssocID="{486D6565-C1F3-454E-9296-D2FB4F3BF5EF}" presName="sibTransLast" presStyleLbl="sibTrans2D1" presStyleIdx="1" presStyleCnt="2" custScaleX="278841" custScaleY="229913" custLinFactX="-34478" custLinFactNeighborX="-100000" custLinFactNeighborY="-91965"/>
+      <dgm:prSet presAssocID="{486D6565-C1F3-454E-9296-D2FB4F3BF5EF}" presName="sibTransLast" presStyleLbl="sibTrans2D1" presStyleIdx="1" presStyleCnt="2" custScaleX="278841" custScaleY="229913" custLinFactX="-34478" custLinFactNeighborX="-100000" custLinFactNeighborY="42737"/>
       <dgm:spPr/>
+      <dgm:t>
+        <a:bodyPr/>
+        <a:lstStyle/>
+        <a:p>
+          <a:endParaRPr lang="en-US"/>
+        </a:p>
+      </dgm:t>
     </dgm:pt>
     <dgm:pt modelId="{9D0DC776-C98E-467D-BC0F-76E1DC285C52}" type="pres">
       <dgm:prSet presAssocID="{486D6565-C1F3-454E-9296-D2FB4F3BF5EF}" presName="connectorText" presStyleLbl="sibTrans2D1" presStyleIdx="1" presStyleCnt="2"/>
       <dgm:spPr/>
+      <dgm:t>
+        <a:bodyPr/>
+        <a:lstStyle/>
+        <a:p>
+          <a:endParaRPr lang="en-US"/>
+        </a:p>
+      </dgm:t>
     </dgm:pt>
     <dgm:pt modelId="{F87D6583-B582-49CD-BE03-8E2D8BF6B610}" type="pres">
-      <dgm:prSet presAssocID="{486D6565-C1F3-454E-9296-D2FB4F3BF5EF}" presName="lastNode" presStyleLbl="node1" presStyleIdx="2" presStyleCnt="3" custScaleX="223751" custScaleY="190212">
+      <dgm:prSet presAssocID="{486D6565-C1F3-454E-9296-D2FB4F3BF5EF}" presName="lastNode" presStyleLbl="node1" presStyleIdx="2" presStyleCnt="3" custScaleX="90314" custScaleY="82039">
         <dgm:presLayoutVars>
           <dgm:bulletEnabled val="1"/>
         </dgm:presLayoutVars>
       </dgm:prSet>
       <dgm:spPr/>
+      <dgm:t>
+        <a:bodyPr/>
+        <a:lstStyle/>
+        <a:p>
+          <a:endParaRPr lang="en-US"/>
+        </a:p>
+      </dgm:t>
     </dgm:pt>
   </dgm:ptLst>
   <dgm:cxnLst>
@@ -3437,8 +3514,8 @@
       </dsp:nvSpPr>
       <dsp:spPr>
         <a:xfrm>
-          <a:off x="415787" y="563066"/>
-          <a:ext cx="1833474" cy="1044348"/>
+          <a:off x="1895" y="26742"/>
+          <a:ext cx="3448714" cy="1954957"/>
         </a:xfrm>
         <a:prstGeom prst="ellipse">
           <a:avLst/>
@@ -3512,12 +3589,12 @@
         </a:fontRef>
       </dsp:style>
       <dsp:txBody>
-        <a:bodyPr spcFirstLastPara="0" vert="horz" wrap="square" lIns="53340" tIns="53340" rIns="53340" bIns="53340" numCol="1" spcCol="1270" anchor="ctr" anchorCtr="0">
+        <a:bodyPr spcFirstLastPara="0" vert="horz" wrap="square" lIns="52070" tIns="52070" rIns="52070" bIns="52070" numCol="1" spcCol="1270" anchor="ctr" anchorCtr="0">
           <a:noAutofit/>
         </a:bodyPr>
         <a:lstStyle/>
         <a:p>
-          <a:pPr lvl="0" algn="ctr" defTabSz="1866900">
+          <a:pPr lvl="0" algn="ctr" defTabSz="1822450">
             <a:lnSpc>
               <a:spcPct val="90000"/>
             </a:lnSpc>
@@ -3529,15 +3606,15 @@
             </a:spcAft>
           </a:pPr>
           <a:r>
-            <a:rPr lang="en-US" sz="4200" kern="1200" dirty="0" smtClean="0"/>
-            <a:t>View</a:t>
+            <a:rPr lang="en-US" sz="4100" kern="1200" dirty="0" smtClean="0"/>
+            <a:t>Experience</a:t>
           </a:r>
-          <a:endParaRPr lang="en-US" sz="4200" kern="1200" dirty="0"/>
+          <a:endParaRPr lang="en-US" sz="4100" kern="1200" dirty="0"/>
         </a:p>
       </dsp:txBody>
       <dsp:txXfrm>
-        <a:off x="684293" y="716007"/>
-        <a:ext cx="1296462" cy="738466"/>
+        <a:off x="506947" y="313039"/>
+        <a:ext cx="2438610" cy="1382363"/>
       </dsp:txXfrm>
     </dsp:sp>
     <dsp:sp modelId="{DEC8330A-43DB-4342-AFA0-3D20DE6D326F}">
@@ -3547,8 +3624,8 @@
       </dsp:nvSpPr>
       <dsp:spPr>
         <a:xfrm>
-          <a:off x="1123408" y="1665967"/>
-          <a:ext cx="418232" cy="418232"/>
+          <a:off x="1380113" y="2078619"/>
+          <a:ext cx="692278" cy="692278"/>
         </a:xfrm>
         <a:prstGeom prst="mathPlus">
           <a:avLst/>
@@ -3627,7 +3704,7 @@
         </a:bodyPr>
         <a:lstStyle/>
         <a:p>
-          <a:pPr lvl="0" algn="ctr" defTabSz="311150">
+          <a:pPr lvl="0" algn="ctr" defTabSz="488950">
             <a:lnSpc>
               <a:spcPct val="90000"/>
             </a:lnSpc>
@@ -3638,12 +3715,12 @@
               <a:spcPct val="35000"/>
             </a:spcAft>
           </a:pPr>
-          <a:endParaRPr lang="en-US" sz="700" kern="1200"/>
+          <a:endParaRPr lang="en-US" sz="1100" kern="1200"/>
         </a:p>
       </dsp:txBody>
       <dsp:txXfrm>
-        <a:off x="1178845" y="1825899"/>
-        <a:ext cx="307358" cy="98368"/>
+        <a:off x="1471874" y="2343346"/>
+        <a:ext cx="508756" cy="162824"/>
       </dsp:txXfrm>
     </dsp:sp>
     <dsp:sp modelId="{A9649D26-195F-4857-9E67-3C43446964D9}">
@@ -3653,8 +3730,8 @@
       </dsp:nvSpPr>
       <dsp:spPr>
         <a:xfrm>
-          <a:off x="273" y="2142752"/>
-          <a:ext cx="2664502" cy="1713780"/>
+          <a:off x="172452" y="2867816"/>
+          <a:ext cx="3107600" cy="1525040"/>
         </a:xfrm>
         <a:prstGeom prst="ellipse">
           <a:avLst/>
@@ -3728,12 +3805,12 @@
         </a:fontRef>
       </dsp:style>
       <dsp:txBody>
-        <a:bodyPr spcFirstLastPara="0" vert="horz" wrap="square" lIns="53340" tIns="53340" rIns="53340" bIns="53340" numCol="1" spcCol="1270" anchor="ctr" anchorCtr="0">
+        <a:bodyPr spcFirstLastPara="0" vert="horz" wrap="square" lIns="52070" tIns="52070" rIns="52070" bIns="52070" numCol="1" spcCol="1270" anchor="ctr" anchorCtr="0">
           <a:noAutofit/>
         </a:bodyPr>
         <a:lstStyle/>
         <a:p>
-          <a:pPr lvl="0" algn="ctr" defTabSz="1866900">
+          <a:pPr lvl="0" algn="ctr" defTabSz="1822450">
             <a:lnSpc>
               <a:spcPct val="90000"/>
             </a:lnSpc>
@@ -3745,15 +3822,15 @@
             </a:spcAft>
           </a:pPr>
           <a:r>
-            <a:rPr lang="en-US" sz="4200" kern="1200" dirty="0" smtClean="0"/>
+            <a:rPr lang="en-US" sz="4100" kern="1200" dirty="0" smtClean="0"/>
             <a:t>Imagine</a:t>
           </a:r>
-          <a:endParaRPr lang="en-US" sz="4200" kern="1200" dirty="0"/>
+          <a:endParaRPr lang="en-US" sz="4100" kern="1200" dirty="0"/>
         </a:p>
       </dsp:txBody>
       <dsp:txXfrm>
-        <a:off x="390480" y="2393729"/>
-        <a:ext cx="1884088" cy="1211826"/>
+        <a:off x="627549" y="3091153"/>
+        <a:ext cx="2197406" cy="1078366"/>
       </dsp:txXfrm>
     </dsp:sp>
     <dsp:sp modelId="{5F93D19A-2BC0-4EC7-AF5E-763FF6C3A350}">
@@ -3763,8 +3840,8 @@
       </dsp:nvSpPr>
       <dsp:spPr>
         <a:xfrm>
-          <a:off x="2259525" y="1654741"/>
-          <a:ext cx="639401" cy="616731"/>
+          <a:off x="2779819" y="1889136"/>
+          <a:ext cx="1058367" cy="1020843"/>
         </a:xfrm>
         <a:prstGeom prst="rightArrow">
           <a:avLst>
@@ -3846,7 +3923,7 @@
         </a:bodyPr>
         <a:lstStyle/>
         <a:p>
-          <a:pPr lvl="0" algn="ctr" defTabSz="1155700">
+          <a:pPr lvl="0" algn="ctr" defTabSz="1466850">
             <a:lnSpc>
               <a:spcPct val="90000"/>
             </a:lnSpc>
@@ -3857,12 +3934,12 @@
               <a:spcPct val="35000"/>
             </a:spcAft>
           </a:pPr>
-          <a:endParaRPr lang="en-US" sz="2600" kern="1200"/>
+          <a:endParaRPr lang="en-US" sz="3300" kern="1200"/>
         </a:p>
       </dsp:txBody>
       <dsp:txXfrm>
-        <a:off x="2259525" y="1778087"/>
-        <a:ext cx="454382" cy="370039"/>
+        <a:off x="2779819" y="2093305"/>
+        <a:ext cx="752114" cy="612505"/>
       </dsp:txXfrm>
     </dsp:sp>
     <dsp:sp modelId="{F87D6583-B582-49CD-BE03-8E2D8BF6B610}">
@@ -3872,8 +3949,8 @@
       </dsp:nvSpPr>
       <dsp:spPr>
         <a:xfrm>
-          <a:off x="3097430" y="838198"/>
-          <a:ext cx="3226896" cy="2743202"/>
+          <a:off x="4166759" y="1230596"/>
+          <a:ext cx="2155945" cy="1958407"/>
         </a:xfrm>
         <a:prstGeom prst="ellipse">
           <a:avLst/>
@@ -3947,12 +4024,12 @@
         </a:fontRef>
       </dsp:style>
       <dsp:txBody>
-        <a:bodyPr spcFirstLastPara="0" vert="horz" wrap="square" lIns="78740" tIns="78740" rIns="78740" bIns="78740" numCol="1" spcCol="1270" anchor="ctr" anchorCtr="0">
+        <a:bodyPr spcFirstLastPara="0" vert="horz" wrap="square" lIns="53340" tIns="53340" rIns="53340" bIns="53340" numCol="1" spcCol="1270" anchor="ctr" anchorCtr="0">
           <a:noAutofit/>
         </a:bodyPr>
         <a:lstStyle/>
         <a:p>
-          <a:pPr lvl="0" algn="ctr" defTabSz="2755900">
+          <a:pPr lvl="0" algn="ctr" defTabSz="1866900">
             <a:lnSpc>
               <a:spcPct val="90000"/>
             </a:lnSpc>
@@ -3964,15 +4041,15 @@
             </a:spcAft>
           </a:pPr>
           <a:r>
-            <a:rPr lang="en-US" sz="6200" kern="1200" dirty="0" smtClean="0"/>
+            <a:rPr lang="en-US" sz="4200" kern="1200" dirty="0" smtClean="0"/>
             <a:t>Create</a:t>
           </a:r>
-          <a:endParaRPr lang="en-US" sz="6200" kern="1200" dirty="0"/>
+          <a:endParaRPr lang="en-US" sz="4200" kern="1200" dirty="0"/>
         </a:p>
       </dsp:txBody>
       <dsp:txXfrm>
-        <a:off x="3569998" y="1239931"/>
-        <a:ext cx="2281760" cy="1939736"/>
+        <a:off x="4482490" y="1517398"/>
+        <a:ext cx="1524483" cy="1384803"/>
       </dsp:txXfrm>
     </dsp:sp>
   </dsp:spTree>
@@ -8447,7 +8524,7 @@
           <a:p>
             <a:fld id="{D7F481C5-31F3-49DE-8EFC-FEAAB7356B04}" type="datetimeFigureOut">
               <a:rPr lang="en-US" smtClean="0"/>
-              <a:t>3/22/2015</a:t>
+              <a:t>3/23/2015</a:t>
             </a:fld>
             <a:endParaRPr lang="en-US"/>
           </a:p>
@@ -8986,7 +9063,7 @@
             <a:fld id="{1D8BD707-D9CF-40AE-B4C6-C98DA3205C09}" type="datetimeFigureOut">
               <a:rPr lang="en-US" smtClean="0"/>
               <a:pPr/>
-              <a:t>3/22/2015</a:t>
+              <a:t>3/23/2015</a:t>
             </a:fld>
             <a:endParaRPr lang="en-US"/>
           </a:p>
@@ -9153,7 +9230,7 @@
             <a:fld id="{1D8BD707-D9CF-40AE-B4C6-C98DA3205C09}" type="datetimeFigureOut">
               <a:rPr lang="en-US" smtClean="0"/>
               <a:pPr/>
-              <a:t>3/22/2015</a:t>
+              <a:t>3/23/2015</a:t>
             </a:fld>
             <a:endParaRPr lang="en-US"/>
           </a:p>
@@ -9330,7 +9407,7 @@
             <a:fld id="{1D8BD707-D9CF-40AE-B4C6-C98DA3205C09}" type="datetimeFigureOut">
               <a:rPr lang="en-US" smtClean="0"/>
               <a:pPr/>
-              <a:t>3/22/2015</a:t>
+              <a:t>3/23/2015</a:t>
             </a:fld>
             <a:endParaRPr lang="en-US"/>
           </a:p>
@@ -9497,7 +9574,7 @@
             <a:fld id="{1D8BD707-D9CF-40AE-B4C6-C98DA3205C09}" type="datetimeFigureOut">
               <a:rPr lang="en-US" smtClean="0"/>
               <a:pPr/>
-              <a:t>3/22/2015</a:t>
+              <a:t>3/23/2015</a:t>
             </a:fld>
             <a:endParaRPr lang="en-US"/>
           </a:p>
@@ -9740,7 +9817,7 @@
             <a:fld id="{1D8BD707-D9CF-40AE-B4C6-C98DA3205C09}" type="datetimeFigureOut">
               <a:rPr lang="en-US" smtClean="0"/>
               <a:pPr/>
-              <a:t>3/22/2015</a:t>
+              <a:t>3/23/2015</a:t>
             </a:fld>
             <a:endParaRPr lang="en-US"/>
           </a:p>
@@ -10025,7 +10102,7 @@
             <a:fld id="{1D8BD707-D9CF-40AE-B4C6-C98DA3205C09}" type="datetimeFigureOut">
               <a:rPr lang="en-US" smtClean="0"/>
               <a:pPr/>
-              <a:t>3/22/2015</a:t>
+              <a:t>3/23/2015</a:t>
             </a:fld>
             <a:endParaRPr lang="en-US"/>
           </a:p>
@@ -10444,7 +10521,7 @@
             <a:fld id="{1D8BD707-D9CF-40AE-B4C6-C98DA3205C09}" type="datetimeFigureOut">
               <a:rPr lang="en-US" smtClean="0"/>
               <a:pPr/>
-              <a:t>3/22/2015</a:t>
+              <a:t>3/23/2015</a:t>
             </a:fld>
             <a:endParaRPr lang="en-US"/>
           </a:p>
@@ -10559,7 +10636,7 @@
             <a:fld id="{1D8BD707-D9CF-40AE-B4C6-C98DA3205C09}" type="datetimeFigureOut">
               <a:rPr lang="en-US" smtClean="0"/>
               <a:pPr/>
-              <a:t>3/22/2015</a:t>
+              <a:t>3/23/2015</a:t>
             </a:fld>
             <a:endParaRPr lang="en-US"/>
           </a:p>
@@ -10651,7 +10728,7 @@
             <a:fld id="{1D8BD707-D9CF-40AE-B4C6-C98DA3205C09}" type="datetimeFigureOut">
               <a:rPr lang="en-US" smtClean="0"/>
               <a:pPr/>
-              <a:t>3/22/2015</a:t>
+              <a:t>3/23/2015</a:t>
             </a:fld>
             <a:endParaRPr lang="en-US"/>
           </a:p>
@@ -10925,7 +11002,7 @@
             <a:fld id="{1D8BD707-D9CF-40AE-B4C6-C98DA3205C09}" type="datetimeFigureOut">
               <a:rPr lang="en-US" smtClean="0"/>
               <a:pPr/>
-              <a:t>3/22/2015</a:t>
+              <a:t>3/23/2015</a:t>
             </a:fld>
             <a:endParaRPr lang="en-US"/>
           </a:p>
@@ -11175,7 +11252,7 @@
             <a:fld id="{1D8BD707-D9CF-40AE-B4C6-C98DA3205C09}" type="datetimeFigureOut">
               <a:rPr lang="en-US" smtClean="0"/>
               <a:pPr/>
-              <a:t>3/22/2015</a:t>
+              <a:t>3/23/2015</a:t>
             </a:fld>
             <a:endParaRPr lang="en-US"/>
           </a:p>
@@ -11385,7 +11462,7 @@
             <a:fld id="{1D8BD707-D9CF-40AE-B4C6-C98DA3205C09}" type="datetimeFigureOut">
               <a:rPr lang="en-US" smtClean="0"/>
               <a:pPr/>
-              <a:t>3/22/2015</a:t>
+              <a:t>3/23/2015</a:t>
             </a:fld>
             <a:endParaRPr lang="en-US"/>
           </a:p>
@@ -11822,7 +11899,7 @@
           <p:nvPr>
             <p:extLst>
               <p:ext uri="{D42A27DB-BD31-4B8C-83A1-F6EECF244321}">
-                <p14:modId xmlns:p14="http://schemas.microsoft.com/office/powerpoint/2010/main" val="1232966354"/>
+                <p14:modId xmlns:p14="http://schemas.microsoft.com/office/powerpoint/2010/main" val="500083901"/>
               </p:ext>
             </p:extLst>
           </p:nvPr>

--- a/images/videos.pptx
+++ b/images/videos.pptx
@@ -2307,10 +2307,6 @@
         <a:bodyPr/>
         <a:lstStyle/>
         <a:p>
-          <a:r>
-            <a:rPr lang="en-US" dirty="0" smtClean="0"/>
-            <a:t>Experience</a:t>
-          </a:r>
           <a:endParaRPr lang="en-US" dirty="0"/>
         </a:p>
       </dgm:t>
@@ -2344,10 +2340,6 @@
         <a:bodyPr/>
         <a:lstStyle/>
         <a:p>
-          <a:r>
-            <a:rPr lang="en-US" dirty="0" smtClean="0"/>
-            <a:t>Imagine</a:t>
-          </a:r>
           <a:endParaRPr lang="en-US" dirty="0"/>
         </a:p>
       </dgm:t>
@@ -2381,10 +2373,6 @@
         <a:bodyPr/>
         <a:lstStyle/>
         <a:p>
-          <a:r>
-            <a:rPr lang="en-US" dirty="0" smtClean="0"/>
-            <a:t>Create</a:t>
-          </a:r>
           <a:endParaRPr lang="en-US" dirty="0"/>
         </a:p>
       </dgm:t>
@@ -3589,12 +3577,12 @@
         </a:fontRef>
       </dsp:style>
       <dsp:txBody>
-        <a:bodyPr spcFirstLastPara="0" vert="horz" wrap="square" lIns="52070" tIns="52070" rIns="52070" bIns="52070" numCol="1" spcCol="1270" anchor="ctr" anchorCtr="0">
+        <a:bodyPr spcFirstLastPara="0" vert="horz" wrap="square" lIns="82550" tIns="82550" rIns="82550" bIns="82550" numCol="1" spcCol="1270" anchor="ctr" anchorCtr="0">
           <a:noAutofit/>
         </a:bodyPr>
         <a:lstStyle/>
         <a:p>
-          <a:pPr lvl="0" algn="ctr" defTabSz="1822450">
+          <a:pPr lvl="0" algn="ctr" defTabSz="2889250">
             <a:lnSpc>
               <a:spcPct val="90000"/>
             </a:lnSpc>
@@ -3605,11 +3593,7 @@
               <a:spcPct val="35000"/>
             </a:spcAft>
           </a:pPr>
-          <a:r>
-            <a:rPr lang="en-US" sz="4100" kern="1200" dirty="0" smtClean="0"/>
-            <a:t>Experience</a:t>
-          </a:r>
-          <a:endParaRPr lang="en-US" sz="4100" kern="1200" dirty="0"/>
+          <a:endParaRPr lang="en-US" sz="6500" kern="1200" dirty="0"/>
         </a:p>
       </dsp:txBody>
       <dsp:txXfrm>
@@ -3805,12 +3789,12 @@
         </a:fontRef>
       </dsp:style>
       <dsp:txBody>
-        <a:bodyPr spcFirstLastPara="0" vert="horz" wrap="square" lIns="52070" tIns="52070" rIns="52070" bIns="52070" numCol="1" spcCol="1270" anchor="ctr" anchorCtr="0">
+        <a:bodyPr spcFirstLastPara="0" vert="horz" wrap="square" lIns="82550" tIns="82550" rIns="82550" bIns="82550" numCol="1" spcCol="1270" anchor="ctr" anchorCtr="0">
           <a:noAutofit/>
         </a:bodyPr>
         <a:lstStyle/>
         <a:p>
-          <a:pPr lvl="0" algn="ctr" defTabSz="1822450">
+          <a:pPr lvl="0" algn="ctr" defTabSz="2889250">
             <a:lnSpc>
               <a:spcPct val="90000"/>
             </a:lnSpc>
@@ -3821,11 +3805,7 @@
               <a:spcPct val="35000"/>
             </a:spcAft>
           </a:pPr>
-          <a:r>
-            <a:rPr lang="en-US" sz="4100" kern="1200" dirty="0" smtClean="0"/>
-            <a:t>Imagine</a:t>
-          </a:r>
-          <a:endParaRPr lang="en-US" sz="4100" kern="1200" dirty="0"/>
+          <a:endParaRPr lang="en-US" sz="6500" kern="1200" dirty="0"/>
         </a:p>
       </dsp:txBody>
       <dsp:txXfrm>
@@ -3923,7 +3903,7 @@
         </a:bodyPr>
         <a:lstStyle/>
         <a:p>
-          <a:pPr lvl="0" algn="ctr" defTabSz="1466850">
+          <a:pPr lvl="0" algn="ctr" defTabSz="1911350">
             <a:lnSpc>
               <a:spcPct val="90000"/>
             </a:lnSpc>
@@ -3934,7 +3914,7 @@
               <a:spcPct val="35000"/>
             </a:spcAft>
           </a:pPr>
-          <a:endParaRPr lang="en-US" sz="3300" kern="1200"/>
+          <a:endParaRPr lang="en-US" sz="4300" kern="1200"/>
         </a:p>
       </dsp:txBody>
       <dsp:txXfrm>
@@ -4024,12 +4004,12 @@
         </a:fontRef>
       </dsp:style>
       <dsp:txBody>
-        <a:bodyPr spcFirstLastPara="0" vert="horz" wrap="square" lIns="53340" tIns="53340" rIns="53340" bIns="53340" numCol="1" spcCol="1270" anchor="ctr" anchorCtr="0">
+        <a:bodyPr spcFirstLastPara="0" vert="horz" wrap="square" lIns="82550" tIns="82550" rIns="82550" bIns="82550" numCol="1" spcCol="1270" anchor="ctr" anchorCtr="0">
           <a:noAutofit/>
         </a:bodyPr>
         <a:lstStyle/>
         <a:p>
-          <a:pPr lvl="0" algn="ctr" defTabSz="1866900">
+          <a:pPr lvl="0" algn="ctr" defTabSz="2889250">
             <a:lnSpc>
               <a:spcPct val="90000"/>
             </a:lnSpc>
@@ -4040,11 +4020,7 @@
               <a:spcPct val="35000"/>
             </a:spcAft>
           </a:pPr>
-          <a:r>
-            <a:rPr lang="en-US" sz="4200" kern="1200" dirty="0" smtClean="0"/>
-            <a:t>Create</a:t>
-          </a:r>
-          <a:endParaRPr lang="en-US" sz="4200" kern="1200" dirty="0"/>
+          <a:endParaRPr lang="en-US" sz="6500" kern="1200" dirty="0"/>
         </a:p>
       </dsp:txBody>
       <dsp:txXfrm>
@@ -8524,7 +8500,7 @@
           <a:p>
             <a:fld id="{D7F481C5-31F3-49DE-8EFC-FEAAB7356B04}" type="datetimeFigureOut">
               <a:rPr lang="en-US" smtClean="0"/>
-              <a:t>3/23/2015</a:t>
+              <a:t>5/29/2015</a:t>
             </a:fld>
             <a:endParaRPr lang="en-US"/>
           </a:p>
@@ -9063,7 +9039,7 @@
             <a:fld id="{1D8BD707-D9CF-40AE-B4C6-C98DA3205C09}" type="datetimeFigureOut">
               <a:rPr lang="en-US" smtClean="0"/>
               <a:pPr/>
-              <a:t>3/23/2015</a:t>
+              <a:t>5/29/2015</a:t>
             </a:fld>
             <a:endParaRPr lang="en-US"/>
           </a:p>
@@ -9230,7 +9206,7 @@
             <a:fld id="{1D8BD707-D9CF-40AE-B4C6-C98DA3205C09}" type="datetimeFigureOut">
               <a:rPr lang="en-US" smtClean="0"/>
               <a:pPr/>
-              <a:t>3/23/2015</a:t>
+              <a:t>5/29/2015</a:t>
             </a:fld>
             <a:endParaRPr lang="en-US"/>
           </a:p>
@@ -9407,7 +9383,7 @@
             <a:fld id="{1D8BD707-D9CF-40AE-B4C6-C98DA3205C09}" type="datetimeFigureOut">
               <a:rPr lang="en-US" smtClean="0"/>
               <a:pPr/>
-              <a:t>3/23/2015</a:t>
+              <a:t>5/29/2015</a:t>
             </a:fld>
             <a:endParaRPr lang="en-US"/>
           </a:p>
@@ -9574,7 +9550,7 @@
             <a:fld id="{1D8BD707-D9CF-40AE-B4C6-C98DA3205C09}" type="datetimeFigureOut">
               <a:rPr lang="en-US" smtClean="0"/>
               <a:pPr/>
-              <a:t>3/23/2015</a:t>
+              <a:t>5/29/2015</a:t>
             </a:fld>
             <a:endParaRPr lang="en-US"/>
           </a:p>
@@ -9817,7 +9793,7 @@
             <a:fld id="{1D8BD707-D9CF-40AE-B4C6-C98DA3205C09}" type="datetimeFigureOut">
               <a:rPr lang="en-US" smtClean="0"/>
               <a:pPr/>
-              <a:t>3/23/2015</a:t>
+              <a:t>5/29/2015</a:t>
             </a:fld>
             <a:endParaRPr lang="en-US"/>
           </a:p>
@@ -10102,7 +10078,7 @@
             <a:fld id="{1D8BD707-D9CF-40AE-B4C6-C98DA3205C09}" type="datetimeFigureOut">
               <a:rPr lang="en-US" smtClean="0"/>
               <a:pPr/>
-              <a:t>3/23/2015</a:t>
+              <a:t>5/29/2015</a:t>
             </a:fld>
             <a:endParaRPr lang="en-US"/>
           </a:p>
@@ -10521,7 +10497,7 @@
             <a:fld id="{1D8BD707-D9CF-40AE-B4C6-C98DA3205C09}" type="datetimeFigureOut">
               <a:rPr lang="en-US" smtClean="0"/>
               <a:pPr/>
-              <a:t>3/23/2015</a:t>
+              <a:t>5/29/2015</a:t>
             </a:fld>
             <a:endParaRPr lang="en-US"/>
           </a:p>
@@ -10636,7 +10612,7 @@
             <a:fld id="{1D8BD707-D9CF-40AE-B4C6-C98DA3205C09}" type="datetimeFigureOut">
               <a:rPr lang="en-US" smtClean="0"/>
               <a:pPr/>
-              <a:t>3/23/2015</a:t>
+              <a:t>5/29/2015</a:t>
             </a:fld>
             <a:endParaRPr lang="en-US"/>
           </a:p>
@@ -10728,7 +10704,7 @@
             <a:fld id="{1D8BD707-D9CF-40AE-B4C6-C98DA3205C09}" type="datetimeFigureOut">
               <a:rPr lang="en-US" smtClean="0"/>
               <a:pPr/>
-              <a:t>3/23/2015</a:t>
+              <a:t>5/29/2015</a:t>
             </a:fld>
             <a:endParaRPr lang="en-US"/>
           </a:p>
@@ -11002,7 +10978,7 @@
             <a:fld id="{1D8BD707-D9CF-40AE-B4C6-C98DA3205C09}" type="datetimeFigureOut">
               <a:rPr lang="en-US" smtClean="0"/>
               <a:pPr/>
-              <a:t>3/23/2015</a:t>
+              <a:t>5/29/2015</a:t>
             </a:fld>
             <a:endParaRPr lang="en-US"/>
           </a:p>
@@ -11252,7 +11228,7 @@
             <a:fld id="{1D8BD707-D9CF-40AE-B4C6-C98DA3205C09}" type="datetimeFigureOut">
               <a:rPr lang="en-US" smtClean="0"/>
               <a:pPr/>
-              <a:t>3/23/2015</a:t>
+              <a:t>5/29/2015</a:t>
             </a:fld>
             <a:endParaRPr lang="en-US"/>
           </a:p>
@@ -11462,7 +11438,7 @@
             <a:fld id="{1D8BD707-D9CF-40AE-B4C6-C98DA3205C09}" type="datetimeFigureOut">
               <a:rPr lang="en-US" smtClean="0"/>
               <a:pPr/>
-              <a:t>3/23/2015</a:t>
+              <a:t>5/29/2015</a:t>
             </a:fld>
             <a:endParaRPr lang="en-US"/>
           </a:p>
@@ -11899,7 +11875,7 @@
           <p:nvPr>
             <p:extLst>
               <p:ext uri="{D42A27DB-BD31-4B8C-83A1-F6EECF244321}">
-                <p14:modId xmlns:p14="http://schemas.microsoft.com/office/powerpoint/2010/main" val="500083901"/>
+                <p14:modId xmlns:p14="http://schemas.microsoft.com/office/powerpoint/2010/main" val="510799799"/>
               </p:ext>
             </p:extLst>
           </p:nvPr>
